--- a/Slides/Wk7Day1-SQLite.pptx
+++ b/Slides/Wk7Day1-SQLite.pptx
@@ -248,7 +248,7 @@
           <a:p>
             <a:fld id="{59B6F58A-1DC9-9140-A6F1-5CAF629CE03F}" type="datetimeFigureOut">
               <a:rPr lang="en-US" smtClean="0"/>
-              <a:t>5/22/17</a:t>
+              <a:t>2/12/18</a:t>
             </a:fld>
             <a:endParaRPr lang="en-US"/>
           </a:p>
@@ -785,7 +785,7 @@
           <a:p>
             <a:fld id="{7CE38E4D-051A-41E1-86A4-E56916468FD0}" type="datetimeFigureOut">
               <a:rPr lang="en-US" smtClean="0"/>
-              <a:t>5/22/17</a:t>
+              <a:t>2/12/18</a:t>
             </a:fld>
             <a:endParaRPr lang="en-US"/>
           </a:p>
@@ -950,7 +950,7 @@
           <a:p>
             <a:fld id="{7CE38E4D-051A-41E1-86A4-E56916468FD0}" type="datetimeFigureOut">
               <a:rPr lang="en-US" smtClean="0"/>
-              <a:t>5/22/17</a:t>
+              <a:t>2/12/18</a:t>
             </a:fld>
             <a:endParaRPr lang="en-US"/>
           </a:p>
@@ -1125,7 +1125,7 @@
           <a:p>
             <a:fld id="{7CE38E4D-051A-41E1-86A4-E56916468FD0}" type="datetimeFigureOut">
               <a:rPr lang="en-US" smtClean="0"/>
-              <a:t>5/22/17</a:t>
+              <a:t>2/12/18</a:t>
             </a:fld>
             <a:endParaRPr lang="en-US"/>
           </a:p>
@@ -1290,7 +1290,7 @@
           <a:p>
             <a:fld id="{7CE38E4D-051A-41E1-86A4-E56916468FD0}" type="datetimeFigureOut">
               <a:rPr lang="en-US" smtClean="0"/>
-              <a:t>5/22/17</a:t>
+              <a:t>2/12/18</a:t>
             </a:fld>
             <a:endParaRPr lang="en-US"/>
           </a:p>
@@ -1529,7 +1529,7 @@
           <a:p>
             <a:fld id="{7CE38E4D-051A-41E1-86A4-E56916468FD0}" type="datetimeFigureOut">
               <a:rPr lang="en-US" smtClean="0"/>
-              <a:t>5/22/17</a:t>
+              <a:t>2/12/18</a:t>
             </a:fld>
             <a:endParaRPr lang="en-US"/>
           </a:p>
@@ -1812,7 +1812,7 @@
           <a:p>
             <a:fld id="{7CE38E4D-051A-41E1-86A4-E56916468FD0}" type="datetimeFigureOut">
               <a:rPr lang="en-US" smtClean="0"/>
-              <a:t>5/22/17</a:t>
+              <a:t>2/12/18</a:t>
             </a:fld>
             <a:endParaRPr lang="en-US"/>
           </a:p>
@@ -2229,7 +2229,7 @@
           <a:p>
             <a:fld id="{7CE38E4D-051A-41E1-86A4-E56916468FD0}" type="datetimeFigureOut">
               <a:rPr lang="en-US" smtClean="0"/>
-              <a:t>5/22/17</a:t>
+              <a:t>2/12/18</a:t>
             </a:fld>
             <a:endParaRPr lang="en-US"/>
           </a:p>
@@ -2342,7 +2342,7 @@
           <a:p>
             <a:fld id="{7CE38E4D-051A-41E1-86A4-E56916468FD0}" type="datetimeFigureOut">
               <a:rPr lang="en-US" smtClean="0"/>
-              <a:t>5/22/17</a:t>
+              <a:t>2/12/18</a:t>
             </a:fld>
             <a:endParaRPr lang="en-US"/>
           </a:p>
@@ -2432,7 +2432,7 @@
           <a:p>
             <a:fld id="{7CE38E4D-051A-41E1-86A4-E56916468FD0}" type="datetimeFigureOut">
               <a:rPr lang="en-US" smtClean="0"/>
-              <a:t>5/22/17</a:t>
+              <a:t>2/12/18</a:t>
             </a:fld>
             <a:endParaRPr lang="en-US"/>
           </a:p>
@@ -2711,7 +2711,7 @@
           <a:p>
             <a:fld id="{7CE38E4D-051A-41E1-86A4-E56916468FD0}" type="datetimeFigureOut">
               <a:rPr lang="en-US" smtClean="0"/>
-              <a:t>5/22/17</a:t>
+              <a:t>2/12/18</a:t>
             </a:fld>
             <a:endParaRPr lang="en-US"/>
           </a:p>
@@ -2970,7 +2970,7 @@
           <a:p>
             <a:fld id="{7CE38E4D-051A-41E1-86A4-E56916468FD0}" type="datetimeFigureOut">
               <a:rPr lang="en-US" smtClean="0"/>
-              <a:t>5/22/17</a:t>
+              <a:t>2/12/18</a:t>
             </a:fld>
             <a:endParaRPr lang="en-US"/>
           </a:p>
@@ -3178,7 +3178,7 @@
           <a:p>
             <a:fld id="{7CE38E4D-051A-41E1-86A4-E56916468FD0}" type="datetimeFigureOut">
               <a:rPr lang="en-US" smtClean="0"/>
-              <a:t>5/22/17</a:t>
+              <a:t>2/12/18</a:t>
             </a:fld>
             <a:endParaRPr lang="en-US"/>
           </a:p>
@@ -3706,8 +3706,8 @@
         </p:nvSpPr>
         <p:spPr>
           <a:xfrm>
-            <a:off x="2583742" y="5065578"/>
-            <a:ext cx="3794950" cy="646331"/>
+            <a:off x="2593458" y="5065578"/>
+            <a:ext cx="3775521" cy="646331"/>
           </a:xfrm>
           <a:prstGeom prst="rect">
             <a:avLst/>
@@ -3733,16 +3733,8 @@
           <a:p>
             <a:pPr algn="ctr"/>
             <a:r>
-              <a:rPr lang="en-US" dirty="0"/>
-              <a:t>Spring </a:t>
-            </a:r>
-            <a:r>
-              <a:rPr lang="en-US" dirty="0" smtClean="0"/>
-              <a:t>20167Lane </a:t>
-            </a:r>
-            <a:r>
-              <a:rPr lang="en-US" dirty="0" smtClean="0"/>
-              <a:t>Community College</a:t>
+              <a:rPr lang="en-US" dirty="0" smtClean="0"/>
+              <a:t>Winter 2018 Lane Community College</a:t>
             </a:r>
           </a:p>
         </p:txBody>
@@ -5406,21 +5398,21 @@
       </p:graphicFrame>
       <p:graphicFrame>
         <p:nvGraphicFramePr>
-          <p:cNvPr id="7" name="Content Placeholder 4"/>
+          <p:cNvPr id="9" name="Content Placeholder 7"/>
           <p:cNvGraphicFramePr>
             <a:graphicFrameLocks/>
           </p:cNvGraphicFramePr>
           <p:nvPr>
             <p:extLst>
               <p:ext uri="{D42A27DB-BD31-4B8C-83A1-F6EECF244321}">
-                <p14:modId xmlns:p14="http://schemas.microsoft.com/office/powerpoint/2010/main" val="1122279541"/>
+                <p14:modId xmlns:p14="http://schemas.microsoft.com/office/powerpoint/2010/main" val="803373986"/>
               </p:ext>
             </p:extLst>
           </p:nvPr>
         </p:nvGraphicFramePr>
         <p:xfrm>
-          <a:off x="356277" y="2033752"/>
-          <a:ext cx="3991801" cy="4298238"/>
+          <a:off x="4507872" y="2033752"/>
+          <a:ext cx="4297617" cy="4291763"/>
         </p:xfrm>
         <a:graphic>
           <a:graphicData uri="http://schemas.openxmlformats.org/drawingml/2006/table">
@@ -5429,10 +5421,10 @@
                 <a:tableStyleId>{775DCB02-9BB8-47FD-8907-85C794F793BA}</a:tableStyleId>
               </a:tblPr>
               <a:tblGrid>
-                <a:gridCol w="511701"/>
-                <a:gridCol w="3480100"/>
+                <a:gridCol w="546664"/>
+                <a:gridCol w="3750953"/>
               </a:tblGrid>
-              <a:tr h="427278">
+              <a:tr h="318056">
                 <a:tc>
                   <a:txBody>
                     <a:bodyPr/>
@@ -5462,7 +5454,7 @@
                   <a:tcPr/>
                 </a:tc>
               </a:tr>
-              <a:tr h="942660">
+              <a:tr h="783339">
                 <a:tc>
                   <a:txBody>
                     <a:bodyPr/>
@@ -5470,7 +5462,7 @@
                     <a:p>
                       <a:r>
                         <a:rPr lang="en-US" sz="2800" dirty="0" smtClean="0"/>
-                        <a:t>1</a:t>
+                        <a:t>6</a:t>
                       </a:r>
                       <a:endParaRPr lang="en-US" sz="2800" dirty="0"/>
                     </a:p>
@@ -5501,37 +5493,32 @@
                       </a:pPr>
                       <a:r>
                         <a:rPr lang="en-US" sz="2800" dirty="0" smtClean="0"/>
-                        <a:t>Intro</a:t>
+                        <a:t>Layouts + </a:t>
                       </a:r>
                       <a:r>
                         <a:rPr lang="en-US" sz="2800" baseline="0" dirty="0" smtClean="0"/>
-                        <a:t> +</a:t>
-                      </a:r>
+                        <a:t>orientation</a:t>
+                      </a:r>
+                      <a:endParaRPr lang="en-US" sz="2800" dirty="0" smtClean="0"/>
+                    </a:p>
+                  </a:txBody>
+                  <a:tcPr/>
+                </a:tc>
+              </a:tr>
+              <a:tr h="948426">
+                <a:tc>
+                  <a:txBody>
+                    <a:bodyPr/>
+                    <a:lstStyle/>
+                    <a:p>
                       <a:r>
                         <a:rPr lang="en-US" sz="2800" dirty="0" smtClean="0"/>
-                        <a:t> single-screen apps</a:t>
-                      </a:r>
+                        <a:t>7</a:t>
+                      </a:r>
+                      <a:endParaRPr lang="en-US" sz="2800" dirty="0"/>
                     </a:p>
                   </a:txBody>
                   <a:tcPr/>
-                </a:tc>
-              </a:tr>
-              <a:tr h="942660">
-                <a:tc>
-                  <a:txBody>
-                    <a:bodyPr/>
-                    <a:lstStyle/>
-                    <a:p>
-                      <a:r>
-                        <a:rPr lang="en-US" sz="2800" dirty="0" smtClean="0"/>
-                        <a:t>2</a:t>
-                      </a:r>
-                      <a:endParaRPr lang="en-US" sz="2800" dirty="0"/>
-                    </a:p>
-                  </a:txBody>
-                  <a:tcPr>
-                    <a:noFill/>
-                  </a:tcPr>
                 </a:tc>
                 <a:tc>
                   <a:txBody>
@@ -5557,16 +5544,14 @@
                       </a:pPr>
                       <a:r>
                         <a:rPr lang="en-US" sz="2800" dirty="0" smtClean="0"/>
-                        <a:t>Multi-screen (multi-activity) apps</a:t>
-                      </a:r>
-                    </a:p>
-                  </a:txBody>
-                  <a:tcPr>
-                    <a:noFill/>
-                  </a:tcPr>
+                        <a:t>Adapting to size and orientation: fragments</a:t>
+                      </a:r>
+                    </a:p>
+                  </a:txBody>
+                  <a:tcPr/>
                 </a:tc>
               </a:tr>
-              <a:tr h="942660">
+              <a:tr h="578700">
                 <a:tc>
                   <a:txBody>
                     <a:bodyPr/>
@@ -5574,14 +5559,14 @@
                     <a:p>
                       <a:r>
                         <a:rPr lang="en-US" sz="2800" dirty="0" smtClean="0"/>
-                        <a:t>3</a:t>
+                        <a:t>8</a:t>
                       </a:r>
                       <a:endParaRPr lang="en-US" sz="2800" dirty="0"/>
                     </a:p>
                   </a:txBody>
                   <a:tcPr>
                     <a:solidFill>
-                      <a:schemeClr val="accent4">
+                      <a:schemeClr val="accent1">
                         <a:alpha val="40000"/>
                       </a:schemeClr>
                     </a:solidFill>
@@ -5611,25 +5596,20 @@
                       </a:pPr>
                       <a:r>
                         <a:rPr lang="en-US" sz="2800" dirty="0" smtClean="0"/>
-                        <a:t>Activity lifecycle</a:t>
-                      </a:r>
-                      <a:r>
-                        <a:rPr lang="en-US" sz="2800" baseline="0" dirty="0" smtClean="0"/>
-                        <a:t> and state</a:t>
-                      </a:r>
-                      <a:endParaRPr lang="en-US" sz="2800" dirty="0" smtClean="0"/>
+                        <a:t>Managing data: SQLite</a:t>
+                      </a:r>
                     </a:p>
                   </a:txBody>
                   <a:tcPr>
                     <a:solidFill>
-                      <a:schemeClr val="accent4">
+                      <a:schemeClr val="accent1">
                         <a:alpha val="40000"/>
                       </a:schemeClr>
                     </a:solidFill>
                   </a:tcPr>
                 </a:tc>
               </a:tr>
-              <a:tr h="516942">
+              <a:tr h="525177">
                 <a:tc>
                   <a:txBody>
                     <a:bodyPr/>
@@ -5637,16 +5617,14 @@
                     <a:p>
                       <a:r>
                         <a:rPr lang="en-US" sz="2800" dirty="0" smtClean="0"/>
-                        <a:t>4</a:t>
+                        <a:t>9</a:t>
                       </a:r>
                       <a:endParaRPr lang="en-US" sz="2800" dirty="0"/>
                     </a:p>
                   </a:txBody>
-                  <a:tcPr>
-                    <a:noFill/>
-                  </a:tcPr>
-                </a:tc>
-                <a:tc rowSpan="2">
+                  <a:tcPr/>
+                </a:tc>
+                <a:tc>
                   <a:txBody>
                     <a:bodyPr/>
                     <a:lstStyle/>
@@ -5670,21 +5648,14 @@
                       </a:pPr>
                       <a:r>
                         <a:rPr lang="en-US" sz="2800" dirty="0" smtClean="0"/>
-                        <a:t>List</a:t>
-                      </a:r>
-                      <a:r>
-                        <a:rPr lang="en-US" sz="2800" baseline="0" dirty="0" smtClean="0"/>
-                        <a:t> Views + Adapters</a:t>
-                      </a:r>
-                      <a:endParaRPr lang="en-US" sz="2800" dirty="0" smtClean="0"/>
-                    </a:p>
-                  </a:txBody>
-                  <a:tcPr>
-                    <a:noFill/>
-                  </a:tcPr>
+                        <a:t>Consuming web services</a:t>
+                      </a:r>
+                    </a:p>
+                  </a:txBody>
+                  <a:tcPr/>
                 </a:tc>
               </a:tr>
-              <a:tr h="516942">
+              <a:tr h="670658">
                 <a:tc>
                   <a:txBody>
                     <a:bodyPr/>
@@ -5692,22 +5663,14 @@
                     <a:p>
                       <a:r>
                         <a:rPr lang="en-US" sz="2800" dirty="0" smtClean="0"/>
-                        <a:t>5</a:t>
+                        <a:t>10</a:t>
                       </a:r>
                       <a:endParaRPr lang="en-US" sz="2800" dirty="0"/>
                     </a:p>
                   </a:txBody>
-                  <a:tcPr>
-                    <a:solidFill>
-                      <a:schemeClr val="accent4">
-                        <a:lumMod val="60000"/>
-                        <a:lumOff val="40000"/>
-                        <a:alpha val="40000"/>
-                      </a:schemeClr>
-                    </a:solidFill>
-                  </a:tcPr>
-                </a:tc>
-                <a:tc vMerge="1">
+                  <a:tcPr/>
+                </a:tc>
+                <a:tc>
                   <a:txBody>
                     <a:bodyPr/>
                     <a:lstStyle/>
@@ -5729,16 +5692,14 @@
                         <a:tabLst/>
                         <a:defRPr/>
                       </a:pPr>
+                      <a:r>
+                        <a:rPr lang="en-US" sz="2800" dirty="0" err="1" smtClean="0"/>
+                        <a:t>Geolocation</a:t>
+                      </a:r>
                       <a:endParaRPr lang="en-US" sz="2800" dirty="0" smtClean="0"/>
                     </a:p>
                   </a:txBody>
-                  <a:tcPr>
-                    <a:solidFill>
-                      <a:schemeClr val="accent1">
-                        <a:alpha val="40000"/>
-                      </a:schemeClr>
-                    </a:solidFill>
-                  </a:tcPr>
+                  <a:tcPr/>
                 </a:tc>
               </a:tr>
             </a:tbl>
@@ -5747,21 +5708,21 @@
       </p:graphicFrame>
       <p:graphicFrame>
         <p:nvGraphicFramePr>
-          <p:cNvPr id="9" name="Content Placeholder 7"/>
+          <p:cNvPr id="10" name="Content Placeholder 4"/>
           <p:cNvGraphicFramePr>
             <a:graphicFrameLocks/>
           </p:cNvGraphicFramePr>
           <p:nvPr>
             <p:extLst>
               <p:ext uri="{D42A27DB-BD31-4B8C-83A1-F6EECF244321}">
-                <p14:modId xmlns:p14="http://schemas.microsoft.com/office/powerpoint/2010/main" val="803373986"/>
+                <p14:modId xmlns:p14="http://schemas.microsoft.com/office/powerpoint/2010/main" val="1575679281"/>
               </p:ext>
             </p:extLst>
           </p:nvPr>
         </p:nvGraphicFramePr>
         <p:xfrm>
-          <a:off x="4507872" y="2033752"/>
-          <a:ext cx="4297617" cy="4291763"/>
+          <a:off x="375131" y="1600200"/>
+          <a:ext cx="3991801" cy="4663440"/>
         </p:xfrm>
         <a:graphic>
           <a:graphicData uri="http://schemas.openxmlformats.org/drawingml/2006/table">
@@ -5770,10 +5731,10 @@
                 <a:tableStyleId>{775DCB02-9BB8-47FD-8907-85C794F793BA}</a:tableStyleId>
               </a:tblPr>
               <a:tblGrid>
-                <a:gridCol w="546664"/>
-                <a:gridCol w="3750953"/>
+                <a:gridCol w="511701"/>
+                <a:gridCol w="3480100"/>
               </a:tblGrid>
-              <a:tr h="318056">
+              <a:tr h="351148">
                 <a:tc>
                   <a:txBody>
                     <a:bodyPr/>
@@ -5803,7 +5764,7 @@
                   <a:tcPr/>
                 </a:tc>
               </a:tr>
-              <a:tr h="783339">
+              <a:tr h="942660">
                 <a:tc>
                   <a:txBody>
                     <a:bodyPr/>
@@ -5811,7 +5772,7 @@
                     <a:p>
                       <a:r>
                         <a:rPr lang="en-US" sz="2800" dirty="0" smtClean="0"/>
-                        <a:t>6</a:t>
+                        <a:t>1</a:t>
                       </a:r>
                       <a:endParaRPr lang="en-US" sz="2800" dirty="0"/>
                     </a:p>
@@ -5842,19 +5803,22 @@
                       </a:pPr>
                       <a:r>
                         <a:rPr lang="en-US" sz="2800" dirty="0" smtClean="0"/>
-                        <a:t>Layouts + </a:t>
+                        <a:t>Intro</a:t>
                       </a:r>
                       <a:r>
                         <a:rPr lang="en-US" sz="2800" baseline="0" dirty="0" smtClean="0"/>
-                        <a:t>orientation</a:t>
-                      </a:r>
-                      <a:endParaRPr lang="en-US" sz="2800" dirty="0" smtClean="0"/>
+                        <a:t> +</a:t>
+                      </a:r>
+                      <a:r>
+                        <a:rPr lang="en-US" sz="2800" dirty="0" smtClean="0"/>
+                        <a:t> single-screen apps</a:t>
+                      </a:r>
                     </a:p>
                   </a:txBody>
                   <a:tcPr/>
                 </a:tc>
               </a:tr>
-              <a:tr h="948426">
+              <a:tr h="942660">
                 <a:tc>
                   <a:txBody>
                     <a:bodyPr/>
@@ -5862,12 +5826,14 @@
                     <a:p>
                       <a:r>
                         <a:rPr lang="en-US" sz="2800" dirty="0" smtClean="0"/>
-                        <a:t>7</a:t>
+                        <a:t>2</a:t>
                       </a:r>
                       <a:endParaRPr lang="en-US" sz="2800" dirty="0"/>
                     </a:p>
                   </a:txBody>
-                  <a:tcPr/>
+                  <a:tcPr>
+                    <a:noFill/>
+                  </a:tcPr>
                 </a:tc>
                 <a:tc>
                   <a:txBody>
@@ -5893,14 +5859,16 @@
                       </a:pPr>
                       <a:r>
                         <a:rPr lang="en-US" sz="2800" dirty="0" smtClean="0"/>
-                        <a:t>Adapting to size and orientation: fragments</a:t>
-                      </a:r>
-                    </a:p>
-                  </a:txBody>
-                  <a:tcPr/>
+                        <a:t>Multi-screen (multi-activity) apps</a:t>
+                      </a:r>
+                    </a:p>
+                  </a:txBody>
+                  <a:tcPr>
+                    <a:noFill/>
+                  </a:tcPr>
                 </a:tc>
               </a:tr>
-              <a:tr h="578700">
+              <a:tr h="942660">
                 <a:tc>
                   <a:txBody>
                     <a:bodyPr/>
@@ -5908,14 +5876,14 @@
                     <a:p>
                       <a:r>
                         <a:rPr lang="en-US" sz="2800" dirty="0" smtClean="0"/>
-                        <a:t>8</a:t>
+                        <a:t>3</a:t>
                       </a:r>
                       <a:endParaRPr lang="en-US" sz="2800" dirty="0"/>
                     </a:p>
                   </a:txBody>
                   <a:tcPr>
                     <a:solidFill>
-                      <a:schemeClr val="accent1">
+                      <a:schemeClr val="accent4">
                         <a:alpha val="40000"/>
                       </a:schemeClr>
                     </a:solidFill>
@@ -5945,20 +5913,25 @@
                       </a:pPr>
                       <a:r>
                         <a:rPr lang="en-US" sz="2800" dirty="0" smtClean="0"/>
-                        <a:t>Managing data: SQLite</a:t>
-                      </a:r>
+                        <a:t>Activity lifecycle</a:t>
+                      </a:r>
+                      <a:r>
+                        <a:rPr lang="en-US" sz="2800" baseline="0" dirty="0" smtClean="0"/>
+                        <a:t> + state</a:t>
+                      </a:r>
+                      <a:endParaRPr lang="en-US" sz="2800" dirty="0" smtClean="0"/>
                     </a:p>
                   </a:txBody>
                   <a:tcPr>
                     <a:solidFill>
-                      <a:schemeClr val="accent1">
+                      <a:schemeClr val="accent4">
                         <a:alpha val="40000"/>
                       </a:schemeClr>
                     </a:solidFill>
                   </a:tcPr>
                 </a:tc>
               </a:tr>
-              <a:tr h="525177">
+              <a:tr h="516942">
                 <a:tc>
                   <a:txBody>
                     <a:bodyPr/>
@@ -5966,12 +5939,14 @@
                     <a:p>
                       <a:r>
                         <a:rPr lang="en-US" sz="2800" dirty="0" smtClean="0"/>
-                        <a:t>9</a:t>
+                        <a:t>4</a:t>
                       </a:r>
                       <a:endParaRPr lang="en-US" sz="2800" dirty="0"/>
                     </a:p>
                   </a:txBody>
-                  <a:tcPr/>
+                  <a:tcPr>
+                    <a:noFill/>
+                  </a:tcPr>
                 </a:tc>
                 <a:tc>
                   <a:txBody>
@@ -5997,14 +5972,21 @@
                       </a:pPr>
                       <a:r>
                         <a:rPr lang="en-US" sz="2800" dirty="0" smtClean="0"/>
-                        <a:t>Consuming web services</a:t>
-                      </a:r>
-                    </a:p>
-                  </a:txBody>
-                  <a:tcPr/>
+                        <a:t>Adapting to size and orientation:</a:t>
+                      </a:r>
+                      <a:r>
+                        <a:rPr lang="en-US" sz="2800" baseline="0" dirty="0" smtClean="0"/>
+                        <a:t> Layouts</a:t>
+                      </a:r>
+                      <a:endParaRPr lang="en-US" sz="2800" dirty="0" smtClean="0"/>
+                    </a:p>
+                  </a:txBody>
+                  <a:tcPr>
+                    <a:noFill/>
+                  </a:tcPr>
                 </a:tc>
               </a:tr>
-              <a:tr h="670658">
+              <a:tr h="516942">
                 <a:tc>
                   <a:txBody>
                     <a:bodyPr/>
@@ -6012,12 +5994,19 @@
                     <a:p>
                       <a:r>
                         <a:rPr lang="en-US" sz="2800" dirty="0" smtClean="0"/>
-                        <a:t>10</a:t>
+                        <a:t>5</a:t>
                       </a:r>
                       <a:endParaRPr lang="en-US" sz="2800" dirty="0"/>
                     </a:p>
                   </a:txBody>
-                  <a:tcPr/>
+                  <a:tcPr>
+                    <a:solidFill>
+                      <a:schemeClr val="tx2">
+                        <a:lumMod val="75000"/>
+                        <a:alpha val="40000"/>
+                      </a:schemeClr>
+                    </a:solidFill>
+                  </a:tcPr>
                 </a:tc>
                 <a:tc>
                   <a:txBody>
@@ -6042,10 +6031,345 @@
                         <a:defRPr/>
                       </a:pPr>
                       <a:r>
-                        <a:rPr lang="en-US" sz="2800" dirty="0" err="1" smtClean="0"/>
+                        <a:rPr lang="en-US" sz="2800" dirty="0" smtClean="0"/>
+                        <a:t>Fragments</a:t>
+                      </a:r>
+                    </a:p>
+                  </a:txBody>
+                  <a:tcPr>
+                    <a:solidFill>
+                      <a:schemeClr val="tx2">
+                        <a:lumMod val="75000"/>
+                        <a:alpha val="40000"/>
+                      </a:schemeClr>
+                    </a:solidFill>
+                  </a:tcPr>
+                </a:tc>
+              </a:tr>
+            </a:tbl>
+          </a:graphicData>
+        </a:graphic>
+      </p:graphicFrame>
+      <p:graphicFrame>
+        <p:nvGraphicFramePr>
+          <p:cNvPr id="11" name="Content Placeholder 7"/>
+          <p:cNvGraphicFramePr>
+            <a:graphicFrameLocks/>
+          </p:cNvGraphicFramePr>
+          <p:nvPr>
+            <p:extLst>
+              <p:ext uri="{D42A27DB-BD31-4B8C-83A1-F6EECF244321}">
+                <p14:modId xmlns:p14="http://schemas.microsoft.com/office/powerpoint/2010/main" val="1661579014"/>
+              </p:ext>
+            </p:extLst>
+          </p:nvPr>
+        </p:nvGraphicFramePr>
+        <p:xfrm>
+          <a:off x="4471252" y="1600201"/>
+          <a:ext cx="4297617" cy="4682299"/>
+        </p:xfrm>
+        <a:graphic>
+          <a:graphicData uri="http://schemas.openxmlformats.org/drawingml/2006/table">
+            <a:tbl>
+              <a:tblPr firstRow="1" bandRow="1">
+                <a:tableStyleId>{775DCB02-9BB8-47FD-8907-85C794F793BA}</a:tableStyleId>
+              </a:tblPr>
+              <a:tblGrid>
+                <a:gridCol w="546664"/>
+                <a:gridCol w="3750953"/>
+              </a:tblGrid>
+              <a:tr h="346900">
+                <a:tc>
+                  <a:txBody>
+                    <a:bodyPr/>
+                    <a:lstStyle/>
+                    <a:p>
+                      <a:r>
+                        <a:rPr lang="en-US" dirty="0" smtClean="0"/>
+                        <a:t>Wk</a:t>
+                      </a:r>
+                      <a:endParaRPr lang="en-US" dirty="0"/>
+                    </a:p>
+                  </a:txBody>
+                  <a:tcPr/>
+                </a:tc>
+                <a:tc>
+                  <a:txBody>
+                    <a:bodyPr/>
+                    <a:lstStyle/>
+                    <a:p>
+                      <a:r>
+                        <a:rPr lang="en-US" dirty="0" smtClean="0"/>
+                        <a:t>Topic</a:t>
+                      </a:r>
+                      <a:endParaRPr lang="en-US" dirty="0"/>
+                    </a:p>
+                  </a:txBody>
+                  <a:tcPr/>
+                </a:tc>
+              </a:tr>
+              <a:tr h="675372">
+                <a:tc>
+                  <a:txBody>
+                    <a:bodyPr/>
+                    <a:lstStyle/>
+                    <a:p>
+                      <a:r>
+                        <a:rPr lang="en-US" sz="2800" dirty="0" smtClean="0"/>
+                        <a:t>6</a:t>
+                      </a:r>
+                      <a:endParaRPr lang="en-US" sz="2800" dirty="0"/>
+                    </a:p>
+                  </a:txBody>
+                  <a:tcPr>
+                    <a:solidFill>
+                      <a:schemeClr val="bg2">
+                        <a:lumMod val="50000"/>
+                        <a:lumOff val="50000"/>
+                        <a:alpha val="40000"/>
+                      </a:schemeClr>
+                    </a:solidFill>
+                  </a:tcPr>
+                </a:tc>
+                <a:tc>
+                  <a:txBody>
+                    <a:bodyPr/>
+                    <a:lstStyle/>
+                    <a:p>
+                      <a:pPr marL="0" marR="0" indent="0" algn="l" defTabSz="457200" rtl="0" eaLnBrk="1" fontAlgn="auto" latinLnBrk="0" hangingPunct="1">
+                        <a:lnSpc>
+                          <a:spcPct val="100000"/>
+                        </a:lnSpc>
+                        <a:spcBef>
+                          <a:spcPts val="0"/>
+                        </a:spcBef>
+                        <a:spcAft>
+                          <a:spcPts val="0"/>
+                        </a:spcAft>
+                        <a:buClrTx/>
+                        <a:buSzTx/>
+                        <a:buFontTx/>
+                        <a:buNone/>
+                        <a:tabLst/>
+                        <a:defRPr/>
+                      </a:pPr>
+                      <a:r>
+                        <a:rPr lang="en-US" sz="2800" dirty="0" smtClean="0"/>
+                        <a:t>List</a:t>
+                      </a:r>
+                      <a:r>
+                        <a:rPr lang="en-US" sz="2800" baseline="0" dirty="0" smtClean="0"/>
+                        <a:t> Views</a:t>
+                      </a:r>
+                      <a:endParaRPr lang="en-US" sz="2800" dirty="0" smtClean="0"/>
+                    </a:p>
+                  </a:txBody>
+                  <a:tcPr>
+                    <a:solidFill>
+                      <a:schemeClr val="bg2">
+                        <a:lumMod val="50000"/>
+                        <a:lumOff val="50000"/>
+                        <a:alpha val="40000"/>
+                      </a:schemeClr>
+                    </a:solidFill>
+                  </a:tcPr>
+                </a:tc>
+              </a:tr>
+              <a:tr h="817706">
+                <a:tc>
+                  <a:txBody>
+                    <a:bodyPr/>
+                    <a:lstStyle/>
+                    <a:p>
+                      <a:r>
+                        <a:rPr lang="en-US" sz="2800" dirty="0" smtClean="0"/>
+                        <a:t>7</a:t>
+                      </a:r>
+                      <a:endParaRPr lang="en-US" sz="2800" dirty="0"/>
+                    </a:p>
+                  </a:txBody>
+                  <a:tcPr>
+                    <a:solidFill>
+                      <a:schemeClr val="accent1"/>
+                    </a:solidFill>
+                  </a:tcPr>
+                </a:tc>
+                <a:tc>
+                  <a:txBody>
+                    <a:bodyPr/>
+                    <a:lstStyle/>
+                    <a:p>
+                      <a:pPr marL="0" marR="0" indent="0" algn="l" defTabSz="457200" rtl="0" eaLnBrk="1" fontAlgn="auto" latinLnBrk="0" hangingPunct="1">
+                        <a:lnSpc>
+                          <a:spcPct val="100000"/>
+                        </a:lnSpc>
+                        <a:spcBef>
+                          <a:spcPts val="0"/>
+                        </a:spcBef>
+                        <a:spcAft>
+                          <a:spcPts val="0"/>
+                        </a:spcAft>
+                        <a:buClrTx/>
+                        <a:buSzTx/>
+                        <a:buFontTx/>
+                        <a:buNone/>
+                        <a:tabLst/>
+                        <a:defRPr/>
+                      </a:pPr>
+                      <a:r>
+                        <a:rPr lang="en-US" sz="2800" dirty="0" smtClean="0"/>
+                        <a:t>Managing data: SQLite</a:t>
+                      </a:r>
+                    </a:p>
+                  </a:txBody>
+                  <a:tcPr>
+                    <a:solidFill>
+                      <a:schemeClr val="accent1"/>
+                    </a:solidFill>
+                  </a:tcPr>
+                </a:tc>
+              </a:tr>
+              <a:tr h="737182">
+                <a:tc>
+                  <a:txBody>
+                    <a:bodyPr/>
+                    <a:lstStyle/>
+                    <a:p>
+                      <a:r>
+                        <a:rPr lang="en-US" sz="2800" dirty="0" smtClean="0"/>
+                        <a:t>8</a:t>
+                      </a:r>
+                      <a:endParaRPr lang="en-US" sz="2800" dirty="0"/>
+                    </a:p>
+                  </a:txBody>
+                  <a:tcPr/>
+                </a:tc>
+                <a:tc>
+                  <a:txBody>
+                    <a:bodyPr/>
+                    <a:lstStyle/>
+                    <a:p>
+                      <a:pPr marL="0" marR="0" indent="0" algn="l" defTabSz="457200" rtl="0" eaLnBrk="1" fontAlgn="auto" latinLnBrk="0" hangingPunct="1">
+                        <a:lnSpc>
+                          <a:spcPct val="100000"/>
+                        </a:lnSpc>
+                        <a:spcBef>
+                          <a:spcPts val="0"/>
+                        </a:spcBef>
+                        <a:spcAft>
+                          <a:spcPts val="0"/>
+                        </a:spcAft>
+                        <a:buClrTx/>
+                        <a:buSzTx/>
+                        <a:buFontTx/>
+                        <a:buNone/>
+                        <a:tabLst/>
+                        <a:defRPr/>
+                      </a:pPr>
+                      <a:r>
+                        <a:rPr lang="en-US" sz="2800" dirty="0" smtClean="0"/>
                         <a:t>Geolocation</a:t>
                       </a:r>
-                      <a:endParaRPr lang="en-US" sz="2800" dirty="0" smtClean="0"/>
+                    </a:p>
+                  </a:txBody>
+                  <a:tcPr/>
+                </a:tc>
+              </a:tr>
+              <a:tr h="1175010">
+                <a:tc>
+                  <a:txBody>
+                    <a:bodyPr/>
+                    <a:lstStyle/>
+                    <a:p>
+                      <a:r>
+                        <a:rPr lang="en-US" sz="2800" dirty="0" smtClean="0"/>
+                        <a:t>9</a:t>
+                      </a:r>
+                      <a:endParaRPr lang="en-US" sz="2800" dirty="0"/>
+                    </a:p>
+                  </a:txBody>
+                  <a:tcPr/>
+                </a:tc>
+                <a:tc>
+                  <a:txBody>
+                    <a:bodyPr/>
+                    <a:lstStyle/>
+                    <a:p>
+                      <a:pPr marL="0" marR="0" indent="0" algn="l" defTabSz="457200" rtl="0" eaLnBrk="1" fontAlgn="auto" latinLnBrk="0" hangingPunct="1">
+                        <a:lnSpc>
+                          <a:spcPct val="100000"/>
+                        </a:lnSpc>
+                        <a:spcBef>
+                          <a:spcPts val="0"/>
+                        </a:spcBef>
+                        <a:spcAft>
+                          <a:spcPts val="0"/>
+                        </a:spcAft>
+                        <a:buClrTx/>
+                        <a:buSzTx/>
+                        <a:buFontTx/>
+                        <a:buNone/>
+                        <a:tabLst/>
+                        <a:defRPr/>
+                      </a:pPr>
+                      <a:r>
+                        <a:rPr lang="en-US" sz="2800" dirty="0" smtClean="0"/>
+                        <a:t>Publishing</a:t>
+                      </a:r>
+                      <a:r>
+                        <a:rPr lang="en-US" sz="2800" baseline="0" dirty="0" smtClean="0"/>
+                        <a:t> to </a:t>
+                      </a:r>
+                      <a:r>
+                        <a:rPr lang="en-US" sz="2800" dirty="0" smtClean="0"/>
+                        <a:t>an App Store</a:t>
+                      </a:r>
+                    </a:p>
+                  </a:txBody>
+                  <a:tcPr/>
+                </a:tc>
+              </a:tr>
+              <a:tr h="911269">
+                <a:tc>
+                  <a:txBody>
+                    <a:bodyPr/>
+                    <a:lstStyle/>
+                    <a:p>
+                      <a:r>
+                        <a:rPr lang="en-US" sz="2800" dirty="0" smtClean="0"/>
+                        <a:t>10</a:t>
+                      </a:r>
+                      <a:endParaRPr lang="en-US" sz="2800" dirty="0"/>
+                    </a:p>
+                  </a:txBody>
+                  <a:tcPr/>
+                </a:tc>
+                <a:tc>
+                  <a:txBody>
+                    <a:bodyPr/>
+                    <a:lstStyle/>
+                    <a:p>
+                      <a:pPr marL="0" marR="0" indent="0" algn="l" defTabSz="457200" rtl="0" eaLnBrk="1" fontAlgn="auto" latinLnBrk="0" hangingPunct="1">
+                        <a:lnSpc>
+                          <a:spcPct val="100000"/>
+                        </a:lnSpc>
+                        <a:spcBef>
+                          <a:spcPts val="0"/>
+                        </a:spcBef>
+                        <a:spcAft>
+                          <a:spcPts val="0"/>
+                        </a:spcAft>
+                        <a:buClrTx/>
+                        <a:buSzTx/>
+                        <a:buFontTx/>
+                        <a:buNone/>
+                        <a:tabLst/>
+                        <a:defRPr/>
+                      </a:pPr>
+                      <a:r>
+                        <a:rPr lang="en-US" sz="2800" dirty="0" smtClean="0"/>
+                        <a:t>Term Project</a:t>
+                      </a:r>
                     </a:p>
                   </a:txBody>
                   <a:tcPr/>
@@ -7346,7 +7670,6 @@
             </a:r>
           </a:p>
           <a:p>
-            <a:pPr lvl="1"/>
             <a:r>
               <a:rPr lang="en-US" dirty="0" smtClean="0"/>
               <a:t>Many popular RDBMS’s use SQL: Oracle, SQL Server, My SQL</a:t>

--- a/Slides/Wk7Day1-SQLite.pptx
+++ b/Slides/Wk7Day1-SQLite.pptx
@@ -248,7 +248,7 @@
           <a:p>
             <a:fld id="{59B6F58A-1DC9-9140-A6F1-5CAF629CE03F}" type="datetimeFigureOut">
               <a:rPr lang="en-US" smtClean="0"/>
-              <a:t>2/12/18</a:t>
+              <a:t>3/16/18</a:t>
             </a:fld>
             <a:endParaRPr lang="en-US"/>
           </a:p>
@@ -312,38 +312,37 @@
           <a:p>
             <a:pPr lvl="0"/>
             <a:r>
-              <a:rPr lang="en-US" smtClean="0"/>
+              <a:rPr lang="en-US"/>
               <a:t>Click to edit Master text styles</a:t>
             </a:r>
           </a:p>
           <a:p>
             <a:pPr lvl="1"/>
             <a:r>
-              <a:rPr lang="en-US" smtClean="0"/>
+              <a:rPr lang="en-US"/>
               <a:t>Second level</a:t>
             </a:r>
           </a:p>
           <a:p>
             <a:pPr lvl="2"/>
             <a:r>
-              <a:rPr lang="en-US" smtClean="0"/>
+              <a:rPr lang="en-US"/>
               <a:t>Third level</a:t>
             </a:r>
           </a:p>
           <a:p>
             <a:pPr lvl="3"/>
             <a:r>
-              <a:rPr lang="en-US" smtClean="0"/>
+              <a:rPr lang="en-US"/>
               <a:t>Fourth level</a:t>
             </a:r>
           </a:p>
           <a:p>
             <a:pPr lvl="4"/>
             <a:r>
-              <a:rPr lang="en-US" smtClean="0"/>
+              <a:rPr lang="en-US"/>
               <a:t>Fifth level</a:t>
             </a:r>
-            <a:endParaRPr lang="en-US"/>
           </a:p>
         </p:txBody>
       </p:sp>
@@ -560,7 +559,595 @@
           <a:bodyPr/>
           <a:lstStyle/>
           <a:p>
-            <a:endParaRPr lang="en-US" baseline="0" dirty="0" smtClean="0"/>
+            <a:endParaRPr lang="en-US"/>
+          </a:p>
+        </p:txBody>
+      </p:sp>
+      <p:sp>
+        <p:nvSpPr>
+          <p:cNvPr id="4" name="Slide Number Placeholder 3"/>
+          <p:cNvSpPr>
+            <a:spLocks noGrp="1"/>
+          </p:cNvSpPr>
+          <p:nvPr>
+            <p:ph type="sldNum" sz="quarter" idx="10"/>
+          </p:nvPr>
+        </p:nvSpPr>
+        <p:spPr/>
+        <p:txBody>
+          <a:bodyPr/>
+          <a:lstStyle/>
+          <a:p>
+            <a:fld id="{E94675F0-C2CB-0246-91F1-0967C899A5BC}" type="slidenum">
+              <a:rPr lang="en-US" smtClean="0"/>
+              <a:t>1</a:t>
+            </a:fld>
+            <a:endParaRPr lang="en-US"/>
+          </a:p>
+        </p:txBody>
+      </p:sp>
+    </p:spTree>
+    <p:extLst>
+      <p:ext uri="{BB962C8B-B14F-4D97-AF65-F5344CB8AC3E}">
+        <p14:creationId xmlns:p14="http://schemas.microsoft.com/office/powerpoint/2010/main" val="2476450911"/>
+      </p:ext>
+    </p:extLst>
+  </p:cSld>
+  <p:clrMapOvr>
+    <a:masterClrMapping/>
+  </p:clrMapOvr>
+</p:notes>
+</file>
+
+<file path=ppt/notesSlides/notesSlide10.xml><?xml version="1.0" encoding="utf-8"?>
+<p:notes xmlns:a="http://schemas.openxmlformats.org/drawingml/2006/main" xmlns:r="http://schemas.openxmlformats.org/officeDocument/2006/relationships" xmlns:p="http://schemas.openxmlformats.org/presentationml/2006/main">
+  <p:cSld>
+    <p:spTree>
+      <p:nvGrpSpPr>
+        <p:cNvPr id="1" name=""/>
+        <p:cNvGrpSpPr/>
+        <p:nvPr/>
+      </p:nvGrpSpPr>
+      <p:grpSpPr>
+        <a:xfrm>
+          <a:off x="0" y="0"/>
+          <a:ext cx="0" cy="0"/>
+          <a:chOff x="0" y="0"/>
+          <a:chExt cx="0" cy="0"/>
+        </a:xfrm>
+      </p:grpSpPr>
+      <p:sp>
+        <p:nvSpPr>
+          <p:cNvPr id="2" name="Slide Image Placeholder 1"/>
+          <p:cNvSpPr>
+            <a:spLocks noGrp="1" noRot="1" noChangeAspect="1"/>
+          </p:cNvSpPr>
+          <p:nvPr>
+            <p:ph type="sldImg"/>
+          </p:nvPr>
+        </p:nvSpPr>
+        <p:spPr/>
+      </p:sp>
+      <p:sp>
+        <p:nvSpPr>
+          <p:cNvPr id="3" name="Notes Placeholder 2"/>
+          <p:cNvSpPr>
+            <a:spLocks noGrp="1"/>
+          </p:cNvSpPr>
+          <p:nvPr>
+            <p:ph type="body" idx="1"/>
+          </p:nvPr>
+        </p:nvSpPr>
+        <p:spPr/>
+        <p:txBody>
+          <a:bodyPr/>
+          <a:lstStyle/>
+          <a:p>
+            <a:endParaRPr lang="en-US"/>
+          </a:p>
+        </p:txBody>
+      </p:sp>
+      <p:sp>
+        <p:nvSpPr>
+          <p:cNvPr id="4" name="Slide Number Placeholder 3"/>
+          <p:cNvSpPr>
+            <a:spLocks noGrp="1"/>
+          </p:cNvSpPr>
+          <p:nvPr>
+            <p:ph type="sldNum" sz="quarter" idx="10"/>
+          </p:nvPr>
+        </p:nvSpPr>
+        <p:spPr/>
+        <p:txBody>
+          <a:bodyPr/>
+          <a:lstStyle/>
+          <a:p>
+            <a:fld id="{E94675F0-C2CB-0246-91F1-0967C899A5BC}" type="slidenum">
+              <a:rPr lang="en-US" smtClean="0"/>
+              <a:t>10</a:t>
+            </a:fld>
+            <a:endParaRPr lang="en-US"/>
+          </a:p>
+        </p:txBody>
+      </p:sp>
+    </p:spTree>
+    <p:extLst>
+      <p:ext uri="{BB962C8B-B14F-4D97-AF65-F5344CB8AC3E}">
+        <p14:creationId xmlns:p14="http://schemas.microsoft.com/office/powerpoint/2010/main" val="3571025573"/>
+      </p:ext>
+    </p:extLst>
+  </p:cSld>
+  <p:clrMapOvr>
+    <a:masterClrMapping/>
+  </p:clrMapOvr>
+</p:notes>
+</file>
+
+<file path=ppt/notesSlides/notesSlide11.xml><?xml version="1.0" encoding="utf-8"?>
+<p:notes xmlns:a="http://schemas.openxmlformats.org/drawingml/2006/main" xmlns:r="http://schemas.openxmlformats.org/officeDocument/2006/relationships" xmlns:p="http://schemas.openxmlformats.org/presentationml/2006/main">
+  <p:cSld>
+    <p:spTree>
+      <p:nvGrpSpPr>
+        <p:cNvPr id="1" name=""/>
+        <p:cNvGrpSpPr/>
+        <p:nvPr/>
+      </p:nvGrpSpPr>
+      <p:grpSpPr>
+        <a:xfrm>
+          <a:off x="0" y="0"/>
+          <a:ext cx="0" cy="0"/>
+          <a:chOff x="0" y="0"/>
+          <a:chExt cx="0" cy="0"/>
+        </a:xfrm>
+      </p:grpSpPr>
+      <p:sp>
+        <p:nvSpPr>
+          <p:cNvPr id="2" name="Slide Image Placeholder 1"/>
+          <p:cNvSpPr>
+            <a:spLocks noGrp="1" noRot="1" noChangeAspect="1"/>
+          </p:cNvSpPr>
+          <p:nvPr>
+            <p:ph type="sldImg"/>
+          </p:nvPr>
+        </p:nvSpPr>
+        <p:spPr/>
+      </p:sp>
+      <p:sp>
+        <p:nvSpPr>
+          <p:cNvPr id="3" name="Notes Placeholder 2"/>
+          <p:cNvSpPr>
+            <a:spLocks noGrp="1"/>
+          </p:cNvSpPr>
+          <p:nvPr>
+            <p:ph type="body" idx="1"/>
+          </p:nvPr>
+        </p:nvSpPr>
+        <p:spPr/>
+        <p:txBody>
+          <a:bodyPr/>
+          <a:lstStyle/>
+          <a:p>
+            <a:endParaRPr lang="en-US"/>
+          </a:p>
+        </p:txBody>
+      </p:sp>
+      <p:sp>
+        <p:nvSpPr>
+          <p:cNvPr id="4" name="Slide Number Placeholder 3"/>
+          <p:cNvSpPr>
+            <a:spLocks noGrp="1"/>
+          </p:cNvSpPr>
+          <p:nvPr>
+            <p:ph type="sldNum" sz="quarter" idx="10"/>
+          </p:nvPr>
+        </p:nvSpPr>
+        <p:spPr/>
+        <p:txBody>
+          <a:bodyPr/>
+          <a:lstStyle/>
+          <a:p>
+            <a:fld id="{E94675F0-C2CB-0246-91F1-0967C899A5BC}" type="slidenum">
+              <a:rPr lang="en-US" smtClean="0"/>
+              <a:t>11</a:t>
+            </a:fld>
+            <a:endParaRPr lang="en-US"/>
+          </a:p>
+        </p:txBody>
+      </p:sp>
+    </p:spTree>
+    <p:extLst>
+      <p:ext uri="{BB962C8B-B14F-4D97-AF65-F5344CB8AC3E}">
+        <p14:creationId xmlns:p14="http://schemas.microsoft.com/office/powerpoint/2010/main" val="20410276"/>
+      </p:ext>
+    </p:extLst>
+  </p:cSld>
+  <p:clrMapOvr>
+    <a:masterClrMapping/>
+  </p:clrMapOvr>
+</p:notes>
+</file>
+
+<file path=ppt/notesSlides/notesSlide12.xml><?xml version="1.0" encoding="utf-8"?>
+<p:notes xmlns:a="http://schemas.openxmlformats.org/drawingml/2006/main" xmlns:r="http://schemas.openxmlformats.org/officeDocument/2006/relationships" xmlns:p="http://schemas.openxmlformats.org/presentationml/2006/main">
+  <p:cSld>
+    <p:spTree>
+      <p:nvGrpSpPr>
+        <p:cNvPr id="1" name=""/>
+        <p:cNvGrpSpPr/>
+        <p:nvPr/>
+      </p:nvGrpSpPr>
+      <p:grpSpPr>
+        <a:xfrm>
+          <a:off x="0" y="0"/>
+          <a:ext cx="0" cy="0"/>
+          <a:chOff x="0" y="0"/>
+          <a:chExt cx="0" cy="0"/>
+        </a:xfrm>
+      </p:grpSpPr>
+      <p:sp>
+        <p:nvSpPr>
+          <p:cNvPr id="2" name="Slide Image Placeholder 1"/>
+          <p:cNvSpPr>
+            <a:spLocks noGrp="1" noRot="1" noChangeAspect="1"/>
+          </p:cNvSpPr>
+          <p:nvPr>
+            <p:ph type="sldImg"/>
+          </p:nvPr>
+        </p:nvSpPr>
+        <p:spPr/>
+      </p:sp>
+      <p:sp>
+        <p:nvSpPr>
+          <p:cNvPr id="3" name="Notes Placeholder 2"/>
+          <p:cNvSpPr>
+            <a:spLocks noGrp="1"/>
+          </p:cNvSpPr>
+          <p:nvPr>
+            <p:ph type="body" idx="1"/>
+          </p:nvPr>
+        </p:nvSpPr>
+        <p:spPr/>
+        <p:txBody>
+          <a:bodyPr/>
+          <a:lstStyle/>
+          <a:p>
+            <a:endParaRPr lang="en-US"/>
+          </a:p>
+        </p:txBody>
+      </p:sp>
+      <p:sp>
+        <p:nvSpPr>
+          <p:cNvPr id="4" name="Slide Number Placeholder 3"/>
+          <p:cNvSpPr>
+            <a:spLocks noGrp="1"/>
+          </p:cNvSpPr>
+          <p:nvPr>
+            <p:ph type="sldNum" sz="quarter" idx="10"/>
+          </p:nvPr>
+        </p:nvSpPr>
+        <p:spPr/>
+        <p:txBody>
+          <a:bodyPr/>
+          <a:lstStyle/>
+          <a:p>
+            <a:fld id="{E94675F0-C2CB-0246-91F1-0967C899A5BC}" type="slidenum">
+              <a:rPr lang="en-US" smtClean="0"/>
+              <a:t>12</a:t>
+            </a:fld>
+            <a:endParaRPr lang="en-US"/>
+          </a:p>
+        </p:txBody>
+      </p:sp>
+    </p:spTree>
+    <p:extLst>
+      <p:ext uri="{BB962C8B-B14F-4D97-AF65-F5344CB8AC3E}">
+        <p14:creationId xmlns:p14="http://schemas.microsoft.com/office/powerpoint/2010/main" val="3687200209"/>
+      </p:ext>
+    </p:extLst>
+  </p:cSld>
+  <p:clrMapOvr>
+    <a:masterClrMapping/>
+  </p:clrMapOvr>
+</p:notes>
+</file>
+
+<file path=ppt/notesSlides/notesSlide13.xml><?xml version="1.0" encoding="utf-8"?>
+<p:notes xmlns:a="http://schemas.openxmlformats.org/drawingml/2006/main" xmlns:r="http://schemas.openxmlformats.org/officeDocument/2006/relationships" xmlns:p="http://schemas.openxmlformats.org/presentationml/2006/main">
+  <p:cSld>
+    <p:spTree>
+      <p:nvGrpSpPr>
+        <p:cNvPr id="1" name=""/>
+        <p:cNvGrpSpPr/>
+        <p:nvPr/>
+      </p:nvGrpSpPr>
+      <p:grpSpPr>
+        <a:xfrm>
+          <a:off x="0" y="0"/>
+          <a:ext cx="0" cy="0"/>
+          <a:chOff x="0" y="0"/>
+          <a:chExt cx="0" cy="0"/>
+        </a:xfrm>
+      </p:grpSpPr>
+      <p:sp>
+        <p:nvSpPr>
+          <p:cNvPr id="2" name="Slide Image Placeholder 1"/>
+          <p:cNvSpPr>
+            <a:spLocks noGrp="1" noRot="1" noChangeAspect="1"/>
+          </p:cNvSpPr>
+          <p:nvPr>
+            <p:ph type="sldImg"/>
+          </p:nvPr>
+        </p:nvSpPr>
+        <p:spPr/>
+      </p:sp>
+      <p:sp>
+        <p:nvSpPr>
+          <p:cNvPr id="3" name="Notes Placeholder 2"/>
+          <p:cNvSpPr>
+            <a:spLocks noGrp="1"/>
+          </p:cNvSpPr>
+          <p:nvPr>
+            <p:ph type="body" idx="1"/>
+          </p:nvPr>
+        </p:nvSpPr>
+        <p:spPr/>
+        <p:txBody>
+          <a:bodyPr/>
+          <a:lstStyle/>
+          <a:p>
+            <a:endParaRPr lang="en-US"/>
+          </a:p>
+        </p:txBody>
+      </p:sp>
+      <p:sp>
+        <p:nvSpPr>
+          <p:cNvPr id="4" name="Slide Number Placeholder 3"/>
+          <p:cNvSpPr>
+            <a:spLocks noGrp="1"/>
+          </p:cNvSpPr>
+          <p:nvPr>
+            <p:ph type="sldNum" sz="quarter" idx="10"/>
+          </p:nvPr>
+        </p:nvSpPr>
+        <p:spPr/>
+        <p:txBody>
+          <a:bodyPr/>
+          <a:lstStyle/>
+          <a:p>
+            <a:fld id="{E94675F0-C2CB-0246-91F1-0967C899A5BC}" type="slidenum">
+              <a:rPr lang="en-US" smtClean="0"/>
+              <a:t>13</a:t>
+            </a:fld>
+            <a:endParaRPr lang="en-US"/>
+          </a:p>
+        </p:txBody>
+      </p:sp>
+    </p:spTree>
+    <p:extLst>
+      <p:ext uri="{BB962C8B-B14F-4D97-AF65-F5344CB8AC3E}">
+        <p14:creationId xmlns:p14="http://schemas.microsoft.com/office/powerpoint/2010/main" val="835096837"/>
+      </p:ext>
+    </p:extLst>
+  </p:cSld>
+  <p:clrMapOvr>
+    <a:masterClrMapping/>
+  </p:clrMapOvr>
+</p:notes>
+</file>
+
+<file path=ppt/notesSlides/notesSlide14.xml><?xml version="1.0" encoding="utf-8"?>
+<p:notes xmlns:a="http://schemas.openxmlformats.org/drawingml/2006/main" xmlns:r="http://schemas.openxmlformats.org/officeDocument/2006/relationships" xmlns:p="http://schemas.openxmlformats.org/presentationml/2006/main">
+  <p:cSld>
+    <p:spTree>
+      <p:nvGrpSpPr>
+        <p:cNvPr id="1" name=""/>
+        <p:cNvGrpSpPr/>
+        <p:nvPr/>
+      </p:nvGrpSpPr>
+      <p:grpSpPr>
+        <a:xfrm>
+          <a:off x="0" y="0"/>
+          <a:ext cx="0" cy="0"/>
+          <a:chOff x="0" y="0"/>
+          <a:chExt cx="0" cy="0"/>
+        </a:xfrm>
+      </p:grpSpPr>
+      <p:sp>
+        <p:nvSpPr>
+          <p:cNvPr id="2" name="Slide Image Placeholder 1"/>
+          <p:cNvSpPr>
+            <a:spLocks noGrp="1" noRot="1" noChangeAspect="1"/>
+          </p:cNvSpPr>
+          <p:nvPr>
+            <p:ph type="sldImg"/>
+          </p:nvPr>
+        </p:nvSpPr>
+        <p:spPr/>
+      </p:sp>
+      <p:sp>
+        <p:nvSpPr>
+          <p:cNvPr id="3" name="Notes Placeholder 2"/>
+          <p:cNvSpPr>
+            <a:spLocks noGrp="1"/>
+          </p:cNvSpPr>
+          <p:nvPr>
+            <p:ph type="body" idx="1"/>
+          </p:nvPr>
+        </p:nvSpPr>
+        <p:spPr/>
+        <p:txBody>
+          <a:bodyPr/>
+          <a:lstStyle/>
+          <a:p>
+            <a:endParaRPr lang="en-US"/>
+          </a:p>
+        </p:txBody>
+      </p:sp>
+      <p:sp>
+        <p:nvSpPr>
+          <p:cNvPr id="4" name="Slide Number Placeholder 3"/>
+          <p:cNvSpPr>
+            <a:spLocks noGrp="1"/>
+          </p:cNvSpPr>
+          <p:nvPr>
+            <p:ph type="sldNum" sz="quarter" idx="10"/>
+          </p:nvPr>
+        </p:nvSpPr>
+        <p:spPr/>
+        <p:txBody>
+          <a:bodyPr/>
+          <a:lstStyle/>
+          <a:p>
+            <a:fld id="{E94675F0-C2CB-0246-91F1-0967C899A5BC}" type="slidenum">
+              <a:rPr lang="en-US" smtClean="0"/>
+              <a:t>14</a:t>
+            </a:fld>
+            <a:endParaRPr lang="en-US"/>
+          </a:p>
+        </p:txBody>
+      </p:sp>
+    </p:spTree>
+    <p:extLst>
+      <p:ext uri="{BB962C8B-B14F-4D97-AF65-F5344CB8AC3E}">
+        <p14:creationId xmlns:p14="http://schemas.microsoft.com/office/powerpoint/2010/main" val="658020332"/>
+      </p:ext>
+    </p:extLst>
+  </p:cSld>
+  <p:clrMapOvr>
+    <a:masterClrMapping/>
+  </p:clrMapOvr>
+</p:notes>
+</file>
+
+<file path=ppt/notesSlides/notesSlide15.xml><?xml version="1.0" encoding="utf-8"?>
+<p:notes xmlns:a="http://schemas.openxmlformats.org/drawingml/2006/main" xmlns:r="http://schemas.openxmlformats.org/officeDocument/2006/relationships" xmlns:p="http://schemas.openxmlformats.org/presentationml/2006/main">
+  <p:cSld>
+    <p:spTree>
+      <p:nvGrpSpPr>
+        <p:cNvPr id="1" name=""/>
+        <p:cNvGrpSpPr/>
+        <p:nvPr/>
+      </p:nvGrpSpPr>
+      <p:grpSpPr>
+        <a:xfrm>
+          <a:off x="0" y="0"/>
+          <a:ext cx="0" cy="0"/>
+          <a:chOff x="0" y="0"/>
+          <a:chExt cx="0" cy="0"/>
+        </a:xfrm>
+      </p:grpSpPr>
+      <p:sp>
+        <p:nvSpPr>
+          <p:cNvPr id="2" name="Slide Image Placeholder 1"/>
+          <p:cNvSpPr>
+            <a:spLocks noGrp="1" noRot="1" noChangeAspect="1"/>
+          </p:cNvSpPr>
+          <p:nvPr>
+            <p:ph type="sldImg"/>
+          </p:nvPr>
+        </p:nvSpPr>
+        <p:spPr/>
+      </p:sp>
+      <p:sp>
+        <p:nvSpPr>
+          <p:cNvPr id="3" name="Notes Placeholder 2"/>
+          <p:cNvSpPr>
+            <a:spLocks noGrp="1"/>
+          </p:cNvSpPr>
+          <p:nvPr>
+            <p:ph type="body" idx="1"/>
+          </p:nvPr>
+        </p:nvSpPr>
+        <p:spPr/>
+        <p:txBody>
+          <a:bodyPr/>
+          <a:lstStyle/>
+          <a:p>
+            <a:endParaRPr lang="en-US"/>
+          </a:p>
+        </p:txBody>
+      </p:sp>
+      <p:sp>
+        <p:nvSpPr>
+          <p:cNvPr id="4" name="Slide Number Placeholder 3"/>
+          <p:cNvSpPr>
+            <a:spLocks noGrp="1"/>
+          </p:cNvSpPr>
+          <p:nvPr>
+            <p:ph type="sldNum" sz="quarter" idx="10"/>
+          </p:nvPr>
+        </p:nvSpPr>
+        <p:spPr/>
+        <p:txBody>
+          <a:bodyPr/>
+          <a:lstStyle/>
+          <a:p>
+            <a:fld id="{E94675F0-C2CB-0246-91F1-0967C899A5BC}" type="slidenum">
+              <a:rPr lang="en-US" smtClean="0"/>
+              <a:t>15</a:t>
+            </a:fld>
+            <a:endParaRPr lang="en-US"/>
+          </a:p>
+        </p:txBody>
+      </p:sp>
+    </p:spTree>
+    <p:extLst>
+      <p:ext uri="{BB962C8B-B14F-4D97-AF65-F5344CB8AC3E}">
+        <p14:creationId xmlns:p14="http://schemas.microsoft.com/office/powerpoint/2010/main" val="4208316433"/>
+      </p:ext>
+    </p:extLst>
+  </p:cSld>
+  <p:clrMapOvr>
+    <a:masterClrMapping/>
+  </p:clrMapOvr>
+</p:notes>
+</file>
+
+<file path=ppt/notesSlides/notesSlide2.xml><?xml version="1.0" encoding="utf-8"?>
+<p:notes xmlns:a="http://schemas.openxmlformats.org/drawingml/2006/main" xmlns:r="http://schemas.openxmlformats.org/officeDocument/2006/relationships" xmlns:p="http://schemas.openxmlformats.org/presentationml/2006/main">
+  <p:cSld>
+    <p:spTree>
+      <p:nvGrpSpPr>
+        <p:cNvPr id="1" name=""/>
+        <p:cNvGrpSpPr/>
+        <p:nvPr/>
+      </p:nvGrpSpPr>
+      <p:grpSpPr>
+        <a:xfrm>
+          <a:off x="0" y="0"/>
+          <a:ext cx="0" cy="0"/>
+          <a:chOff x="0" y="0"/>
+          <a:chExt cx="0" cy="0"/>
+        </a:xfrm>
+      </p:grpSpPr>
+      <p:sp>
+        <p:nvSpPr>
+          <p:cNvPr id="2" name="Slide Image Placeholder 1"/>
+          <p:cNvSpPr>
+            <a:spLocks noGrp="1" noRot="1" noChangeAspect="1"/>
+          </p:cNvSpPr>
+          <p:nvPr>
+            <p:ph type="sldImg"/>
+          </p:nvPr>
+        </p:nvSpPr>
+        <p:spPr/>
+      </p:sp>
+      <p:sp>
+        <p:nvSpPr>
+          <p:cNvPr id="3" name="Notes Placeholder 2"/>
+          <p:cNvSpPr>
+            <a:spLocks noGrp="1"/>
+          </p:cNvSpPr>
+          <p:nvPr>
+            <p:ph type="body" idx="1"/>
+          </p:nvPr>
+        </p:nvSpPr>
+        <p:spPr/>
+        <p:txBody>
+          <a:bodyPr/>
+          <a:lstStyle/>
+          <a:p>
+            <a:endParaRPr lang="en-US" baseline="0" dirty="0"/>
           </a:p>
         </p:txBody>
       </p:sp>
@@ -591,6 +1178,594 @@
     <p:extLst>
       <p:ext uri="{BB962C8B-B14F-4D97-AF65-F5344CB8AC3E}">
         <p14:creationId xmlns:p14="http://schemas.microsoft.com/office/powerpoint/2010/main" val="751922344"/>
+      </p:ext>
+    </p:extLst>
+  </p:cSld>
+  <p:clrMapOvr>
+    <a:masterClrMapping/>
+  </p:clrMapOvr>
+</p:notes>
+</file>
+
+<file path=ppt/notesSlides/notesSlide3.xml><?xml version="1.0" encoding="utf-8"?>
+<p:notes xmlns:a="http://schemas.openxmlformats.org/drawingml/2006/main" xmlns:r="http://schemas.openxmlformats.org/officeDocument/2006/relationships" xmlns:p="http://schemas.openxmlformats.org/presentationml/2006/main">
+  <p:cSld>
+    <p:spTree>
+      <p:nvGrpSpPr>
+        <p:cNvPr id="1" name=""/>
+        <p:cNvGrpSpPr/>
+        <p:nvPr/>
+      </p:nvGrpSpPr>
+      <p:grpSpPr>
+        <a:xfrm>
+          <a:off x="0" y="0"/>
+          <a:ext cx="0" cy="0"/>
+          <a:chOff x="0" y="0"/>
+          <a:chExt cx="0" cy="0"/>
+        </a:xfrm>
+      </p:grpSpPr>
+      <p:sp>
+        <p:nvSpPr>
+          <p:cNvPr id="2" name="Slide Image Placeholder 1"/>
+          <p:cNvSpPr>
+            <a:spLocks noGrp="1" noRot="1" noChangeAspect="1"/>
+          </p:cNvSpPr>
+          <p:nvPr>
+            <p:ph type="sldImg"/>
+          </p:nvPr>
+        </p:nvSpPr>
+        <p:spPr/>
+      </p:sp>
+      <p:sp>
+        <p:nvSpPr>
+          <p:cNvPr id="3" name="Notes Placeholder 2"/>
+          <p:cNvSpPr>
+            <a:spLocks noGrp="1"/>
+          </p:cNvSpPr>
+          <p:nvPr>
+            <p:ph type="body" idx="1"/>
+          </p:nvPr>
+        </p:nvSpPr>
+        <p:spPr/>
+        <p:txBody>
+          <a:bodyPr/>
+          <a:lstStyle/>
+          <a:p>
+            <a:endParaRPr lang="en-US"/>
+          </a:p>
+        </p:txBody>
+      </p:sp>
+      <p:sp>
+        <p:nvSpPr>
+          <p:cNvPr id="4" name="Slide Number Placeholder 3"/>
+          <p:cNvSpPr>
+            <a:spLocks noGrp="1"/>
+          </p:cNvSpPr>
+          <p:nvPr>
+            <p:ph type="sldNum" sz="quarter" idx="10"/>
+          </p:nvPr>
+        </p:nvSpPr>
+        <p:spPr/>
+        <p:txBody>
+          <a:bodyPr/>
+          <a:lstStyle/>
+          <a:p>
+            <a:fld id="{E94675F0-C2CB-0246-91F1-0967C899A5BC}" type="slidenum">
+              <a:rPr lang="en-US" smtClean="0"/>
+              <a:t>3</a:t>
+            </a:fld>
+            <a:endParaRPr lang="en-US"/>
+          </a:p>
+        </p:txBody>
+      </p:sp>
+    </p:spTree>
+    <p:extLst>
+      <p:ext uri="{BB962C8B-B14F-4D97-AF65-F5344CB8AC3E}">
+        <p14:creationId xmlns:p14="http://schemas.microsoft.com/office/powerpoint/2010/main" val="1555656208"/>
+      </p:ext>
+    </p:extLst>
+  </p:cSld>
+  <p:clrMapOvr>
+    <a:masterClrMapping/>
+  </p:clrMapOvr>
+</p:notes>
+</file>
+
+<file path=ppt/notesSlides/notesSlide4.xml><?xml version="1.0" encoding="utf-8"?>
+<p:notes xmlns:a="http://schemas.openxmlformats.org/drawingml/2006/main" xmlns:r="http://schemas.openxmlformats.org/officeDocument/2006/relationships" xmlns:p="http://schemas.openxmlformats.org/presentationml/2006/main">
+  <p:cSld>
+    <p:spTree>
+      <p:nvGrpSpPr>
+        <p:cNvPr id="1" name=""/>
+        <p:cNvGrpSpPr/>
+        <p:nvPr/>
+      </p:nvGrpSpPr>
+      <p:grpSpPr>
+        <a:xfrm>
+          <a:off x="0" y="0"/>
+          <a:ext cx="0" cy="0"/>
+          <a:chOff x="0" y="0"/>
+          <a:chExt cx="0" cy="0"/>
+        </a:xfrm>
+      </p:grpSpPr>
+      <p:sp>
+        <p:nvSpPr>
+          <p:cNvPr id="2" name="Slide Image Placeholder 1"/>
+          <p:cNvSpPr>
+            <a:spLocks noGrp="1" noRot="1" noChangeAspect="1"/>
+          </p:cNvSpPr>
+          <p:nvPr>
+            <p:ph type="sldImg"/>
+          </p:nvPr>
+        </p:nvSpPr>
+        <p:spPr/>
+      </p:sp>
+      <p:sp>
+        <p:nvSpPr>
+          <p:cNvPr id="3" name="Notes Placeholder 2"/>
+          <p:cNvSpPr>
+            <a:spLocks noGrp="1"/>
+          </p:cNvSpPr>
+          <p:nvPr>
+            <p:ph type="body" idx="1"/>
+          </p:nvPr>
+        </p:nvSpPr>
+        <p:spPr/>
+        <p:txBody>
+          <a:bodyPr/>
+          <a:lstStyle/>
+          <a:p>
+            <a:endParaRPr lang="en-US"/>
+          </a:p>
+        </p:txBody>
+      </p:sp>
+      <p:sp>
+        <p:nvSpPr>
+          <p:cNvPr id="4" name="Slide Number Placeholder 3"/>
+          <p:cNvSpPr>
+            <a:spLocks noGrp="1"/>
+          </p:cNvSpPr>
+          <p:nvPr>
+            <p:ph type="sldNum" sz="quarter" idx="10"/>
+          </p:nvPr>
+        </p:nvSpPr>
+        <p:spPr/>
+        <p:txBody>
+          <a:bodyPr/>
+          <a:lstStyle/>
+          <a:p>
+            <a:fld id="{E94675F0-C2CB-0246-91F1-0967C899A5BC}" type="slidenum">
+              <a:rPr lang="en-US" smtClean="0"/>
+              <a:t>4</a:t>
+            </a:fld>
+            <a:endParaRPr lang="en-US"/>
+          </a:p>
+        </p:txBody>
+      </p:sp>
+    </p:spTree>
+    <p:extLst>
+      <p:ext uri="{BB962C8B-B14F-4D97-AF65-F5344CB8AC3E}">
+        <p14:creationId xmlns:p14="http://schemas.microsoft.com/office/powerpoint/2010/main" val="3417497847"/>
+      </p:ext>
+    </p:extLst>
+  </p:cSld>
+  <p:clrMapOvr>
+    <a:masterClrMapping/>
+  </p:clrMapOvr>
+</p:notes>
+</file>
+
+<file path=ppt/notesSlides/notesSlide5.xml><?xml version="1.0" encoding="utf-8"?>
+<p:notes xmlns:a="http://schemas.openxmlformats.org/drawingml/2006/main" xmlns:r="http://schemas.openxmlformats.org/officeDocument/2006/relationships" xmlns:p="http://schemas.openxmlformats.org/presentationml/2006/main">
+  <p:cSld>
+    <p:spTree>
+      <p:nvGrpSpPr>
+        <p:cNvPr id="1" name=""/>
+        <p:cNvGrpSpPr/>
+        <p:nvPr/>
+      </p:nvGrpSpPr>
+      <p:grpSpPr>
+        <a:xfrm>
+          <a:off x="0" y="0"/>
+          <a:ext cx="0" cy="0"/>
+          <a:chOff x="0" y="0"/>
+          <a:chExt cx="0" cy="0"/>
+        </a:xfrm>
+      </p:grpSpPr>
+      <p:sp>
+        <p:nvSpPr>
+          <p:cNvPr id="2" name="Slide Image Placeholder 1"/>
+          <p:cNvSpPr>
+            <a:spLocks noGrp="1" noRot="1" noChangeAspect="1"/>
+          </p:cNvSpPr>
+          <p:nvPr>
+            <p:ph type="sldImg"/>
+          </p:nvPr>
+        </p:nvSpPr>
+        <p:spPr/>
+      </p:sp>
+      <p:sp>
+        <p:nvSpPr>
+          <p:cNvPr id="3" name="Notes Placeholder 2"/>
+          <p:cNvSpPr>
+            <a:spLocks noGrp="1"/>
+          </p:cNvSpPr>
+          <p:nvPr>
+            <p:ph type="body" idx="1"/>
+          </p:nvPr>
+        </p:nvSpPr>
+        <p:spPr/>
+        <p:txBody>
+          <a:bodyPr/>
+          <a:lstStyle/>
+          <a:p>
+            <a:endParaRPr lang="en-US"/>
+          </a:p>
+        </p:txBody>
+      </p:sp>
+      <p:sp>
+        <p:nvSpPr>
+          <p:cNvPr id="4" name="Slide Number Placeholder 3"/>
+          <p:cNvSpPr>
+            <a:spLocks noGrp="1"/>
+          </p:cNvSpPr>
+          <p:nvPr>
+            <p:ph type="sldNum" sz="quarter" idx="10"/>
+          </p:nvPr>
+        </p:nvSpPr>
+        <p:spPr/>
+        <p:txBody>
+          <a:bodyPr/>
+          <a:lstStyle/>
+          <a:p>
+            <a:fld id="{E94675F0-C2CB-0246-91F1-0967C899A5BC}" type="slidenum">
+              <a:rPr lang="en-US" smtClean="0"/>
+              <a:t>5</a:t>
+            </a:fld>
+            <a:endParaRPr lang="en-US"/>
+          </a:p>
+        </p:txBody>
+      </p:sp>
+    </p:spTree>
+    <p:extLst>
+      <p:ext uri="{BB962C8B-B14F-4D97-AF65-F5344CB8AC3E}">
+        <p14:creationId xmlns:p14="http://schemas.microsoft.com/office/powerpoint/2010/main" val="4232527197"/>
+      </p:ext>
+    </p:extLst>
+  </p:cSld>
+  <p:clrMapOvr>
+    <a:masterClrMapping/>
+  </p:clrMapOvr>
+</p:notes>
+</file>
+
+<file path=ppt/notesSlides/notesSlide6.xml><?xml version="1.0" encoding="utf-8"?>
+<p:notes xmlns:a="http://schemas.openxmlformats.org/drawingml/2006/main" xmlns:r="http://schemas.openxmlformats.org/officeDocument/2006/relationships" xmlns:p="http://schemas.openxmlformats.org/presentationml/2006/main">
+  <p:cSld>
+    <p:spTree>
+      <p:nvGrpSpPr>
+        <p:cNvPr id="1" name=""/>
+        <p:cNvGrpSpPr/>
+        <p:nvPr/>
+      </p:nvGrpSpPr>
+      <p:grpSpPr>
+        <a:xfrm>
+          <a:off x="0" y="0"/>
+          <a:ext cx="0" cy="0"/>
+          <a:chOff x="0" y="0"/>
+          <a:chExt cx="0" cy="0"/>
+        </a:xfrm>
+      </p:grpSpPr>
+      <p:sp>
+        <p:nvSpPr>
+          <p:cNvPr id="2" name="Slide Image Placeholder 1"/>
+          <p:cNvSpPr>
+            <a:spLocks noGrp="1" noRot="1" noChangeAspect="1"/>
+          </p:cNvSpPr>
+          <p:nvPr>
+            <p:ph type="sldImg"/>
+          </p:nvPr>
+        </p:nvSpPr>
+        <p:spPr/>
+      </p:sp>
+      <p:sp>
+        <p:nvSpPr>
+          <p:cNvPr id="3" name="Notes Placeholder 2"/>
+          <p:cNvSpPr>
+            <a:spLocks noGrp="1"/>
+          </p:cNvSpPr>
+          <p:nvPr>
+            <p:ph type="body" idx="1"/>
+          </p:nvPr>
+        </p:nvSpPr>
+        <p:spPr/>
+        <p:txBody>
+          <a:bodyPr/>
+          <a:lstStyle/>
+          <a:p>
+            <a:endParaRPr lang="en-US"/>
+          </a:p>
+        </p:txBody>
+      </p:sp>
+      <p:sp>
+        <p:nvSpPr>
+          <p:cNvPr id="4" name="Slide Number Placeholder 3"/>
+          <p:cNvSpPr>
+            <a:spLocks noGrp="1"/>
+          </p:cNvSpPr>
+          <p:nvPr>
+            <p:ph type="sldNum" sz="quarter" idx="10"/>
+          </p:nvPr>
+        </p:nvSpPr>
+        <p:spPr/>
+        <p:txBody>
+          <a:bodyPr/>
+          <a:lstStyle/>
+          <a:p>
+            <a:fld id="{E94675F0-C2CB-0246-91F1-0967C899A5BC}" type="slidenum">
+              <a:rPr lang="en-US" smtClean="0"/>
+              <a:t>6</a:t>
+            </a:fld>
+            <a:endParaRPr lang="en-US"/>
+          </a:p>
+        </p:txBody>
+      </p:sp>
+    </p:spTree>
+    <p:extLst>
+      <p:ext uri="{BB962C8B-B14F-4D97-AF65-F5344CB8AC3E}">
+        <p14:creationId xmlns:p14="http://schemas.microsoft.com/office/powerpoint/2010/main" val="1437674554"/>
+      </p:ext>
+    </p:extLst>
+  </p:cSld>
+  <p:clrMapOvr>
+    <a:masterClrMapping/>
+  </p:clrMapOvr>
+</p:notes>
+</file>
+
+<file path=ppt/notesSlides/notesSlide7.xml><?xml version="1.0" encoding="utf-8"?>
+<p:notes xmlns:a="http://schemas.openxmlformats.org/drawingml/2006/main" xmlns:r="http://schemas.openxmlformats.org/officeDocument/2006/relationships" xmlns:p="http://schemas.openxmlformats.org/presentationml/2006/main">
+  <p:cSld>
+    <p:spTree>
+      <p:nvGrpSpPr>
+        <p:cNvPr id="1" name=""/>
+        <p:cNvGrpSpPr/>
+        <p:nvPr/>
+      </p:nvGrpSpPr>
+      <p:grpSpPr>
+        <a:xfrm>
+          <a:off x="0" y="0"/>
+          <a:ext cx="0" cy="0"/>
+          <a:chOff x="0" y="0"/>
+          <a:chExt cx="0" cy="0"/>
+        </a:xfrm>
+      </p:grpSpPr>
+      <p:sp>
+        <p:nvSpPr>
+          <p:cNvPr id="2" name="Slide Image Placeholder 1"/>
+          <p:cNvSpPr>
+            <a:spLocks noGrp="1" noRot="1" noChangeAspect="1"/>
+          </p:cNvSpPr>
+          <p:nvPr>
+            <p:ph type="sldImg"/>
+          </p:nvPr>
+        </p:nvSpPr>
+        <p:spPr/>
+      </p:sp>
+      <p:sp>
+        <p:nvSpPr>
+          <p:cNvPr id="3" name="Notes Placeholder 2"/>
+          <p:cNvSpPr>
+            <a:spLocks noGrp="1"/>
+          </p:cNvSpPr>
+          <p:nvPr>
+            <p:ph type="body" idx="1"/>
+          </p:nvPr>
+        </p:nvSpPr>
+        <p:spPr/>
+        <p:txBody>
+          <a:bodyPr/>
+          <a:lstStyle/>
+          <a:p>
+            <a:endParaRPr lang="en-US"/>
+          </a:p>
+        </p:txBody>
+      </p:sp>
+      <p:sp>
+        <p:nvSpPr>
+          <p:cNvPr id="4" name="Slide Number Placeholder 3"/>
+          <p:cNvSpPr>
+            <a:spLocks noGrp="1"/>
+          </p:cNvSpPr>
+          <p:nvPr>
+            <p:ph type="sldNum" sz="quarter" idx="10"/>
+          </p:nvPr>
+        </p:nvSpPr>
+        <p:spPr/>
+        <p:txBody>
+          <a:bodyPr/>
+          <a:lstStyle/>
+          <a:p>
+            <a:fld id="{E94675F0-C2CB-0246-91F1-0967C899A5BC}" type="slidenum">
+              <a:rPr lang="en-US" smtClean="0"/>
+              <a:t>7</a:t>
+            </a:fld>
+            <a:endParaRPr lang="en-US"/>
+          </a:p>
+        </p:txBody>
+      </p:sp>
+    </p:spTree>
+    <p:extLst>
+      <p:ext uri="{BB962C8B-B14F-4D97-AF65-F5344CB8AC3E}">
+        <p14:creationId xmlns:p14="http://schemas.microsoft.com/office/powerpoint/2010/main" val="1801450062"/>
+      </p:ext>
+    </p:extLst>
+  </p:cSld>
+  <p:clrMapOvr>
+    <a:masterClrMapping/>
+  </p:clrMapOvr>
+</p:notes>
+</file>
+
+<file path=ppt/notesSlides/notesSlide8.xml><?xml version="1.0" encoding="utf-8"?>
+<p:notes xmlns:a="http://schemas.openxmlformats.org/drawingml/2006/main" xmlns:r="http://schemas.openxmlformats.org/officeDocument/2006/relationships" xmlns:p="http://schemas.openxmlformats.org/presentationml/2006/main">
+  <p:cSld>
+    <p:spTree>
+      <p:nvGrpSpPr>
+        <p:cNvPr id="1" name=""/>
+        <p:cNvGrpSpPr/>
+        <p:nvPr/>
+      </p:nvGrpSpPr>
+      <p:grpSpPr>
+        <a:xfrm>
+          <a:off x="0" y="0"/>
+          <a:ext cx="0" cy="0"/>
+          <a:chOff x="0" y="0"/>
+          <a:chExt cx="0" cy="0"/>
+        </a:xfrm>
+      </p:grpSpPr>
+      <p:sp>
+        <p:nvSpPr>
+          <p:cNvPr id="2" name="Slide Image Placeholder 1"/>
+          <p:cNvSpPr>
+            <a:spLocks noGrp="1" noRot="1" noChangeAspect="1"/>
+          </p:cNvSpPr>
+          <p:nvPr>
+            <p:ph type="sldImg"/>
+          </p:nvPr>
+        </p:nvSpPr>
+        <p:spPr/>
+      </p:sp>
+      <p:sp>
+        <p:nvSpPr>
+          <p:cNvPr id="3" name="Notes Placeholder 2"/>
+          <p:cNvSpPr>
+            <a:spLocks noGrp="1"/>
+          </p:cNvSpPr>
+          <p:nvPr>
+            <p:ph type="body" idx="1"/>
+          </p:nvPr>
+        </p:nvSpPr>
+        <p:spPr/>
+        <p:txBody>
+          <a:bodyPr/>
+          <a:lstStyle/>
+          <a:p>
+            <a:endParaRPr lang="en-US"/>
+          </a:p>
+        </p:txBody>
+      </p:sp>
+      <p:sp>
+        <p:nvSpPr>
+          <p:cNvPr id="4" name="Slide Number Placeholder 3"/>
+          <p:cNvSpPr>
+            <a:spLocks noGrp="1"/>
+          </p:cNvSpPr>
+          <p:nvPr>
+            <p:ph type="sldNum" sz="quarter" idx="10"/>
+          </p:nvPr>
+        </p:nvSpPr>
+        <p:spPr/>
+        <p:txBody>
+          <a:bodyPr/>
+          <a:lstStyle/>
+          <a:p>
+            <a:fld id="{E94675F0-C2CB-0246-91F1-0967C899A5BC}" type="slidenum">
+              <a:rPr lang="en-US" smtClean="0"/>
+              <a:t>8</a:t>
+            </a:fld>
+            <a:endParaRPr lang="en-US"/>
+          </a:p>
+        </p:txBody>
+      </p:sp>
+    </p:spTree>
+    <p:extLst>
+      <p:ext uri="{BB962C8B-B14F-4D97-AF65-F5344CB8AC3E}">
+        <p14:creationId xmlns:p14="http://schemas.microsoft.com/office/powerpoint/2010/main" val="1970476118"/>
+      </p:ext>
+    </p:extLst>
+  </p:cSld>
+  <p:clrMapOvr>
+    <a:masterClrMapping/>
+  </p:clrMapOvr>
+</p:notes>
+</file>
+
+<file path=ppt/notesSlides/notesSlide9.xml><?xml version="1.0" encoding="utf-8"?>
+<p:notes xmlns:a="http://schemas.openxmlformats.org/drawingml/2006/main" xmlns:r="http://schemas.openxmlformats.org/officeDocument/2006/relationships" xmlns:p="http://schemas.openxmlformats.org/presentationml/2006/main">
+  <p:cSld>
+    <p:spTree>
+      <p:nvGrpSpPr>
+        <p:cNvPr id="1" name=""/>
+        <p:cNvGrpSpPr/>
+        <p:nvPr/>
+      </p:nvGrpSpPr>
+      <p:grpSpPr>
+        <a:xfrm>
+          <a:off x="0" y="0"/>
+          <a:ext cx="0" cy="0"/>
+          <a:chOff x="0" y="0"/>
+          <a:chExt cx="0" cy="0"/>
+        </a:xfrm>
+      </p:grpSpPr>
+      <p:sp>
+        <p:nvSpPr>
+          <p:cNvPr id="2" name="Slide Image Placeholder 1"/>
+          <p:cNvSpPr>
+            <a:spLocks noGrp="1" noRot="1" noChangeAspect="1"/>
+          </p:cNvSpPr>
+          <p:nvPr>
+            <p:ph type="sldImg"/>
+          </p:nvPr>
+        </p:nvSpPr>
+        <p:spPr/>
+      </p:sp>
+      <p:sp>
+        <p:nvSpPr>
+          <p:cNvPr id="3" name="Notes Placeholder 2"/>
+          <p:cNvSpPr>
+            <a:spLocks noGrp="1"/>
+          </p:cNvSpPr>
+          <p:nvPr>
+            <p:ph type="body" idx="1"/>
+          </p:nvPr>
+        </p:nvSpPr>
+        <p:spPr/>
+        <p:txBody>
+          <a:bodyPr/>
+          <a:lstStyle/>
+          <a:p>
+            <a:endParaRPr lang="en-US"/>
+          </a:p>
+        </p:txBody>
+      </p:sp>
+      <p:sp>
+        <p:nvSpPr>
+          <p:cNvPr id="4" name="Slide Number Placeholder 3"/>
+          <p:cNvSpPr>
+            <a:spLocks noGrp="1"/>
+          </p:cNvSpPr>
+          <p:nvPr>
+            <p:ph type="sldNum" sz="quarter" idx="10"/>
+          </p:nvPr>
+        </p:nvSpPr>
+        <p:spPr/>
+        <p:txBody>
+          <a:bodyPr/>
+          <a:lstStyle/>
+          <a:p>
+            <a:fld id="{E94675F0-C2CB-0246-91F1-0967C899A5BC}" type="slidenum">
+              <a:rPr lang="en-US" smtClean="0"/>
+              <a:t>9</a:t>
+            </a:fld>
+            <a:endParaRPr lang="en-US"/>
+          </a:p>
+        </p:txBody>
+      </p:sp>
+    </p:spTree>
+    <p:extLst>
+      <p:ext uri="{BB962C8B-B14F-4D97-AF65-F5344CB8AC3E}">
+        <p14:creationId xmlns:p14="http://schemas.microsoft.com/office/powerpoint/2010/main" val="1114713791"/>
       </p:ext>
     </p:extLst>
   </p:cSld>
@@ -642,7 +1817,7 @@
           </a:lstStyle>
           <a:p>
             <a:r>
-              <a:rPr lang="en-US" smtClean="0"/>
+              <a:rPr lang="en-US"/>
               <a:t>Click to edit Master title style</a:t>
             </a:r>
             <a:endParaRPr lang="en-US" dirty="0"/>
@@ -761,7 +1936,7 @@
           </a:lstStyle>
           <a:p>
             <a:r>
-              <a:rPr lang="en-US" smtClean="0"/>
+              <a:rPr lang="en-US"/>
               <a:t>Click to edit Master subtitle style</a:t>
             </a:r>
             <a:endParaRPr lang="en-US" dirty="0"/>
@@ -785,7 +1960,7 @@
           <a:p>
             <a:fld id="{7CE38E4D-051A-41E1-86A4-E56916468FD0}" type="datetimeFigureOut">
               <a:rPr lang="en-US" smtClean="0"/>
-              <a:t>2/12/18</a:t>
+              <a:t>3/16/18</a:t>
             </a:fld>
             <a:endParaRPr lang="en-US"/>
           </a:p>
@@ -874,10 +2049,9 @@
           <a:lstStyle/>
           <a:p>
             <a:r>
-              <a:rPr lang="en-US" smtClean="0"/>
+              <a:rPr lang="en-US"/>
               <a:t>Click to edit Master title style</a:t>
             </a:r>
-            <a:endParaRPr lang="en-US"/>
           </a:p>
         </p:txBody>
       </p:sp>
@@ -898,38 +2072,37 @@
           <a:p>
             <a:pPr lvl="0"/>
             <a:r>
-              <a:rPr lang="en-US" smtClean="0"/>
+              <a:rPr lang="en-US"/>
               <a:t>Click to edit Master text styles</a:t>
             </a:r>
           </a:p>
           <a:p>
             <a:pPr lvl="1"/>
             <a:r>
-              <a:rPr lang="en-US" smtClean="0"/>
+              <a:rPr lang="en-US"/>
               <a:t>Second level</a:t>
             </a:r>
           </a:p>
           <a:p>
             <a:pPr lvl="2"/>
             <a:r>
-              <a:rPr lang="en-US" smtClean="0"/>
+              <a:rPr lang="en-US"/>
               <a:t>Third level</a:t>
             </a:r>
           </a:p>
           <a:p>
             <a:pPr lvl="3"/>
             <a:r>
-              <a:rPr lang="en-US" smtClean="0"/>
+              <a:rPr lang="en-US"/>
               <a:t>Fourth level</a:t>
             </a:r>
           </a:p>
           <a:p>
             <a:pPr lvl="4"/>
             <a:r>
-              <a:rPr lang="en-US" smtClean="0"/>
+              <a:rPr lang="en-US"/>
               <a:t>Fifth level</a:t>
             </a:r>
-            <a:endParaRPr lang="en-US"/>
           </a:p>
         </p:txBody>
       </p:sp>
@@ -950,7 +2123,7 @@
           <a:p>
             <a:fld id="{7CE38E4D-051A-41E1-86A4-E56916468FD0}" type="datetimeFigureOut">
               <a:rPr lang="en-US" smtClean="0"/>
-              <a:t>2/12/18</a:t>
+              <a:t>3/16/18</a:t>
             </a:fld>
             <a:endParaRPr lang="en-US"/>
           </a:p>
@@ -1044,7 +2217,7 @@
           <a:lstStyle/>
           <a:p>
             <a:r>
-              <a:rPr lang="en-US" smtClean="0"/>
+              <a:rPr lang="en-US"/>
               <a:t>Click to edit Master title style</a:t>
             </a:r>
             <a:endParaRPr lang="en-US" dirty="0"/>
@@ -1073,35 +2246,35 @@
           <a:p>
             <a:pPr lvl="0"/>
             <a:r>
-              <a:rPr lang="en-US" smtClean="0"/>
+              <a:rPr lang="en-US"/>
               <a:t>Click to edit Master text styles</a:t>
             </a:r>
           </a:p>
           <a:p>
             <a:pPr lvl="1"/>
             <a:r>
-              <a:rPr lang="en-US" smtClean="0"/>
+              <a:rPr lang="en-US"/>
               <a:t>Second level</a:t>
             </a:r>
           </a:p>
           <a:p>
             <a:pPr lvl="2"/>
             <a:r>
-              <a:rPr lang="en-US" smtClean="0"/>
+              <a:rPr lang="en-US"/>
               <a:t>Third level</a:t>
             </a:r>
           </a:p>
           <a:p>
             <a:pPr lvl="3"/>
             <a:r>
-              <a:rPr lang="en-US" smtClean="0"/>
+              <a:rPr lang="en-US"/>
               <a:t>Fourth level</a:t>
             </a:r>
           </a:p>
           <a:p>
             <a:pPr lvl="4"/>
             <a:r>
-              <a:rPr lang="en-US" smtClean="0"/>
+              <a:rPr lang="en-US"/>
               <a:t>Fifth level</a:t>
             </a:r>
             <a:endParaRPr lang="en-US" dirty="0"/>
@@ -1125,7 +2298,7 @@
           <a:p>
             <a:fld id="{7CE38E4D-051A-41E1-86A4-E56916468FD0}" type="datetimeFigureOut">
               <a:rPr lang="en-US" smtClean="0"/>
-              <a:t>2/12/18</a:t>
+              <a:t>3/16/18</a:t>
             </a:fld>
             <a:endParaRPr lang="en-US"/>
           </a:p>
@@ -1214,7 +2387,7 @@
           <a:lstStyle/>
           <a:p>
             <a:r>
-              <a:rPr lang="en-US" smtClean="0"/>
+              <a:rPr lang="en-US"/>
               <a:t>Click to edit Master title style</a:t>
             </a:r>
             <a:endParaRPr lang="en-US" dirty="0"/>
@@ -1238,35 +2411,35 @@
           <a:p>
             <a:pPr lvl="0"/>
             <a:r>
-              <a:rPr lang="en-US" smtClean="0"/>
+              <a:rPr lang="en-US"/>
               <a:t>Click to edit Master text styles</a:t>
             </a:r>
           </a:p>
           <a:p>
             <a:pPr lvl="1"/>
             <a:r>
-              <a:rPr lang="en-US" smtClean="0"/>
+              <a:rPr lang="en-US"/>
               <a:t>Second level</a:t>
             </a:r>
           </a:p>
           <a:p>
             <a:pPr lvl="2"/>
             <a:r>
-              <a:rPr lang="en-US" smtClean="0"/>
+              <a:rPr lang="en-US"/>
               <a:t>Third level</a:t>
             </a:r>
           </a:p>
           <a:p>
             <a:pPr lvl="3"/>
             <a:r>
-              <a:rPr lang="en-US" smtClean="0"/>
+              <a:rPr lang="en-US"/>
               <a:t>Fourth level</a:t>
             </a:r>
           </a:p>
           <a:p>
             <a:pPr lvl="4"/>
             <a:r>
-              <a:rPr lang="en-US" smtClean="0"/>
+              <a:rPr lang="en-US"/>
               <a:t>Fifth level</a:t>
             </a:r>
             <a:endParaRPr lang="en-US" dirty="0"/>
@@ -1290,7 +2463,7 @@
           <a:p>
             <a:fld id="{7CE38E4D-051A-41E1-86A4-E56916468FD0}" type="datetimeFigureOut">
               <a:rPr lang="en-US" smtClean="0"/>
-              <a:t>2/12/18</a:t>
+              <a:t>3/16/18</a:t>
             </a:fld>
             <a:endParaRPr lang="en-US"/>
           </a:p>
@@ -1388,7 +2561,7 @@
           </a:lstStyle>
           <a:p>
             <a:r>
-              <a:rPr lang="en-US" smtClean="0"/>
+              <a:rPr lang="en-US"/>
               <a:t>Click to edit Master title style</a:t>
             </a:r>
             <a:endParaRPr lang="en-US" dirty="0"/>
@@ -1506,7 +2679,7 @@
           <a:p>
             <a:pPr lvl="0"/>
             <a:r>
-              <a:rPr lang="en-US" smtClean="0"/>
+              <a:rPr lang="en-US"/>
               <a:t>Click to edit Master text styles</a:t>
             </a:r>
           </a:p>
@@ -1529,7 +2702,7 @@
           <a:p>
             <a:fld id="{7CE38E4D-051A-41E1-86A4-E56916468FD0}" type="datetimeFigureOut">
               <a:rPr lang="en-US" smtClean="0"/>
-              <a:t>2/12/18</a:t>
+              <a:t>3/16/18</a:t>
             </a:fld>
             <a:endParaRPr lang="en-US"/>
           </a:p>
@@ -1618,10 +2791,9 @@
           <a:lstStyle/>
           <a:p>
             <a:r>
-              <a:rPr lang="en-US" smtClean="0"/>
+              <a:rPr lang="en-US"/>
               <a:t>Click to edit Master title style</a:t>
             </a:r>
-            <a:endParaRPr lang="en-US"/>
           </a:p>
         </p:txBody>
       </p:sp>
@@ -1675,38 +2847,37 @@
           <a:p>
             <a:pPr lvl="0"/>
             <a:r>
-              <a:rPr lang="en-US" smtClean="0"/>
+              <a:rPr lang="en-US"/>
               <a:t>Click to edit Master text styles</a:t>
             </a:r>
           </a:p>
           <a:p>
             <a:pPr lvl="1"/>
             <a:r>
-              <a:rPr lang="en-US" smtClean="0"/>
+              <a:rPr lang="en-US"/>
               <a:t>Second level</a:t>
             </a:r>
           </a:p>
           <a:p>
             <a:pPr lvl="2"/>
             <a:r>
-              <a:rPr lang="en-US" smtClean="0"/>
+              <a:rPr lang="en-US"/>
               <a:t>Third level</a:t>
             </a:r>
           </a:p>
           <a:p>
             <a:pPr lvl="3"/>
             <a:r>
-              <a:rPr lang="en-US" smtClean="0"/>
+              <a:rPr lang="en-US"/>
               <a:t>Fourth level</a:t>
             </a:r>
           </a:p>
           <a:p>
             <a:pPr lvl="4"/>
             <a:r>
-              <a:rPr lang="en-US" smtClean="0"/>
+              <a:rPr lang="en-US"/>
               <a:t>Fifth level</a:t>
             </a:r>
-            <a:endParaRPr lang="en-US"/>
           </a:p>
         </p:txBody>
       </p:sp>
@@ -1760,38 +2931,37 @@
           <a:p>
             <a:pPr lvl="0"/>
             <a:r>
-              <a:rPr lang="en-US" smtClean="0"/>
+              <a:rPr lang="en-US"/>
               <a:t>Click to edit Master text styles</a:t>
             </a:r>
           </a:p>
           <a:p>
             <a:pPr lvl="1"/>
             <a:r>
-              <a:rPr lang="en-US" smtClean="0"/>
+              <a:rPr lang="en-US"/>
               <a:t>Second level</a:t>
             </a:r>
           </a:p>
           <a:p>
             <a:pPr lvl="2"/>
             <a:r>
-              <a:rPr lang="en-US" smtClean="0"/>
+              <a:rPr lang="en-US"/>
               <a:t>Third level</a:t>
             </a:r>
           </a:p>
           <a:p>
             <a:pPr lvl="3"/>
             <a:r>
-              <a:rPr lang="en-US" smtClean="0"/>
+              <a:rPr lang="en-US"/>
               <a:t>Fourth level</a:t>
             </a:r>
           </a:p>
           <a:p>
             <a:pPr lvl="4"/>
             <a:r>
-              <a:rPr lang="en-US" smtClean="0"/>
+              <a:rPr lang="en-US"/>
               <a:t>Fifth level</a:t>
             </a:r>
-            <a:endParaRPr lang="en-US"/>
           </a:p>
         </p:txBody>
       </p:sp>
@@ -1812,7 +2982,7 @@
           <a:p>
             <a:fld id="{7CE38E4D-051A-41E1-86A4-E56916468FD0}" type="datetimeFigureOut">
               <a:rPr lang="en-US" smtClean="0"/>
-              <a:t>2/12/18</a:t>
+              <a:t>3/16/18</a:t>
             </a:fld>
             <a:endParaRPr lang="en-US"/>
           </a:p>
@@ -1905,7 +3075,7 @@
           </a:lstStyle>
           <a:p>
             <a:r>
-              <a:rPr lang="en-US" smtClean="0"/>
+              <a:rPr lang="en-US"/>
               <a:t>Click to edit Master title style</a:t>
             </a:r>
             <a:endParaRPr lang="en-US" dirty="0"/>
@@ -1971,7 +3141,7 @@
           <a:p>
             <a:pPr lvl="0"/>
             <a:r>
-              <a:rPr lang="en-US" smtClean="0"/>
+              <a:rPr lang="en-US"/>
               <a:t>Click to edit Master text styles</a:t>
             </a:r>
           </a:p>
@@ -2027,38 +3197,37 @@
           <a:p>
             <a:pPr lvl="0"/>
             <a:r>
-              <a:rPr lang="en-US" smtClean="0"/>
+              <a:rPr lang="en-US"/>
               <a:t>Click to edit Master text styles</a:t>
             </a:r>
           </a:p>
           <a:p>
             <a:pPr lvl="1"/>
             <a:r>
-              <a:rPr lang="en-US" smtClean="0"/>
+              <a:rPr lang="en-US"/>
               <a:t>Second level</a:t>
             </a:r>
           </a:p>
           <a:p>
             <a:pPr lvl="2"/>
             <a:r>
-              <a:rPr lang="en-US" smtClean="0"/>
+              <a:rPr lang="en-US"/>
               <a:t>Third level</a:t>
             </a:r>
           </a:p>
           <a:p>
             <a:pPr lvl="3"/>
             <a:r>
-              <a:rPr lang="en-US" smtClean="0"/>
+              <a:rPr lang="en-US"/>
               <a:t>Fourth level</a:t>
             </a:r>
           </a:p>
           <a:p>
             <a:pPr lvl="4"/>
             <a:r>
-              <a:rPr lang="en-US" smtClean="0"/>
+              <a:rPr lang="en-US"/>
               <a:t>Fifth level</a:t>
             </a:r>
-            <a:endParaRPr lang="en-US"/>
           </a:p>
         </p:txBody>
       </p:sp>
@@ -2121,7 +3290,7 @@
           <a:p>
             <a:pPr lvl="0"/>
             <a:r>
-              <a:rPr lang="en-US" smtClean="0"/>
+              <a:rPr lang="en-US"/>
               <a:t>Click to edit Master text styles</a:t>
             </a:r>
           </a:p>
@@ -2177,38 +3346,37 @@
           <a:p>
             <a:pPr lvl="0"/>
             <a:r>
-              <a:rPr lang="en-US" smtClean="0"/>
+              <a:rPr lang="en-US"/>
               <a:t>Click to edit Master text styles</a:t>
             </a:r>
           </a:p>
           <a:p>
             <a:pPr lvl="1"/>
             <a:r>
-              <a:rPr lang="en-US" smtClean="0"/>
+              <a:rPr lang="en-US"/>
               <a:t>Second level</a:t>
             </a:r>
           </a:p>
           <a:p>
             <a:pPr lvl="2"/>
             <a:r>
-              <a:rPr lang="en-US" smtClean="0"/>
+              <a:rPr lang="en-US"/>
               <a:t>Third level</a:t>
             </a:r>
           </a:p>
           <a:p>
             <a:pPr lvl="3"/>
             <a:r>
-              <a:rPr lang="en-US" smtClean="0"/>
+              <a:rPr lang="en-US"/>
               <a:t>Fourth level</a:t>
             </a:r>
           </a:p>
           <a:p>
             <a:pPr lvl="4"/>
             <a:r>
-              <a:rPr lang="en-US" smtClean="0"/>
+              <a:rPr lang="en-US"/>
               <a:t>Fifth level</a:t>
             </a:r>
-            <a:endParaRPr lang="en-US"/>
           </a:p>
         </p:txBody>
       </p:sp>
@@ -2229,7 +3397,7 @@
           <a:p>
             <a:fld id="{7CE38E4D-051A-41E1-86A4-E56916468FD0}" type="datetimeFigureOut">
               <a:rPr lang="en-US" smtClean="0"/>
-              <a:t>2/12/18</a:t>
+              <a:t>3/16/18</a:t>
             </a:fld>
             <a:endParaRPr lang="en-US"/>
           </a:p>
@@ -2318,10 +3486,9 @@
           <a:lstStyle/>
           <a:p>
             <a:r>
-              <a:rPr lang="en-US" smtClean="0"/>
+              <a:rPr lang="en-US"/>
               <a:t>Click to edit Master title style</a:t>
             </a:r>
-            <a:endParaRPr lang="en-US"/>
           </a:p>
         </p:txBody>
       </p:sp>
@@ -2342,7 +3509,7 @@
           <a:p>
             <a:fld id="{7CE38E4D-051A-41E1-86A4-E56916468FD0}" type="datetimeFigureOut">
               <a:rPr lang="en-US" smtClean="0"/>
-              <a:t>2/12/18</a:t>
+              <a:t>3/16/18</a:t>
             </a:fld>
             <a:endParaRPr lang="en-US"/>
           </a:p>
@@ -2432,7 +3599,7 @@
           <a:p>
             <a:fld id="{7CE38E4D-051A-41E1-86A4-E56916468FD0}" type="datetimeFigureOut">
               <a:rPr lang="en-US" smtClean="0"/>
-              <a:t>2/12/18</a:t>
+              <a:t>3/16/18</a:t>
             </a:fld>
             <a:endParaRPr lang="en-US"/>
           </a:p>
@@ -2530,7 +3697,7 @@
           </a:lstStyle>
           <a:p>
             <a:r>
-              <a:rPr lang="en-US" smtClean="0"/>
+              <a:rPr lang="en-US"/>
               <a:t>Click to edit Master title style</a:t>
             </a:r>
             <a:endParaRPr lang="en-US" dirty="0"/>
@@ -2587,38 +3754,37 @@
           <a:p>
             <a:pPr lvl="0"/>
             <a:r>
-              <a:rPr lang="en-US" smtClean="0"/>
+              <a:rPr lang="en-US"/>
               <a:t>Click to edit Master text styles</a:t>
             </a:r>
           </a:p>
           <a:p>
             <a:pPr lvl="1"/>
             <a:r>
-              <a:rPr lang="en-US" smtClean="0"/>
+              <a:rPr lang="en-US"/>
               <a:t>Second level</a:t>
             </a:r>
           </a:p>
           <a:p>
             <a:pPr lvl="2"/>
             <a:r>
-              <a:rPr lang="en-US" smtClean="0"/>
+              <a:rPr lang="en-US"/>
               <a:t>Third level</a:t>
             </a:r>
           </a:p>
           <a:p>
             <a:pPr lvl="3"/>
             <a:r>
-              <a:rPr lang="en-US" smtClean="0"/>
+              <a:rPr lang="en-US"/>
               <a:t>Fourth level</a:t>
             </a:r>
           </a:p>
           <a:p>
             <a:pPr lvl="4"/>
             <a:r>
-              <a:rPr lang="en-US" smtClean="0"/>
+              <a:rPr lang="en-US"/>
               <a:t>Fifth level</a:t>
             </a:r>
-            <a:endParaRPr lang="en-US"/>
           </a:p>
         </p:txBody>
       </p:sp>
@@ -2688,7 +3854,7 @@
           <a:p>
             <a:pPr lvl="0"/>
             <a:r>
-              <a:rPr lang="en-US" smtClean="0"/>
+              <a:rPr lang="en-US"/>
               <a:t>Click to edit Master text styles</a:t>
             </a:r>
           </a:p>
@@ -2711,7 +3877,7 @@
           <a:p>
             <a:fld id="{7CE38E4D-051A-41E1-86A4-E56916468FD0}" type="datetimeFigureOut">
               <a:rPr lang="en-US" smtClean="0"/>
-              <a:t>2/12/18</a:t>
+              <a:t>3/16/18</a:t>
             </a:fld>
             <a:endParaRPr lang="en-US"/>
           </a:p>
@@ -2809,7 +3975,7 @@
           </a:lstStyle>
           <a:p>
             <a:r>
-              <a:rPr lang="en-US" smtClean="0"/>
+              <a:rPr lang="en-US"/>
               <a:t>Click to edit Master title style</a:t>
             </a:r>
             <a:endParaRPr lang="en-US" dirty="0"/>
@@ -2874,10 +4040,9 @@
           </a:lstStyle>
           <a:p>
             <a:r>
-              <a:rPr lang="en-US" smtClean="0"/>
+              <a:rPr lang="en-US"/>
               <a:t>Drag picture to placeholder or click icon to add</a:t>
             </a:r>
-            <a:endParaRPr lang="en-US"/>
           </a:p>
         </p:txBody>
       </p:sp>
@@ -2947,7 +4112,7 @@
           <a:p>
             <a:pPr lvl="0"/>
             <a:r>
-              <a:rPr lang="en-US" smtClean="0"/>
+              <a:rPr lang="en-US"/>
               <a:t>Click to edit Master text styles</a:t>
             </a:r>
           </a:p>
@@ -2970,7 +4135,7 @@
           <a:p>
             <a:fld id="{7CE38E4D-051A-41E1-86A4-E56916468FD0}" type="datetimeFigureOut">
               <a:rPr lang="en-US" smtClean="0"/>
-              <a:t>2/12/18</a:t>
+              <a:t>3/16/18</a:t>
             </a:fld>
             <a:endParaRPr lang="en-US"/>
           </a:p>
@@ -3074,7 +4239,7 @@
           <a:lstStyle/>
           <a:p>
             <a:r>
-              <a:rPr lang="en-US" smtClean="0"/>
+              <a:rPr lang="en-US"/>
               <a:t>Click to edit Master title style</a:t>
             </a:r>
             <a:endParaRPr lang="en-US" dirty="0"/>
@@ -3108,35 +4273,35 @@
           <a:p>
             <a:pPr lvl="0"/>
             <a:r>
-              <a:rPr lang="en-US" smtClean="0"/>
+              <a:rPr lang="en-US"/>
               <a:t>Click to edit Master text styles</a:t>
             </a:r>
           </a:p>
           <a:p>
             <a:pPr lvl="1"/>
             <a:r>
-              <a:rPr lang="en-US" smtClean="0"/>
+              <a:rPr lang="en-US"/>
               <a:t>Second level</a:t>
             </a:r>
           </a:p>
           <a:p>
             <a:pPr lvl="2"/>
             <a:r>
-              <a:rPr lang="en-US" smtClean="0"/>
+              <a:rPr lang="en-US"/>
               <a:t>Third level</a:t>
             </a:r>
           </a:p>
           <a:p>
             <a:pPr lvl="3"/>
             <a:r>
-              <a:rPr lang="en-US" smtClean="0"/>
+              <a:rPr lang="en-US"/>
               <a:t>Fourth level</a:t>
             </a:r>
           </a:p>
           <a:p>
             <a:pPr lvl="4"/>
             <a:r>
-              <a:rPr lang="en-US" smtClean="0"/>
+              <a:rPr lang="en-US"/>
               <a:t>Fifth level</a:t>
             </a:r>
             <a:endParaRPr lang="en-US" dirty="0"/>
@@ -3178,7 +4343,7 @@
           <a:p>
             <a:fld id="{7CE38E4D-051A-41E1-86A4-E56916468FD0}" type="datetimeFigureOut">
               <a:rPr lang="en-US" smtClean="0"/>
-              <a:t>2/12/18</a:t>
+              <a:t>3/16/18</a:t>
             </a:fld>
             <a:endParaRPr lang="en-US"/>
           </a:p>
@@ -3642,25 +4807,20 @@
           <a:lstStyle/>
           <a:p>
             <a:r>
-              <a:rPr lang="en-US" dirty="0" smtClean="0"/>
+              <a:rPr lang="en-US" dirty="0"/>
               <a:t>SQLite &amp; </a:t>
             </a:r>
             <a:r>
-              <a:rPr lang="en-US" dirty="0" err="1" smtClean="0"/>
+              <a:rPr lang="en-US" dirty="0" err="1"/>
               <a:t>SQLite.Net</a:t>
             </a:r>
-            <a:r>
-              <a:rPr lang="en-US" dirty="0" smtClean="0"/>
-              <a:t/>
-            </a:r>
             <a:br>
-              <a:rPr lang="en-US" dirty="0" smtClean="0"/>
+              <a:rPr lang="en-US" dirty="0"/>
             </a:br>
             <a:r>
-              <a:rPr lang="en-US" dirty="0" smtClean="0"/>
+              <a:rPr lang="en-US" dirty="0"/>
               <a:t>Part 1</a:t>
             </a:r>
-            <a:endParaRPr lang="en-US" dirty="0"/>
           </a:p>
         </p:txBody>
       </p:sp>
@@ -3685,16 +4845,15 @@
           <a:lstStyle/>
           <a:p>
             <a:r>
-              <a:rPr lang="en-US" dirty="0" smtClean="0"/>
+              <a:rPr lang="en-US" dirty="0"/>
               <a:t>CS235AM</a:t>
             </a:r>
           </a:p>
           <a:p>
             <a:r>
-              <a:rPr lang="en-US" dirty="0" smtClean="0"/>
+              <a:rPr lang="en-US" dirty="0"/>
               <a:t>Android App Development</a:t>
             </a:r>
-            <a:endParaRPr lang="en-US" dirty="0"/>
           </a:p>
         </p:txBody>
       </p:sp>
@@ -3723,17 +4882,13 @@
             <a:pPr algn="ctr"/>
             <a:r>
               <a:rPr lang="en-US" dirty="0"/>
-              <a:t>b</a:t>
-            </a:r>
-            <a:r>
-              <a:rPr lang="en-US" dirty="0" smtClean="0"/>
-              <a:t>y Brian Bird</a:t>
+              <a:t>by Brian Bird</a:t>
             </a:r>
           </a:p>
           <a:p>
             <a:pPr algn="ctr"/>
             <a:r>
-              <a:rPr lang="en-US" dirty="0" smtClean="0"/>
+              <a:rPr lang="en-US" dirty="0"/>
               <a:t>Winter 2018 Lane Community College</a:t>
             </a:r>
           </a:p>
@@ -3749,13 +4904,6 @@
   <p:clrMapOvr>
     <a:masterClrMapping/>
   </p:clrMapOvr>
-  <p:timing>
-    <p:tnLst>
-      <p:par>
-        <p:cTn id="1" dur="indefinite" restart="never" nodeType="tmRoot"/>
-      </p:par>
-    </p:tnLst>
-  </p:timing>
 </p:sld>
 </file>
 
@@ -3792,10 +4940,9 @@
           <a:lstStyle/>
           <a:p>
             <a:r>
-              <a:rPr lang="en-US" dirty="0" smtClean="0"/>
+              <a:rPr lang="en-US" dirty="0"/>
               <a:t>SQLite</a:t>
             </a:r>
-            <a:endParaRPr lang="en-US" dirty="0"/>
           </a:p>
         </p:txBody>
       </p:sp>
@@ -3815,28 +4962,27 @@
           <a:lstStyle/>
           <a:p>
             <a:r>
-              <a:rPr lang="en-US" dirty="0" smtClean="0"/>
+              <a:rPr lang="en-US" dirty="0"/>
               <a:t>A popular Open Source RDBMS</a:t>
             </a:r>
           </a:p>
           <a:p>
             <a:r>
-              <a:rPr lang="en-US" dirty="0" smtClean="0"/>
+              <a:rPr lang="en-US" dirty="0"/>
               <a:t>Used mainly in embedded applications</a:t>
             </a:r>
           </a:p>
           <a:p>
             <a:r>
-              <a:rPr lang="en-US" dirty="0" smtClean="0"/>
+              <a:rPr lang="en-US" dirty="0"/>
               <a:t>Built into Android and iOS (as well as other operating systems)</a:t>
             </a:r>
           </a:p>
           <a:p>
             <a:r>
-              <a:rPr lang="en-US" dirty="0" smtClean="0"/>
+              <a:rPr lang="en-US" dirty="0"/>
               <a:t>Implements most of the SQL92 standard</a:t>
             </a:r>
-            <a:endParaRPr lang="en-US" dirty="0"/>
           </a:p>
         </p:txBody>
       </p:sp>
@@ -3886,14 +5032,13 @@
           <a:lstStyle/>
           <a:p>
             <a:r>
-              <a:rPr lang="en-US" dirty="0" err="1" smtClean="0"/>
+              <a:rPr lang="en-US" dirty="0" err="1"/>
               <a:t>SQLite.NET</a:t>
             </a:r>
             <a:r>
-              <a:rPr lang="en-US" dirty="0" smtClean="0"/>
+              <a:rPr lang="en-US" dirty="0"/>
               <a:t> ORM</a:t>
             </a:r>
-            <a:endParaRPr lang="en-US" dirty="0"/>
           </a:p>
         </p:txBody>
       </p:sp>
@@ -3915,28 +5060,31 @@
           <a:lstStyle/>
           <a:p>
             <a:r>
-              <a:rPr lang="en-US" dirty="0" smtClean="0"/>
+              <a:rPr lang="en-US" dirty="0"/>
               <a:t>Object Relational Mapper</a:t>
             </a:r>
           </a:p>
           <a:p>
             <a:r>
-              <a:rPr lang="en-US" dirty="0" smtClean="0"/>
+              <a:rPr lang="en-US" dirty="0"/>
               <a:t>A C# wrapper around the database API</a:t>
             </a:r>
           </a:p>
           <a:p>
             <a:r>
-              <a:rPr lang="en-US" dirty="0" smtClean="0"/>
+              <a:rPr lang="en-US" dirty="0"/>
               <a:t>Table Schema are represented by C# classes (data models)</a:t>
             </a:r>
           </a:p>
           <a:p>
             <a:r>
-              <a:rPr lang="en-US" dirty="0" smtClean="0"/>
-              <a:t>Let’s you use C# (including LINQ) to perform database operations so you don’t need to learn SQL</a:t>
-            </a:r>
-            <a:endParaRPr lang="en-US" dirty="0"/>
+              <a:rPr lang="en-US"/>
+              <a:t>Lets </a:t>
+            </a:r>
+            <a:r>
+              <a:rPr lang="en-US" dirty="0"/>
+              <a:t>you use C# (including LINQ) to perform database operations so you don’t need to learn SQL</a:t>
+            </a:r>
           </a:p>
         </p:txBody>
       </p:sp>
@@ -3986,10 +5134,9 @@
           <a:lstStyle/>
           <a:p>
             <a:r>
-              <a:rPr lang="en-US" dirty="0" smtClean="0"/>
+              <a:rPr lang="en-US" dirty="0"/>
               <a:t>Data Model</a:t>
             </a:r>
-            <a:endParaRPr lang="en-US" dirty="0"/>
           </a:p>
         </p:txBody>
       </p:sp>
@@ -4009,10 +5156,9 @@
           <a:lstStyle/>
           <a:p>
             <a:r>
-              <a:rPr lang="en-US" dirty="0" smtClean="0"/>
+              <a:rPr lang="en-US" dirty="0"/>
               <a:t>UML Class Diagram</a:t>
             </a:r>
-            <a:endParaRPr lang="en-US" dirty="0"/>
           </a:p>
         </p:txBody>
       </p:sp>
@@ -4032,10 +5178,9 @@
           <a:lstStyle/>
           <a:p>
             <a:r>
-              <a:rPr lang="en-US" dirty="0" smtClean="0"/>
+              <a:rPr lang="en-US" dirty="0"/>
               <a:t>C# Class Definition</a:t>
             </a:r>
-            <a:endParaRPr lang="en-US" dirty="0"/>
           </a:p>
         </p:txBody>
       </p:sp>
@@ -4071,20 +5216,20 @@
               <a:buNone/>
             </a:pPr>
             <a:r>
-              <a:rPr lang="en-US" sz="1600" dirty="0" smtClean="0">
+              <a:rPr lang="en-US" sz="1600" dirty="0">
                 <a:latin typeface="Courier"/>
                 <a:cs typeface="Courier"/>
               </a:rPr>
               <a:t>[Table]</a:t>
             </a:r>
             <a:br>
-              <a:rPr lang="en-US" sz="1600" dirty="0" smtClean="0">
+              <a:rPr lang="en-US" sz="1600" dirty="0">
                 <a:latin typeface="Courier"/>
                 <a:cs typeface="Courier"/>
               </a:rPr>
             </a:br>
             <a:r>
-              <a:rPr lang="en-US" sz="1600" dirty="0" smtClean="0">
+              <a:rPr lang="en-US" sz="1600" dirty="0">
                 <a:latin typeface="Courier"/>
                 <a:cs typeface="Courier"/>
               </a:rPr>
@@ -4099,7 +5244,7 @@
               <a:buNone/>
             </a:pPr>
             <a:r>
-              <a:rPr lang="en-US" sz="1600" dirty="0" smtClean="0">
+              <a:rPr lang="en-US" sz="1600" dirty="0">
                 <a:latin typeface="Courier"/>
                 <a:cs typeface="Courier"/>
               </a:rPr>
@@ -4118,14 +5263,7 @@
                 <a:latin typeface="Courier"/>
                 <a:cs typeface="Courier"/>
               </a:rPr>
-              <a:t> </a:t>
-            </a:r>
-            <a:r>
-              <a:rPr lang="en-US" sz="1600" dirty="0" smtClean="0">
-                <a:latin typeface="Courier"/>
-                <a:cs typeface="Courier"/>
-              </a:rPr>
-              <a:t> [PrimaryKey]</a:t>
+              <a:t>  [PrimaryKey]</a:t>
             </a:r>
           </a:p>
           <a:p>
@@ -4136,7 +5274,7 @@
               <a:buNone/>
             </a:pPr>
             <a:r>
-              <a:rPr lang="en-US" sz="1600" dirty="0" smtClean="0">
+              <a:rPr lang="en-US" sz="1600" dirty="0">
                 <a:latin typeface="Courier"/>
                 <a:cs typeface="Courier"/>
               </a:rPr>
@@ -4155,14 +5293,7 @@
                 <a:latin typeface="Courier"/>
                 <a:cs typeface="Courier"/>
               </a:rPr>
-              <a:t> </a:t>
-            </a:r>
-            <a:r>
-              <a:rPr lang="en-US" sz="1600" dirty="0" smtClean="0">
-                <a:latin typeface="Courier"/>
-                <a:cs typeface="Courier"/>
-              </a:rPr>
-              <a:t> public string English {get; set;}</a:t>
+              <a:t>  public string English {get; set;}</a:t>
             </a:r>
           </a:p>
           <a:p>
@@ -4173,7 +5304,7 @@
               <a:buNone/>
             </a:pPr>
             <a:r>
-              <a:rPr lang="en-US" sz="1600" dirty="0" smtClean="0">
+              <a:rPr lang="en-US" sz="1600" dirty="0">
                 <a:latin typeface="Courier"/>
                 <a:cs typeface="Courier"/>
               </a:rPr>
@@ -4188,7 +5319,7 @@
               <a:buNone/>
             </a:pPr>
             <a:r>
-              <a:rPr lang="en-US" sz="1600" dirty="0" smtClean="0">
+              <a:rPr lang="en-US" sz="1600" dirty="0">
                 <a:latin typeface="Courier"/>
                 <a:cs typeface="Courier"/>
               </a:rPr>
@@ -4235,17 +5366,16 @@
           <a:lstStyle/>
           <a:p>
             <a:r>
-              <a:rPr lang="en-US" dirty="0" smtClean="0"/>
+              <a:rPr lang="en-US" dirty="0"/>
               <a:t>Note: These are not public</a:t>
             </a:r>
             <a:br>
-              <a:rPr lang="en-US" dirty="0" smtClean="0"/>
+              <a:rPr lang="en-US" dirty="0"/>
             </a:br>
             <a:r>
-              <a:rPr lang="en-US" dirty="0" smtClean="0"/>
+              <a:rPr lang="en-US" dirty="0"/>
               <a:t> fields, they are C# properties</a:t>
             </a:r>
-            <a:endParaRPr lang="en-US" dirty="0"/>
           </a:p>
         </p:txBody>
       </p:sp>
@@ -4260,7 +5390,7 @@
           </p:nvPr>
         </p:nvPicPr>
         <p:blipFill>
-          <a:blip r:embed="rId2"/>
+          <a:blip r:embed="rId3"/>
           <a:srcRect t="-9889" b="-9889"/>
           <a:stretch>
             <a:fillRect/>
@@ -4319,10 +5449,9 @@
           <a:lstStyle/>
           <a:p>
             <a:r>
-              <a:rPr lang="en-US" dirty="0" smtClean="0"/>
+              <a:rPr lang="en-US" dirty="0"/>
               <a:t>Data Operations Using LINQ</a:t>
             </a:r>
-            <a:endParaRPr lang="en-US" dirty="0"/>
           </a:p>
         </p:txBody>
       </p:sp>
@@ -4344,26 +5473,26 @@
           <a:lstStyle/>
           <a:p>
             <a:r>
-              <a:rPr lang="en-US" dirty="0" smtClean="0"/>
+              <a:rPr lang="en-US" dirty="0"/>
               <a:t>LINQ is a part of all .NET languages</a:t>
             </a:r>
           </a:p>
           <a:p>
             <a:r>
-              <a:rPr lang="en-US" dirty="0" smtClean="0"/>
+              <a:rPr lang="en-US" dirty="0"/>
               <a:t>Language Integrated Query uses the syntax of a functional language – this is why it resembles SQL</a:t>
             </a:r>
           </a:p>
           <a:p>
             <a:r>
-              <a:rPr lang="en-US" dirty="0" smtClean="0"/>
+              <a:rPr lang="en-US" dirty="0"/>
               <a:t>LINQ can be used to query data from any class that implements </a:t>
             </a:r>
             <a:r>
-              <a:rPr lang="en-US" dirty="0" err="1" smtClean="0"/>
+              <a:rPr lang="en-US" dirty="0" err="1"/>
               <a:t>IQueryable</a:t>
             </a:r>
-            <a:endParaRPr lang="en-US" dirty="0" smtClean="0"/>
+            <a:endParaRPr lang="en-US" dirty="0"/>
           </a:p>
           <a:p>
             <a:endParaRPr lang="en-US" dirty="0"/>
@@ -4416,10 +5545,9 @@
           <a:lstStyle/>
           <a:p>
             <a:r>
-              <a:rPr lang="en-US" dirty="0" smtClean="0"/>
+              <a:rPr lang="en-US" dirty="0"/>
               <a:t>LINQ Example</a:t>
             </a:r>
-            <a:endParaRPr lang="en-US" dirty="0"/>
           </a:p>
         </p:txBody>
       </p:sp>
@@ -4442,119 +5570,86 @@
           <a:p>
             <a:r>
               <a:rPr lang="en-US" dirty="0"/>
-              <a:t>from </a:t>
-            </a:r>
-            <a:r>
-              <a:rPr lang="en-US" dirty="0" smtClean="0"/>
-              <a:t>w</a:t>
-            </a:r>
-            <a:r>
-              <a:rPr lang="en-US" dirty="0"/>
-              <a:t> in </a:t>
+              <a:t>from w in </a:t>
             </a:r>
             <a:r>
               <a:rPr lang="en-US" dirty="0" err="1"/>
               <a:t>db.Table</a:t>
             </a:r>
             <a:r>
-              <a:rPr lang="en-US" dirty="0" smtClean="0"/>
-              <a:t>&lt;Dictionary&gt;</a:t>
-            </a:r>
-            <a:r>
               <a:rPr lang="en-US" dirty="0"/>
-              <a:t> () </a:t>
-            </a:r>
-            <a:r>
-              <a:rPr lang="en-US" dirty="0" smtClean="0"/>
-              <a:t/>
+              <a:t>&lt;Dictionary&gt; () </a:t>
             </a:r>
             <a:br>
-              <a:rPr lang="en-US" dirty="0" smtClean="0"/>
+              <a:rPr lang="en-US" dirty="0"/>
             </a:br>
             <a:r>
-              <a:rPr lang="en-US" dirty="0" smtClean="0"/>
-              <a:t>where</a:t>
-            </a:r>
-            <a:r>
               <a:rPr lang="en-US" dirty="0"/>
-              <a:t> </a:t>
-            </a:r>
-            <a:r>
-              <a:rPr lang="en-US" dirty="0" err="1" smtClean="0"/>
+              <a:t>where </a:t>
+            </a:r>
+            <a:r>
+              <a:rPr lang="en-US" dirty="0" err="1"/>
               <a:t>w.English</a:t>
             </a:r>
             <a:r>
-              <a:rPr lang="en-US" dirty="0" smtClean="0"/>
-              <a:t> == “dog”</a:t>
-            </a:r>
-            <a:r>
               <a:rPr lang="en-US" dirty="0"/>
-              <a:t> </a:t>
-            </a:r>
-            <a:r>
-              <a:rPr lang="en-US" dirty="0" smtClean="0"/>
-              <a:t/>
+              <a:t> == “dog” </a:t>
             </a:r>
             <a:br>
-              <a:rPr lang="en-US" dirty="0" smtClean="0"/>
+              <a:rPr lang="en-US" dirty="0"/>
             </a:br>
             <a:r>
-              <a:rPr lang="en-US" dirty="0" smtClean="0"/>
-              <a:t>select</a:t>
-            </a:r>
-            <a:r>
               <a:rPr lang="en-US" dirty="0"/>
-              <a:t> </a:t>
-            </a:r>
-            <a:r>
-              <a:rPr lang="en-US" dirty="0" err="1" smtClean="0"/>
+              <a:t>select </a:t>
+            </a:r>
+            <a:r>
+              <a:rPr lang="en-US" dirty="0" err="1"/>
               <a:t>w.Spanish</a:t>
             </a:r>
             <a:r>
-              <a:rPr lang="en-US" dirty="0" smtClean="0"/>
+              <a:rPr lang="en-US" dirty="0"/>
               <a:t>;</a:t>
             </a:r>
             <a:br>
-              <a:rPr lang="en-US" dirty="0" smtClean="0"/>
+              <a:rPr lang="en-US" dirty="0"/>
             </a:br>
-            <a:endParaRPr lang="en-US" dirty="0" smtClean="0"/>
-          </a:p>
-          <a:p>
-            <a:r>
-              <a:rPr lang="en-US" dirty="0" smtClean="0"/>
+            <a:endParaRPr lang="en-US" dirty="0"/>
+          </a:p>
+          <a:p>
+            <a:r>
+              <a:rPr lang="en-US" dirty="0"/>
               <a:t>from w in </a:t>
             </a:r>
             <a:r>
-              <a:rPr lang="en-US" dirty="0" err="1" smtClean="0"/>
+              <a:rPr lang="en-US" dirty="0" err="1"/>
               <a:t>db.Table</a:t>
             </a:r>
             <a:r>
-              <a:rPr lang="en-US" dirty="0" smtClean="0"/>
+              <a:rPr lang="en-US" dirty="0"/>
               <a:t>&lt;Dictionary&gt;()</a:t>
             </a:r>
             <a:br>
-              <a:rPr lang="en-US" dirty="0" smtClean="0"/>
+              <a:rPr lang="en-US" dirty="0"/>
             </a:br>
             <a:r>
-              <a:rPr lang="en-US" dirty="0" smtClean="0"/>
+              <a:rPr lang="en-US" dirty="0"/>
               <a:t>where </a:t>
             </a:r>
             <a:r>
-              <a:rPr lang="en-US" dirty="0" err="1" smtClean="0"/>
+              <a:rPr lang="en-US" dirty="0" err="1"/>
               <a:t>w.PartOfSpeech</a:t>
             </a:r>
             <a:r>
-              <a:rPr lang="en-US" dirty="0" smtClean="0"/>
+              <a:rPr lang="en-US" dirty="0"/>
               <a:t> == “verb”</a:t>
             </a:r>
             <a:br>
-              <a:rPr lang="en-US" dirty="0" smtClean="0"/>
+              <a:rPr lang="en-US" dirty="0"/>
             </a:br>
             <a:r>
-              <a:rPr lang="en-US" dirty="0" smtClean="0"/>
+              <a:rPr lang="en-US" dirty="0"/>
               <a:t>select w;</a:t>
             </a:r>
-            <a:endParaRPr lang="en-US" dirty="0"/>
           </a:p>
         </p:txBody>
       </p:sp>
@@ -4604,11 +5699,11 @@
           <a:lstStyle/>
           <a:p>
             <a:r>
-              <a:rPr lang="en-US" dirty="0" smtClean="0"/>
+              <a:rPr lang="en-US" dirty="0"/>
               <a:t>Next Session </a:t>
             </a:r>
             <a:r>
-              <a:rPr lang="is-IS" dirty="0" smtClean="0"/>
+              <a:rPr lang="is-IS" dirty="0"/>
               <a:t>…</a:t>
             </a:r>
             <a:endParaRPr lang="en-US" dirty="0"/>
@@ -4633,38 +5728,37 @@
           <a:lstStyle/>
           <a:p>
             <a:r>
-              <a:rPr lang="en-US" dirty="0" smtClean="0"/>
+              <a:rPr lang="en-US" dirty="0"/>
               <a:t>In this session you were introduced to:</a:t>
             </a:r>
           </a:p>
           <a:p>
             <a:pPr lvl="1"/>
             <a:r>
-              <a:rPr lang="en-US" dirty="0" smtClean="0"/>
+              <a:rPr lang="en-US" dirty="0"/>
               <a:t> The SQLite RDBMS</a:t>
             </a:r>
           </a:p>
           <a:p>
             <a:pPr lvl="1"/>
             <a:r>
-              <a:rPr lang="en-US" dirty="0" smtClean="0"/>
+              <a:rPr lang="en-US" dirty="0"/>
               <a:t>The </a:t>
             </a:r>
             <a:r>
-              <a:rPr lang="en-US" dirty="0" err="1" smtClean="0"/>
+              <a:rPr lang="en-US" dirty="0" err="1"/>
               <a:t>SQLite.Net</a:t>
             </a:r>
             <a:r>
-              <a:rPr lang="en-US" dirty="0" smtClean="0"/>
+              <a:rPr lang="en-US" dirty="0"/>
               <a:t> ORM</a:t>
             </a:r>
           </a:p>
           <a:p>
             <a:r>
-              <a:rPr lang="en-US" dirty="0" smtClean="0"/>
+              <a:rPr lang="en-US" dirty="0"/>
               <a:t>In Part 2, we will dig deeper into using SQLite.Net in an Android application</a:t>
             </a:r>
-            <a:endParaRPr lang="en-US" dirty="0"/>
           </a:p>
         </p:txBody>
       </p:sp>
@@ -4716,10 +5810,9 @@
           <a:lstStyle/>
           <a:p>
             <a:r>
-              <a:rPr lang="en-US" dirty="0" smtClean="0"/>
+              <a:rPr lang="en-US" dirty="0"/>
               <a:t>Course Schedule</a:t>
             </a:r>
-            <a:endParaRPr lang="en-US" dirty="0"/>
           </a:p>
         </p:txBody>
       </p:sp>
@@ -4749,8 +5842,20 @@
                 <a:tableStyleId>{775DCB02-9BB8-47FD-8907-85C794F793BA}</a:tableStyleId>
               </a:tblPr>
               <a:tblGrid>
-                <a:gridCol w="511701"/>
-                <a:gridCol w="3480100"/>
+                <a:gridCol w="511701">
+                  <a:extLst>
+                    <a:ext uri="{9D8B030D-6E8A-4147-A177-3AD203B41FA5}">
+                      <a16:colId xmlns:a16="http://schemas.microsoft.com/office/drawing/2014/main" val="20000"/>
+                    </a:ext>
+                  </a:extLst>
+                </a:gridCol>
+                <a:gridCol w="3480100">
+                  <a:extLst>
+                    <a:ext uri="{9D8B030D-6E8A-4147-A177-3AD203B41FA5}">
+                      <a16:colId xmlns:a16="http://schemas.microsoft.com/office/drawing/2014/main" val="20001"/>
+                    </a:ext>
+                  </a:extLst>
+                </a:gridCol>
               </a:tblGrid>
               <a:tr h="427278">
                 <a:tc>
@@ -4759,10 +5864,9 @@
                     <a:lstStyle/>
                     <a:p>
                       <a:r>
-                        <a:rPr lang="en-US" dirty="0" smtClean="0"/>
+                        <a:rPr lang="en-US" dirty="0"/>
                         <a:t>Wk</a:t>
                       </a:r>
-                      <a:endParaRPr lang="en-US" dirty="0"/>
                     </a:p>
                   </a:txBody>
                   <a:tcPr/>
@@ -4773,14 +5877,18 @@
                     <a:lstStyle/>
                     <a:p>
                       <a:r>
-                        <a:rPr lang="en-US" dirty="0" smtClean="0"/>
+                        <a:rPr lang="en-US" dirty="0"/>
                         <a:t>Topic</a:t>
                       </a:r>
-                      <a:endParaRPr lang="en-US" dirty="0"/>
                     </a:p>
                   </a:txBody>
                   <a:tcPr/>
                 </a:tc>
+                <a:extLst>
+                  <a:ext uri="{0D108BD9-81ED-4DB2-BD59-A6C34878D82A}">
+                    <a16:rowId xmlns:a16="http://schemas.microsoft.com/office/drawing/2014/main" val="10000"/>
+                  </a:ext>
+                </a:extLst>
               </a:tr>
               <a:tr h="942660">
                 <a:tc>
@@ -4789,10 +5897,9 @@
                     <a:lstStyle/>
                     <a:p>
                       <a:r>
-                        <a:rPr lang="en-US" sz="2800" dirty="0" smtClean="0"/>
+                        <a:rPr lang="en-US" sz="2800" dirty="0"/>
                         <a:t>1</a:t>
                       </a:r>
-                      <a:endParaRPr lang="en-US" sz="2800" dirty="0"/>
                     </a:p>
                   </a:txBody>
                   <a:tcPr/>
@@ -4820,21 +5927,26 @@
                         <a:defRPr/>
                       </a:pPr>
                       <a:r>
-                        <a:rPr lang="en-US" sz="2800" dirty="0" smtClean="0"/>
+                        <a:rPr lang="en-US" sz="2800" dirty="0"/>
                         <a:t>Intro</a:t>
                       </a:r>
                       <a:r>
-                        <a:rPr lang="en-US" sz="2800" baseline="0" dirty="0" smtClean="0"/>
+                        <a:rPr lang="en-US" sz="2800" baseline="0" dirty="0"/>
                         <a:t> +</a:t>
                       </a:r>
                       <a:r>
-                        <a:rPr lang="en-US" sz="2800" dirty="0" smtClean="0"/>
+                        <a:rPr lang="en-US" sz="2800" dirty="0"/>
                         <a:t> single-screen apps</a:t>
                       </a:r>
                     </a:p>
                   </a:txBody>
                   <a:tcPr/>
                 </a:tc>
+                <a:extLst>
+                  <a:ext uri="{0D108BD9-81ED-4DB2-BD59-A6C34878D82A}">
+                    <a16:rowId xmlns:a16="http://schemas.microsoft.com/office/drawing/2014/main" val="10001"/>
+                  </a:ext>
+                </a:extLst>
               </a:tr>
               <a:tr h="942660">
                 <a:tc>
@@ -4843,10 +5955,9 @@
                     <a:lstStyle/>
                     <a:p>
                       <a:r>
-                        <a:rPr lang="en-US" sz="2800" dirty="0" smtClean="0"/>
+                        <a:rPr lang="en-US" sz="2800" dirty="0"/>
                         <a:t>2</a:t>
                       </a:r>
-                      <a:endParaRPr lang="en-US" sz="2800" dirty="0"/>
                     </a:p>
                   </a:txBody>
                   <a:tcPr>
@@ -4876,7 +5987,7 @@
                         <a:defRPr/>
                       </a:pPr>
                       <a:r>
-                        <a:rPr lang="en-US" sz="2800" dirty="0" smtClean="0"/>
+                        <a:rPr lang="en-US" sz="2800" dirty="0"/>
                         <a:t>Multi-screen (multi-activity) apps</a:t>
                       </a:r>
                     </a:p>
@@ -4885,6 +5996,11 @@
                     <a:noFill/>
                   </a:tcPr>
                 </a:tc>
+                <a:extLst>
+                  <a:ext uri="{0D108BD9-81ED-4DB2-BD59-A6C34878D82A}">
+                    <a16:rowId xmlns:a16="http://schemas.microsoft.com/office/drawing/2014/main" val="10002"/>
+                  </a:ext>
+                </a:extLst>
               </a:tr>
               <a:tr h="942660">
                 <a:tc>
@@ -4893,10 +6009,9 @@
                     <a:lstStyle/>
                     <a:p>
                       <a:r>
-                        <a:rPr lang="en-US" sz="2800" dirty="0" smtClean="0"/>
+                        <a:rPr lang="en-US" sz="2800" dirty="0"/>
                         <a:t>3</a:t>
                       </a:r>
-                      <a:endParaRPr lang="en-US" sz="2800" dirty="0"/>
                     </a:p>
                   </a:txBody>
                   <a:tcPr>
@@ -4930,14 +6045,14 @@
                         <a:defRPr/>
                       </a:pPr>
                       <a:r>
-                        <a:rPr lang="en-US" sz="2800" dirty="0" smtClean="0"/>
+                        <a:rPr lang="en-US" sz="2800" dirty="0"/>
                         <a:t>Activity lifecycle</a:t>
                       </a:r>
                       <a:r>
-                        <a:rPr lang="en-US" sz="2800" baseline="0" dirty="0" smtClean="0"/>
+                        <a:rPr lang="en-US" sz="2800" baseline="0" dirty="0"/>
                         <a:t> and state</a:t>
                       </a:r>
-                      <a:endParaRPr lang="en-US" sz="2800" dirty="0" smtClean="0"/>
+                      <a:endParaRPr lang="en-US" sz="2800" dirty="0"/>
                     </a:p>
                   </a:txBody>
                   <a:tcPr>
@@ -4948,6 +6063,11 @@
                     </a:solidFill>
                   </a:tcPr>
                 </a:tc>
+                <a:extLst>
+                  <a:ext uri="{0D108BD9-81ED-4DB2-BD59-A6C34878D82A}">
+                    <a16:rowId xmlns:a16="http://schemas.microsoft.com/office/drawing/2014/main" val="10003"/>
+                  </a:ext>
+                </a:extLst>
               </a:tr>
               <a:tr h="516942">
                 <a:tc>
@@ -4956,10 +6076,9 @@
                     <a:lstStyle/>
                     <a:p>
                       <a:r>
-                        <a:rPr lang="en-US" sz="2800" dirty="0" smtClean="0"/>
+                        <a:rPr lang="en-US" sz="2800" dirty="0"/>
                         <a:t>4</a:t>
                       </a:r>
-                      <a:endParaRPr lang="en-US" sz="2800" dirty="0"/>
                     </a:p>
                   </a:txBody>
                   <a:tcPr>
@@ -4989,20 +6108,25 @@
                         <a:defRPr/>
                       </a:pPr>
                       <a:r>
-                        <a:rPr lang="en-US" sz="2800" dirty="0" smtClean="0"/>
+                        <a:rPr lang="en-US" sz="2800" dirty="0"/>
                         <a:t>List</a:t>
                       </a:r>
                       <a:r>
-                        <a:rPr lang="en-US" sz="2800" baseline="0" dirty="0" smtClean="0"/>
+                        <a:rPr lang="en-US" sz="2800" baseline="0" dirty="0"/>
                         <a:t> Views + Adapters</a:t>
                       </a:r>
-                      <a:endParaRPr lang="en-US" sz="2800" dirty="0" smtClean="0"/>
+                      <a:endParaRPr lang="en-US" sz="2800" dirty="0"/>
                     </a:p>
                   </a:txBody>
                   <a:tcPr>
                     <a:noFill/>
                   </a:tcPr>
                 </a:tc>
+                <a:extLst>
+                  <a:ext uri="{0D108BD9-81ED-4DB2-BD59-A6C34878D82A}">
+                    <a16:rowId xmlns:a16="http://schemas.microsoft.com/office/drawing/2014/main" val="10004"/>
+                  </a:ext>
+                </a:extLst>
               </a:tr>
               <a:tr h="516942">
                 <a:tc>
@@ -5011,10 +6135,9 @@
                     <a:lstStyle/>
                     <a:p>
                       <a:r>
-                        <a:rPr lang="en-US" sz="2800" dirty="0" smtClean="0"/>
+                        <a:rPr lang="en-US" sz="2800" dirty="0"/>
                         <a:t>5</a:t>
                       </a:r>
-                      <a:endParaRPr lang="en-US" sz="2800" dirty="0"/>
                     </a:p>
                   </a:txBody>
                   <a:tcPr>
@@ -5048,14 +6171,14 @@
                         <a:defRPr/>
                       </a:pPr>
                       <a:r>
-                        <a:rPr lang="en-US" sz="2800" dirty="0" smtClean="0"/>
+                        <a:rPr lang="en-US" sz="2800" dirty="0"/>
                         <a:t>Layouts + </a:t>
                       </a:r>
                       <a:r>
-                        <a:rPr lang="en-US" sz="2800" baseline="0" dirty="0" smtClean="0"/>
+                        <a:rPr lang="en-US" sz="2800" baseline="0" dirty="0"/>
                         <a:t>orientation</a:t>
                       </a:r>
-                      <a:endParaRPr lang="en-US" sz="2800" dirty="0" smtClean="0"/>
+                      <a:endParaRPr lang="en-US" sz="2800" dirty="0"/>
                     </a:p>
                   </a:txBody>
                   <a:tcPr>
@@ -5066,6 +6189,11 @@
                     </a:solidFill>
                   </a:tcPr>
                 </a:tc>
+                <a:extLst>
+                  <a:ext uri="{0D108BD9-81ED-4DB2-BD59-A6C34878D82A}">
+                    <a16:rowId xmlns:a16="http://schemas.microsoft.com/office/drawing/2014/main" val="10005"/>
+                  </a:ext>
+                </a:extLst>
               </a:tr>
             </a:tbl>
           </a:graphicData>
@@ -5097,8 +6225,20 @@
                 <a:tableStyleId>{775DCB02-9BB8-47FD-8907-85C794F793BA}</a:tableStyleId>
               </a:tblPr>
               <a:tblGrid>
-                <a:gridCol w="546664"/>
-                <a:gridCol w="3750953"/>
+                <a:gridCol w="546664">
+                  <a:extLst>
+                    <a:ext uri="{9D8B030D-6E8A-4147-A177-3AD203B41FA5}">
+                      <a16:colId xmlns:a16="http://schemas.microsoft.com/office/drawing/2014/main" val="20000"/>
+                    </a:ext>
+                  </a:extLst>
+                </a:gridCol>
+                <a:gridCol w="3750953">
+                  <a:extLst>
+                    <a:ext uri="{9D8B030D-6E8A-4147-A177-3AD203B41FA5}">
+                      <a16:colId xmlns:a16="http://schemas.microsoft.com/office/drawing/2014/main" val="20001"/>
+                    </a:ext>
+                  </a:extLst>
+                </a:gridCol>
               </a:tblGrid>
               <a:tr h="318056">
                 <a:tc>
@@ -5107,10 +6247,9 @@
                     <a:lstStyle/>
                     <a:p>
                       <a:r>
-                        <a:rPr lang="en-US" dirty="0" smtClean="0"/>
+                        <a:rPr lang="en-US" dirty="0"/>
                         <a:t>Wk</a:t>
                       </a:r>
-                      <a:endParaRPr lang="en-US" dirty="0"/>
                     </a:p>
                   </a:txBody>
                   <a:tcPr/>
@@ -5121,14 +6260,18 @@
                     <a:lstStyle/>
                     <a:p>
                       <a:r>
-                        <a:rPr lang="en-US" dirty="0" smtClean="0"/>
+                        <a:rPr lang="en-US" dirty="0"/>
                         <a:t>Topic</a:t>
                       </a:r>
-                      <a:endParaRPr lang="en-US" dirty="0"/>
                     </a:p>
                   </a:txBody>
                   <a:tcPr/>
                 </a:tc>
+                <a:extLst>
+                  <a:ext uri="{0D108BD9-81ED-4DB2-BD59-A6C34878D82A}">
+                    <a16:rowId xmlns:a16="http://schemas.microsoft.com/office/drawing/2014/main" val="10000"/>
+                  </a:ext>
+                </a:extLst>
               </a:tr>
               <a:tr h="957676">
                 <a:tc>
@@ -5137,10 +6280,9 @@
                     <a:lstStyle/>
                     <a:p>
                       <a:r>
-                        <a:rPr lang="en-US" sz="2800" dirty="0" smtClean="0"/>
+                        <a:rPr lang="en-US" sz="2800" dirty="0"/>
                         <a:t>6</a:t>
                       </a:r>
-                      <a:endParaRPr lang="en-US" sz="2800" dirty="0"/>
                     </a:p>
                   </a:txBody>
                   <a:tcPr>
@@ -5174,7 +6316,7 @@
                         <a:defRPr/>
                       </a:pPr>
                       <a:r>
-                        <a:rPr lang="en-US" sz="2800" dirty="0" smtClean="0"/>
+                        <a:rPr lang="en-US" sz="2800" dirty="0"/>
                         <a:t>Adapting to size and orientation: fragments</a:t>
                       </a:r>
                     </a:p>
@@ -5187,6 +6329,11 @@
                     </a:solidFill>
                   </a:tcPr>
                 </a:tc>
+                <a:extLst>
+                  <a:ext uri="{0D108BD9-81ED-4DB2-BD59-A6C34878D82A}">
+                    <a16:rowId xmlns:a16="http://schemas.microsoft.com/office/drawing/2014/main" val="10001"/>
+                  </a:ext>
+                </a:extLst>
               </a:tr>
               <a:tr h="525177">
                 <a:tc>
@@ -5195,10 +6342,9 @@
                     <a:lstStyle/>
                     <a:p>
                       <a:r>
-                        <a:rPr lang="en-US" sz="2800" dirty="0" smtClean="0"/>
+                        <a:rPr lang="en-US" sz="2800" dirty="0"/>
                         <a:t>7</a:t>
                       </a:r>
-                      <a:endParaRPr lang="en-US" sz="2800" dirty="0"/>
                     </a:p>
                   </a:txBody>
                   <a:tcPr>
@@ -5232,7 +6378,7 @@
                         <a:defRPr/>
                       </a:pPr>
                       <a:r>
-                        <a:rPr lang="en-US" sz="2800" dirty="0" smtClean="0"/>
+                        <a:rPr lang="en-US" sz="2800" dirty="0"/>
                         <a:t>Managing data: SQLite</a:t>
                       </a:r>
                     </a:p>
@@ -5245,6 +6391,11 @@
                     </a:solidFill>
                   </a:tcPr>
                 </a:tc>
+                <a:extLst>
+                  <a:ext uri="{0D108BD9-81ED-4DB2-BD59-A6C34878D82A}">
+                    <a16:rowId xmlns:a16="http://schemas.microsoft.com/office/drawing/2014/main" val="10002"/>
+                  </a:ext>
+                </a:extLst>
               </a:tr>
               <a:tr h="957676">
                 <a:tc>
@@ -5253,10 +6404,9 @@
                     <a:lstStyle/>
                     <a:p>
                       <a:r>
-                        <a:rPr lang="en-US" sz="2800" dirty="0" smtClean="0"/>
+                        <a:rPr lang="en-US" sz="2800" dirty="0"/>
                         <a:t>8</a:t>
                       </a:r>
-                      <a:endParaRPr lang="en-US" sz="2800" dirty="0"/>
                     </a:p>
                   </a:txBody>
                   <a:tcPr/>
@@ -5284,13 +6434,18 @@
                         <a:defRPr/>
                       </a:pPr>
                       <a:r>
-                        <a:rPr lang="en-US" sz="2800" dirty="0" smtClean="0"/>
+                        <a:rPr lang="en-US" sz="2800" dirty="0"/>
                         <a:t>Consuming web services</a:t>
                       </a:r>
                     </a:p>
                   </a:txBody>
                   <a:tcPr/>
                 </a:tc>
+                <a:extLst>
+                  <a:ext uri="{0D108BD9-81ED-4DB2-BD59-A6C34878D82A}">
+                    <a16:rowId xmlns:a16="http://schemas.microsoft.com/office/drawing/2014/main" val="10003"/>
+                  </a:ext>
+                </a:extLst>
               </a:tr>
               <a:tr h="525177">
                 <a:tc>
@@ -5299,10 +6454,9 @@
                     <a:lstStyle/>
                     <a:p>
                       <a:r>
-                        <a:rPr lang="en-US" sz="2800" dirty="0" smtClean="0"/>
+                        <a:rPr lang="en-US" sz="2800" dirty="0"/>
                         <a:t>9</a:t>
                       </a:r>
-                      <a:endParaRPr lang="en-US" sz="2800" dirty="0"/>
                     </a:p>
                   </a:txBody>
                   <a:tcPr/>
@@ -5330,13 +6484,18 @@
                         <a:defRPr/>
                       </a:pPr>
                       <a:r>
-                        <a:rPr lang="en-US" sz="2800" dirty="0" smtClean="0"/>
+                        <a:rPr lang="en-US" sz="2800" dirty="0"/>
                         <a:t>Geolocation</a:t>
                       </a:r>
                     </a:p>
                   </a:txBody>
                   <a:tcPr/>
                 </a:tc>
+                <a:extLst>
+                  <a:ext uri="{0D108BD9-81ED-4DB2-BD59-A6C34878D82A}">
+                    <a16:rowId xmlns:a16="http://schemas.microsoft.com/office/drawing/2014/main" val="10004"/>
+                  </a:ext>
+                </a:extLst>
               </a:tr>
               <a:tr h="957676">
                 <a:tc>
@@ -5345,10 +6504,9 @@
                     <a:lstStyle/>
                     <a:p>
                       <a:r>
-                        <a:rPr lang="en-US" sz="2800" dirty="0" smtClean="0"/>
+                        <a:rPr lang="en-US" sz="2800" dirty="0"/>
                         <a:t>10</a:t>
                       </a:r>
-                      <a:endParaRPr lang="en-US" sz="2800" dirty="0"/>
                     </a:p>
                   </a:txBody>
                   <a:tcPr/>
@@ -5376,21 +6534,26 @@
                         <a:defRPr/>
                       </a:pPr>
                       <a:r>
-                        <a:rPr lang="en-US" sz="2800" dirty="0" smtClean="0"/>
+                        <a:rPr lang="en-US" sz="2800" dirty="0"/>
                         <a:t>Publishing</a:t>
                       </a:r>
                       <a:r>
-                        <a:rPr lang="en-US" sz="2800" baseline="0" dirty="0" smtClean="0"/>
+                        <a:rPr lang="en-US" sz="2800" baseline="0" dirty="0"/>
                         <a:t> to </a:t>
                       </a:r>
                       <a:r>
-                        <a:rPr lang="en-US" sz="2800" dirty="0" smtClean="0"/>
+                        <a:rPr lang="en-US" sz="2800" dirty="0"/>
                         <a:t>the Google Play Store</a:t>
                       </a:r>
                     </a:p>
                   </a:txBody>
                   <a:tcPr/>
                 </a:tc>
+                <a:extLst>
+                  <a:ext uri="{0D108BD9-81ED-4DB2-BD59-A6C34878D82A}">
+                    <a16:rowId xmlns:a16="http://schemas.microsoft.com/office/drawing/2014/main" val="10005"/>
+                  </a:ext>
+                </a:extLst>
               </a:tr>
             </a:tbl>
           </a:graphicData>
@@ -5421,8 +6584,20 @@
                 <a:tableStyleId>{775DCB02-9BB8-47FD-8907-85C794F793BA}</a:tableStyleId>
               </a:tblPr>
               <a:tblGrid>
-                <a:gridCol w="546664"/>
-                <a:gridCol w="3750953"/>
+                <a:gridCol w="546664">
+                  <a:extLst>
+                    <a:ext uri="{9D8B030D-6E8A-4147-A177-3AD203B41FA5}">
+                      <a16:colId xmlns:a16="http://schemas.microsoft.com/office/drawing/2014/main" val="20000"/>
+                    </a:ext>
+                  </a:extLst>
+                </a:gridCol>
+                <a:gridCol w="3750953">
+                  <a:extLst>
+                    <a:ext uri="{9D8B030D-6E8A-4147-A177-3AD203B41FA5}">
+                      <a16:colId xmlns:a16="http://schemas.microsoft.com/office/drawing/2014/main" val="20001"/>
+                    </a:ext>
+                  </a:extLst>
+                </a:gridCol>
               </a:tblGrid>
               <a:tr h="318056">
                 <a:tc>
@@ -5431,10 +6606,9 @@
                     <a:lstStyle/>
                     <a:p>
                       <a:r>
-                        <a:rPr lang="en-US" dirty="0" smtClean="0"/>
+                        <a:rPr lang="en-US" dirty="0"/>
                         <a:t>Wk</a:t>
                       </a:r>
-                      <a:endParaRPr lang="en-US" dirty="0"/>
                     </a:p>
                   </a:txBody>
                   <a:tcPr/>
@@ -5445,14 +6619,18 @@
                     <a:lstStyle/>
                     <a:p>
                       <a:r>
-                        <a:rPr lang="en-US" dirty="0" smtClean="0"/>
+                        <a:rPr lang="en-US" dirty="0"/>
                         <a:t>Topic</a:t>
                       </a:r>
-                      <a:endParaRPr lang="en-US" dirty="0"/>
                     </a:p>
                   </a:txBody>
                   <a:tcPr/>
                 </a:tc>
+                <a:extLst>
+                  <a:ext uri="{0D108BD9-81ED-4DB2-BD59-A6C34878D82A}">
+                    <a16:rowId xmlns:a16="http://schemas.microsoft.com/office/drawing/2014/main" val="10000"/>
+                  </a:ext>
+                </a:extLst>
               </a:tr>
               <a:tr h="783339">
                 <a:tc>
@@ -5461,10 +6639,9 @@
                     <a:lstStyle/>
                     <a:p>
                       <a:r>
-                        <a:rPr lang="en-US" sz="2800" dirty="0" smtClean="0"/>
+                        <a:rPr lang="en-US" sz="2800" dirty="0"/>
                         <a:t>6</a:t>
                       </a:r>
-                      <a:endParaRPr lang="en-US" sz="2800" dirty="0"/>
                     </a:p>
                   </a:txBody>
                   <a:tcPr/>
@@ -5492,18 +6669,23 @@
                         <a:defRPr/>
                       </a:pPr>
                       <a:r>
-                        <a:rPr lang="en-US" sz="2800" dirty="0" smtClean="0"/>
+                        <a:rPr lang="en-US" sz="2800" dirty="0"/>
                         <a:t>Layouts + </a:t>
                       </a:r>
                       <a:r>
-                        <a:rPr lang="en-US" sz="2800" baseline="0" dirty="0" smtClean="0"/>
+                        <a:rPr lang="en-US" sz="2800" baseline="0" dirty="0"/>
                         <a:t>orientation</a:t>
                       </a:r>
-                      <a:endParaRPr lang="en-US" sz="2800" dirty="0" smtClean="0"/>
+                      <a:endParaRPr lang="en-US" sz="2800" dirty="0"/>
                     </a:p>
                   </a:txBody>
                   <a:tcPr/>
                 </a:tc>
+                <a:extLst>
+                  <a:ext uri="{0D108BD9-81ED-4DB2-BD59-A6C34878D82A}">
+                    <a16:rowId xmlns:a16="http://schemas.microsoft.com/office/drawing/2014/main" val="10001"/>
+                  </a:ext>
+                </a:extLst>
               </a:tr>
               <a:tr h="948426">
                 <a:tc>
@@ -5512,10 +6694,9 @@
                     <a:lstStyle/>
                     <a:p>
                       <a:r>
-                        <a:rPr lang="en-US" sz="2800" dirty="0" smtClean="0"/>
+                        <a:rPr lang="en-US" sz="2800" dirty="0"/>
                         <a:t>7</a:t>
                       </a:r>
-                      <a:endParaRPr lang="en-US" sz="2800" dirty="0"/>
                     </a:p>
                   </a:txBody>
                   <a:tcPr/>
@@ -5543,13 +6724,18 @@
                         <a:defRPr/>
                       </a:pPr>
                       <a:r>
-                        <a:rPr lang="en-US" sz="2800" dirty="0" smtClean="0"/>
+                        <a:rPr lang="en-US" sz="2800" dirty="0"/>
                         <a:t>Adapting to size and orientation: fragments</a:t>
                       </a:r>
                     </a:p>
                   </a:txBody>
                   <a:tcPr/>
                 </a:tc>
+                <a:extLst>
+                  <a:ext uri="{0D108BD9-81ED-4DB2-BD59-A6C34878D82A}">
+                    <a16:rowId xmlns:a16="http://schemas.microsoft.com/office/drawing/2014/main" val="10002"/>
+                  </a:ext>
+                </a:extLst>
               </a:tr>
               <a:tr h="578700">
                 <a:tc>
@@ -5558,10 +6744,9 @@
                     <a:lstStyle/>
                     <a:p>
                       <a:r>
-                        <a:rPr lang="en-US" sz="2800" dirty="0" smtClean="0"/>
+                        <a:rPr lang="en-US" sz="2800" dirty="0"/>
                         <a:t>8</a:t>
                       </a:r>
-                      <a:endParaRPr lang="en-US" sz="2800" dirty="0"/>
                     </a:p>
                   </a:txBody>
                   <a:tcPr>
@@ -5595,7 +6780,7 @@
                         <a:defRPr/>
                       </a:pPr>
                       <a:r>
-                        <a:rPr lang="en-US" sz="2800" dirty="0" smtClean="0"/>
+                        <a:rPr lang="en-US" sz="2800" dirty="0"/>
                         <a:t>Managing data: SQLite</a:t>
                       </a:r>
                     </a:p>
@@ -5608,6 +6793,11 @@
                     </a:solidFill>
                   </a:tcPr>
                 </a:tc>
+                <a:extLst>
+                  <a:ext uri="{0D108BD9-81ED-4DB2-BD59-A6C34878D82A}">
+                    <a16:rowId xmlns:a16="http://schemas.microsoft.com/office/drawing/2014/main" val="10003"/>
+                  </a:ext>
+                </a:extLst>
               </a:tr>
               <a:tr h="525177">
                 <a:tc>
@@ -5616,10 +6806,9 @@
                     <a:lstStyle/>
                     <a:p>
                       <a:r>
-                        <a:rPr lang="en-US" sz="2800" dirty="0" smtClean="0"/>
+                        <a:rPr lang="en-US" sz="2800" dirty="0"/>
                         <a:t>9</a:t>
                       </a:r>
-                      <a:endParaRPr lang="en-US" sz="2800" dirty="0"/>
                     </a:p>
                   </a:txBody>
                   <a:tcPr/>
@@ -5647,13 +6836,18 @@
                         <a:defRPr/>
                       </a:pPr>
                       <a:r>
-                        <a:rPr lang="en-US" sz="2800" dirty="0" smtClean="0"/>
+                        <a:rPr lang="en-US" sz="2800" dirty="0"/>
                         <a:t>Consuming web services</a:t>
                       </a:r>
                     </a:p>
                   </a:txBody>
                   <a:tcPr/>
                 </a:tc>
+                <a:extLst>
+                  <a:ext uri="{0D108BD9-81ED-4DB2-BD59-A6C34878D82A}">
+                    <a16:rowId xmlns:a16="http://schemas.microsoft.com/office/drawing/2014/main" val="10004"/>
+                  </a:ext>
+                </a:extLst>
               </a:tr>
               <a:tr h="670658">
                 <a:tc>
@@ -5662,10 +6856,9 @@
                     <a:lstStyle/>
                     <a:p>
                       <a:r>
-                        <a:rPr lang="en-US" sz="2800" dirty="0" smtClean="0"/>
+                        <a:rPr lang="en-US" sz="2800" dirty="0"/>
                         <a:t>10</a:t>
                       </a:r>
-                      <a:endParaRPr lang="en-US" sz="2800" dirty="0"/>
                     </a:p>
                   </a:txBody>
                   <a:tcPr/>
@@ -5693,14 +6886,19 @@
                         <a:defRPr/>
                       </a:pPr>
                       <a:r>
-                        <a:rPr lang="en-US" sz="2800" dirty="0" err="1" smtClean="0"/>
+                        <a:rPr lang="en-US" sz="2800" dirty="0" err="1"/>
                         <a:t>Geolocation</a:t>
                       </a:r>
-                      <a:endParaRPr lang="en-US" sz="2800" dirty="0" smtClean="0"/>
+                      <a:endParaRPr lang="en-US" sz="2800" dirty="0"/>
                     </a:p>
                   </a:txBody>
                   <a:tcPr/>
                 </a:tc>
+                <a:extLst>
+                  <a:ext uri="{0D108BD9-81ED-4DB2-BD59-A6C34878D82A}">
+                    <a16:rowId xmlns:a16="http://schemas.microsoft.com/office/drawing/2014/main" val="10005"/>
+                  </a:ext>
+                </a:extLst>
               </a:tr>
             </a:tbl>
           </a:graphicData>
@@ -5731,8 +6929,20 @@
                 <a:tableStyleId>{775DCB02-9BB8-47FD-8907-85C794F793BA}</a:tableStyleId>
               </a:tblPr>
               <a:tblGrid>
-                <a:gridCol w="511701"/>
-                <a:gridCol w="3480100"/>
+                <a:gridCol w="511701">
+                  <a:extLst>
+                    <a:ext uri="{9D8B030D-6E8A-4147-A177-3AD203B41FA5}">
+                      <a16:colId xmlns:a16="http://schemas.microsoft.com/office/drawing/2014/main" val="20000"/>
+                    </a:ext>
+                  </a:extLst>
+                </a:gridCol>
+                <a:gridCol w="3480100">
+                  <a:extLst>
+                    <a:ext uri="{9D8B030D-6E8A-4147-A177-3AD203B41FA5}">
+                      <a16:colId xmlns:a16="http://schemas.microsoft.com/office/drawing/2014/main" val="20001"/>
+                    </a:ext>
+                  </a:extLst>
+                </a:gridCol>
               </a:tblGrid>
               <a:tr h="351148">
                 <a:tc>
@@ -5741,10 +6951,9 @@
                     <a:lstStyle/>
                     <a:p>
                       <a:r>
-                        <a:rPr lang="en-US" dirty="0" smtClean="0"/>
+                        <a:rPr lang="en-US" dirty="0"/>
                         <a:t>Wk</a:t>
                       </a:r>
-                      <a:endParaRPr lang="en-US" dirty="0"/>
                     </a:p>
                   </a:txBody>
                   <a:tcPr/>
@@ -5755,14 +6964,18 @@
                     <a:lstStyle/>
                     <a:p>
                       <a:r>
-                        <a:rPr lang="en-US" dirty="0" smtClean="0"/>
+                        <a:rPr lang="en-US" dirty="0"/>
                         <a:t>Topic</a:t>
                       </a:r>
-                      <a:endParaRPr lang="en-US" dirty="0"/>
                     </a:p>
                   </a:txBody>
                   <a:tcPr/>
                 </a:tc>
+                <a:extLst>
+                  <a:ext uri="{0D108BD9-81ED-4DB2-BD59-A6C34878D82A}">
+                    <a16:rowId xmlns:a16="http://schemas.microsoft.com/office/drawing/2014/main" val="10000"/>
+                  </a:ext>
+                </a:extLst>
               </a:tr>
               <a:tr h="942660">
                 <a:tc>
@@ -5771,10 +6984,9 @@
                     <a:lstStyle/>
                     <a:p>
                       <a:r>
-                        <a:rPr lang="en-US" sz="2800" dirty="0" smtClean="0"/>
+                        <a:rPr lang="en-US" sz="2800" dirty="0"/>
                         <a:t>1</a:t>
                       </a:r>
-                      <a:endParaRPr lang="en-US" sz="2800" dirty="0"/>
                     </a:p>
                   </a:txBody>
                   <a:tcPr/>
@@ -5802,21 +7014,26 @@
                         <a:defRPr/>
                       </a:pPr>
                       <a:r>
-                        <a:rPr lang="en-US" sz="2800" dirty="0" smtClean="0"/>
+                        <a:rPr lang="en-US" sz="2800" dirty="0"/>
                         <a:t>Intro</a:t>
                       </a:r>
                       <a:r>
-                        <a:rPr lang="en-US" sz="2800" baseline="0" dirty="0" smtClean="0"/>
+                        <a:rPr lang="en-US" sz="2800" baseline="0" dirty="0"/>
                         <a:t> +</a:t>
                       </a:r>
                       <a:r>
-                        <a:rPr lang="en-US" sz="2800" dirty="0" smtClean="0"/>
+                        <a:rPr lang="en-US" sz="2800" dirty="0"/>
                         <a:t> single-screen apps</a:t>
                       </a:r>
                     </a:p>
                   </a:txBody>
                   <a:tcPr/>
                 </a:tc>
+                <a:extLst>
+                  <a:ext uri="{0D108BD9-81ED-4DB2-BD59-A6C34878D82A}">
+                    <a16:rowId xmlns:a16="http://schemas.microsoft.com/office/drawing/2014/main" val="10001"/>
+                  </a:ext>
+                </a:extLst>
               </a:tr>
               <a:tr h="942660">
                 <a:tc>
@@ -5825,10 +7042,9 @@
                     <a:lstStyle/>
                     <a:p>
                       <a:r>
-                        <a:rPr lang="en-US" sz="2800" dirty="0" smtClean="0"/>
+                        <a:rPr lang="en-US" sz="2800" dirty="0"/>
                         <a:t>2</a:t>
                       </a:r>
-                      <a:endParaRPr lang="en-US" sz="2800" dirty="0"/>
                     </a:p>
                   </a:txBody>
                   <a:tcPr>
@@ -5858,7 +7074,7 @@
                         <a:defRPr/>
                       </a:pPr>
                       <a:r>
-                        <a:rPr lang="en-US" sz="2800" dirty="0" smtClean="0"/>
+                        <a:rPr lang="en-US" sz="2800" dirty="0"/>
                         <a:t>Multi-screen (multi-activity) apps</a:t>
                       </a:r>
                     </a:p>
@@ -5867,6 +7083,11 @@
                     <a:noFill/>
                   </a:tcPr>
                 </a:tc>
+                <a:extLst>
+                  <a:ext uri="{0D108BD9-81ED-4DB2-BD59-A6C34878D82A}">
+                    <a16:rowId xmlns:a16="http://schemas.microsoft.com/office/drawing/2014/main" val="10002"/>
+                  </a:ext>
+                </a:extLst>
               </a:tr>
               <a:tr h="942660">
                 <a:tc>
@@ -5875,10 +7096,9 @@
                     <a:lstStyle/>
                     <a:p>
                       <a:r>
-                        <a:rPr lang="en-US" sz="2800" dirty="0" smtClean="0"/>
+                        <a:rPr lang="en-US" sz="2800" dirty="0"/>
                         <a:t>3</a:t>
                       </a:r>
-                      <a:endParaRPr lang="en-US" sz="2800" dirty="0"/>
                     </a:p>
                   </a:txBody>
                   <a:tcPr>
@@ -5912,14 +7132,14 @@
                         <a:defRPr/>
                       </a:pPr>
                       <a:r>
-                        <a:rPr lang="en-US" sz="2800" dirty="0" smtClean="0"/>
+                        <a:rPr lang="en-US" sz="2800" dirty="0"/>
                         <a:t>Activity lifecycle</a:t>
                       </a:r>
                       <a:r>
-                        <a:rPr lang="en-US" sz="2800" baseline="0" dirty="0" smtClean="0"/>
+                        <a:rPr lang="en-US" sz="2800" baseline="0" dirty="0"/>
                         <a:t> + state</a:t>
                       </a:r>
-                      <a:endParaRPr lang="en-US" sz="2800" dirty="0" smtClean="0"/>
+                      <a:endParaRPr lang="en-US" sz="2800" dirty="0"/>
                     </a:p>
                   </a:txBody>
                   <a:tcPr>
@@ -5930,6 +7150,11 @@
                     </a:solidFill>
                   </a:tcPr>
                 </a:tc>
+                <a:extLst>
+                  <a:ext uri="{0D108BD9-81ED-4DB2-BD59-A6C34878D82A}">
+                    <a16:rowId xmlns:a16="http://schemas.microsoft.com/office/drawing/2014/main" val="10003"/>
+                  </a:ext>
+                </a:extLst>
               </a:tr>
               <a:tr h="516942">
                 <a:tc>
@@ -5938,10 +7163,9 @@
                     <a:lstStyle/>
                     <a:p>
                       <a:r>
-                        <a:rPr lang="en-US" sz="2800" dirty="0" smtClean="0"/>
+                        <a:rPr lang="en-US" sz="2800" dirty="0"/>
                         <a:t>4</a:t>
                       </a:r>
-                      <a:endParaRPr lang="en-US" sz="2800" dirty="0"/>
                     </a:p>
                   </a:txBody>
                   <a:tcPr>
@@ -5971,20 +7195,25 @@
                         <a:defRPr/>
                       </a:pPr>
                       <a:r>
-                        <a:rPr lang="en-US" sz="2800" dirty="0" smtClean="0"/>
+                        <a:rPr lang="en-US" sz="2800" dirty="0"/>
                         <a:t>Adapting to size and orientation:</a:t>
                       </a:r>
                       <a:r>
-                        <a:rPr lang="en-US" sz="2800" baseline="0" dirty="0" smtClean="0"/>
+                        <a:rPr lang="en-US" sz="2800" baseline="0" dirty="0"/>
                         <a:t> Layouts</a:t>
                       </a:r>
-                      <a:endParaRPr lang="en-US" sz="2800" dirty="0" smtClean="0"/>
+                      <a:endParaRPr lang="en-US" sz="2800" dirty="0"/>
                     </a:p>
                   </a:txBody>
                   <a:tcPr>
                     <a:noFill/>
                   </a:tcPr>
                 </a:tc>
+                <a:extLst>
+                  <a:ext uri="{0D108BD9-81ED-4DB2-BD59-A6C34878D82A}">
+                    <a16:rowId xmlns:a16="http://schemas.microsoft.com/office/drawing/2014/main" val="10004"/>
+                  </a:ext>
+                </a:extLst>
               </a:tr>
               <a:tr h="516942">
                 <a:tc>
@@ -5993,10 +7222,9 @@
                     <a:lstStyle/>
                     <a:p>
                       <a:r>
-                        <a:rPr lang="en-US" sz="2800" dirty="0" smtClean="0"/>
+                        <a:rPr lang="en-US" sz="2800" dirty="0"/>
                         <a:t>5</a:t>
                       </a:r>
-                      <a:endParaRPr lang="en-US" sz="2800" dirty="0"/>
                     </a:p>
                   </a:txBody>
                   <a:tcPr>
@@ -6031,7 +7259,7 @@
                         <a:defRPr/>
                       </a:pPr>
                       <a:r>
-                        <a:rPr lang="en-US" sz="2800" dirty="0" smtClean="0"/>
+                        <a:rPr lang="en-US" sz="2800" dirty="0"/>
                         <a:t>Fragments</a:t>
                       </a:r>
                     </a:p>
@@ -6045,6 +7273,11 @@
                     </a:solidFill>
                   </a:tcPr>
                 </a:tc>
+                <a:extLst>
+                  <a:ext uri="{0D108BD9-81ED-4DB2-BD59-A6C34878D82A}">
+                    <a16:rowId xmlns:a16="http://schemas.microsoft.com/office/drawing/2014/main" val="10005"/>
+                  </a:ext>
+                </a:extLst>
               </a:tr>
             </a:tbl>
           </a:graphicData>
@@ -6075,8 +7308,20 @@
                 <a:tableStyleId>{775DCB02-9BB8-47FD-8907-85C794F793BA}</a:tableStyleId>
               </a:tblPr>
               <a:tblGrid>
-                <a:gridCol w="546664"/>
-                <a:gridCol w="3750953"/>
+                <a:gridCol w="546664">
+                  <a:extLst>
+                    <a:ext uri="{9D8B030D-6E8A-4147-A177-3AD203B41FA5}">
+                      <a16:colId xmlns:a16="http://schemas.microsoft.com/office/drawing/2014/main" val="20000"/>
+                    </a:ext>
+                  </a:extLst>
+                </a:gridCol>
+                <a:gridCol w="3750953">
+                  <a:extLst>
+                    <a:ext uri="{9D8B030D-6E8A-4147-A177-3AD203B41FA5}">
+                      <a16:colId xmlns:a16="http://schemas.microsoft.com/office/drawing/2014/main" val="20001"/>
+                    </a:ext>
+                  </a:extLst>
+                </a:gridCol>
               </a:tblGrid>
               <a:tr h="346900">
                 <a:tc>
@@ -6085,10 +7330,9 @@
                     <a:lstStyle/>
                     <a:p>
                       <a:r>
-                        <a:rPr lang="en-US" dirty="0" smtClean="0"/>
+                        <a:rPr lang="en-US" dirty="0"/>
                         <a:t>Wk</a:t>
                       </a:r>
-                      <a:endParaRPr lang="en-US" dirty="0"/>
                     </a:p>
                   </a:txBody>
                   <a:tcPr/>
@@ -6099,14 +7343,18 @@
                     <a:lstStyle/>
                     <a:p>
                       <a:r>
-                        <a:rPr lang="en-US" dirty="0" smtClean="0"/>
+                        <a:rPr lang="en-US" dirty="0"/>
                         <a:t>Topic</a:t>
                       </a:r>
-                      <a:endParaRPr lang="en-US" dirty="0"/>
                     </a:p>
                   </a:txBody>
                   <a:tcPr/>
                 </a:tc>
+                <a:extLst>
+                  <a:ext uri="{0D108BD9-81ED-4DB2-BD59-A6C34878D82A}">
+                    <a16:rowId xmlns:a16="http://schemas.microsoft.com/office/drawing/2014/main" val="10000"/>
+                  </a:ext>
+                </a:extLst>
               </a:tr>
               <a:tr h="675372">
                 <a:tc>
@@ -6115,10 +7363,9 @@
                     <a:lstStyle/>
                     <a:p>
                       <a:r>
-                        <a:rPr lang="en-US" sz="2800" dirty="0" smtClean="0"/>
+                        <a:rPr lang="en-US" sz="2800" dirty="0"/>
                         <a:t>6</a:t>
                       </a:r>
-                      <a:endParaRPr lang="en-US" sz="2800" dirty="0"/>
                     </a:p>
                   </a:txBody>
                   <a:tcPr>
@@ -6154,14 +7401,14 @@
                         <a:defRPr/>
                       </a:pPr>
                       <a:r>
-                        <a:rPr lang="en-US" sz="2800" dirty="0" smtClean="0"/>
+                        <a:rPr lang="en-US" sz="2800" dirty="0"/>
                         <a:t>List</a:t>
                       </a:r>
                       <a:r>
-                        <a:rPr lang="en-US" sz="2800" baseline="0" dirty="0" smtClean="0"/>
+                        <a:rPr lang="en-US" sz="2800" baseline="0" dirty="0"/>
                         <a:t> Views</a:t>
                       </a:r>
-                      <a:endParaRPr lang="en-US" sz="2800" dirty="0" smtClean="0"/>
+                      <a:endParaRPr lang="en-US" sz="2800" dirty="0"/>
                     </a:p>
                   </a:txBody>
                   <a:tcPr>
@@ -6174,6 +7421,11 @@
                     </a:solidFill>
                   </a:tcPr>
                 </a:tc>
+                <a:extLst>
+                  <a:ext uri="{0D108BD9-81ED-4DB2-BD59-A6C34878D82A}">
+                    <a16:rowId xmlns:a16="http://schemas.microsoft.com/office/drawing/2014/main" val="10001"/>
+                  </a:ext>
+                </a:extLst>
               </a:tr>
               <a:tr h="817706">
                 <a:tc>
@@ -6182,10 +7434,9 @@
                     <a:lstStyle/>
                     <a:p>
                       <a:r>
-                        <a:rPr lang="en-US" sz="2800" dirty="0" smtClean="0"/>
+                        <a:rPr lang="en-US" sz="2800" dirty="0"/>
                         <a:t>7</a:t>
                       </a:r>
-                      <a:endParaRPr lang="en-US" sz="2800" dirty="0"/>
                     </a:p>
                   </a:txBody>
                   <a:tcPr>
@@ -6217,7 +7468,7 @@
                         <a:defRPr/>
                       </a:pPr>
                       <a:r>
-                        <a:rPr lang="en-US" sz="2800" dirty="0" smtClean="0"/>
+                        <a:rPr lang="en-US" sz="2800" dirty="0"/>
                         <a:t>Managing data: SQLite</a:t>
                       </a:r>
                     </a:p>
@@ -6228,6 +7479,11 @@
                     </a:solidFill>
                   </a:tcPr>
                 </a:tc>
+                <a:extLst>
+                  <a:ext uri="{0D108BD9-81ED-4DB2-BD59-A6C34878D82A}">
+                    <a16:rowId xmlns:a16="http://schemas.microsoft.com/office/drawing/2014/main" val="10002"/>
+                  </a:ext>
+                </a:extLst>
               </a:tr>
               <a:tr h="737182">
                 <a:tc>
@@ -6236,10 +7492,9 @@
                     <a:lstStyle/>
                     <a:p>
                       <a:r>
-                        <a:rPr lang="en-US" sz="2800" dirty="0" smtClean="0"/>
+                        <a:rPr lang="en-US" sz="2800" dirty="0"/>
                         <a:t>8</a:t>
                       </a:r>
-                      <a:endParaRPr lang="en-US" sz="2800" dirty="0"/>
                     </a:p>
                   </a:txBody>
                   <a:tcPr/>
@@ -6267,13 +7522,18 @@
                         <a:defRPr/>
                       </a:pPr>
                       <a:r>
-                        <a:rPr lang="en-US" sz="2800" dirty="0" smtClean="0"/>
+                        <a:rPr lang="en-US" sz="2800" dirty="0"/>
                         <a:t>Geolocation</a:t>
                       </a:r>
                     </a:p>
                   </a:txBody>
                   <a:tcPr/>
                 </a:tc>
+                <a:extLst>
+                  <a:ext uri="{0D108BD9-81ED-4DB2-BD59-A6C34878D82A}">
+                    <a16:rowId xmlns:a16="http://schemas.microsoft.com/office/drawing/2014/main" val="10003"/>
+                  </a:ext>
+                </a:extLst>
               </a:tr>
               <a:tr h="1175010">
                 <a:tc>
@@ -6282,10 +7542,9 @@
                     <a:lstStyle/>
                     <a:p>
                       <a:r>
-                        <a:rPr lang="en-US" sz="2800" dirty="0" smtClean="0"/>
+                        <a:rPr lang="en-US" sz="2800" dirty="0"/>
                         <a:t>9</a:t>
                       </a:r>
-                      <a:endParaRPr lang="en-US" sz="2800" dirty="0"/>
                     </a:p>
                   </a:txBody>
                   <a:tcPr/>
@@ -6313,21 +7572,26 @@
                         <a:defRPr/>
                       </a:pPr>
                       <a:r>
-                        <a:rPr lang="en-US" sz="2800" dirty="0" smtClean="0"/>
+                        <a:rPr lang="en-US" sz="2800" dirty="0"/>
                         <a:t>Publishing</a:t>
                       </a:r>
                       <a:r>
-                        <a:rPr lang="en-US" sz="2800" baseline="0" dirty="0" smtClean="0"/>
+                        <a:rPr lang="en-US" sz="2800" baseline="0" dirty="0"/>
                         <a:t> to </a:t>
                       </a:r>
                       <a:r>
-                        <a:rPr lang="en-US" sz="2800" dirty="0" smtClean="0"/>
+                        <a:rPr lang="en-US" sz="2800" dirty="0"/>
                         <a:t>an App Store</a:t>
                       </a:r>
                     </a:p>
                   </a:txBody>
                   <a:tcPr/>
                 </a:tc>
+                <a:extLst>
+                  <a:ext uri="{0D108BD9-81ED-4DB2-BD59-A6C34878D82A}">
+                    <a16:rowId xmlns:a16="http://schemas.microsoft.com/office/drawing/2014/main" val="10004"/>
+                  </a:ext>
+                </a:extLst>
               </a:tr>
               <a:tr h="911269">
                 <a:tc>
@@ -6336,10 +7600,9 @@
                     <a:lstStyle/>
                     <a:p>
                       <a:r>
-                        <a:rPr lang="en-US" sz="2800" dirty="0" smtClean="0"/>
+                        <a:rPr lang="en-US" sz="2800" dirty="0"/>
                         <a:t>10</a:t>
                       </a:r>
-                      <a:endParaRPr lang="en-US" sz="2800" dirty="0"/>
                     </a:p>
                   </a:txBody>
                   <a:tcPr/>
@@ -6367,13 +7630,18 @@
                         <a:defRPr/>
                       </a:pPr>
                       <a:r>
-                        <a:rPr lang="en-US" sz="2800" dirty="0" smtClean="0"/>
+                        <a:rPr lang="en-US" sz="2800" dirty="0"/>
                         <a:t>Term Project</a:t>
                       </a:r>
                     </a:p>
                   </a:txBody>
                   <a:tcPr/>
                 </a:tc>
+                <a:extLst>
+                  <a:ext uri="{0D108BD9-81ED-4DB2-BD59-A6C34878D82A}">
+                    <a16:rowId xmlns:a16="http://schemas.microsoft.com/office/drawing/2014/main" val="10005"/>
+                  </a:ext>
+                </a:extLst>
               </a:tr>
             </a:tbl>
           </a:graphicData>
@@ -6389,13 +7657,6 @@
   <p:clrMapOvr>
     <a:masterClrMapping/>
   </p:clrMapOvr>
-  <p:timing>
-    <p:tnLst>
-      <p:par>
-        <p:cTn id="1" dur="indefinite" restart="never" nodeType="tmRoot"/>
-      </p:par>
-    </p:tnLst>
-  </p:timing>
 </p:sld>
 </file>
 
@@ -6432,10 +7693,9 @@
           <a:lstStyle/>
           <a:p>
             <a:r>
-              <a:rPr lang="en-US" dirty="0" smtClean="0"/>
+              <a:rPr lang="en-US" dirty="0"/>
               <a:t>Why Use a Database?</a:t>
             </a:r>
-            <a:endParaRPr lang="en-US" dirty="0"/>
           </a:p>
         </p:txBody>
       </p:sp>
@@ -6455,10 +7715,9 @@
           <a:lstStyle/>
           <a:p>
             <a:r>
-              <a:rPr lang="en-US" dirty="0" smtClean="0"/>
+              <a:rPr lang="en-US" dirty="0"/>
               <a:t>How is using a DBMS (Database Management System) better than using a simple file (text, XML, or JSON) for persisting data?</a:t>
             </a:r>
-            <a:endParaRPr lang="en-US" dirty="0"/>
           </a:p>
         </p:txBody>
       </p:sp>
@@ -6510,10 +7769,9 @@
           <a:lstStyle/>
           <a:p>
             <a:r>
-              <a:rPr lang="en-US" dirty="0" smtClean="0"/>
+              <a:rPr lang="en-US" dirty="0"/>
               <a:t>Advantages of Using a Database</a:t>
             </a:r>
-            <a:endParaRPr lang="en-US" dirty="0"/>
           </a:p>
         </p:txBody>
       </p:sp>
@@ -6534,25 +7792,20 @@
           <a:p>
             <a:r>
               <a:rPr lang="en-US" dirty="0"/>
-              <a:t>D</a:t>
-            </a:r>
-            <a:r>
-              <a:rPr lang="en-US" dirty="0" smtClean="0"/>
-              <a:t>ata items can be found quickly (without having all of the data in memory)</a:t>
-            </a:r>
-          </a:p>
-          <a:p>
-            <a:r>
-              <a:rPr lang="en-US" dirty="0" smtClean="0"/>
+              <a:t>Data items can be found quickly (without having all of the data in memory)</a:t>
+            </a:r>
+          </a:p>
+          <a:p>
+            <a:r>
+              <a:rPr lang="en-US" dirty="0"/>
               <a:t>Data can be filtered based on complex criteria</a:t>
             </a:r>
           </a:p>
           <a:p>
             <a:r>
-              <a:rPr lang="en-US" dirty="0" smtClean="0"/>
+              <a:rPr lang="en-US" dirty="0"/>
               <a:t>Data items can be added, changed, or deleted without rewriting the entire file. </a:t>
             </a:r>
-            <a:endParaRPr lang="en-US" dirty="0"/>
           </a:p>
         </p:txBody>
       </p:sp>
@@ -6604,10 +7857,9 @@
           <a:lstStyle/>
           <a:p>
             <a:r>
-              <a:rPr lang="en-US" dirty="0" smtClean="0"/>
+              <a:rPr lang="en-US" dirty="0"/>
               <a:t>Features of a Relational Database</a:t>
             </a:r>
-            <a:endParaRPr lang="en-US" dirty="0"/>
           </a:p>
         </p:txBody>
       </p:sp>
@@ -6632,19 +7884,19 @@
               <a:buNone/>
             </a:pPr>
             <a:r>
-              <a:rPr lang="en-US" dirty="0" smtClean="0"/>
+              <a:rPr lang="en-US" dirty="0"/>
               <a:t>In an RDBMS (Relational Database Management System):</a:t>
             </a:r>
           </a:p>
           <a:p>
             <a:r>
-              <a:rPr lang="en-US" dirty="0" smtClean="0"/>
+              <a:rPr lang="en-US" dirty="0"/>
               <a:t>Data is stored in tables (also called relations) which organize data by column and row (like a spreadsheet)</a:t>
             </a:r>
           </a:p>
           <a:p>
             <a:r>
-              <a:rPr lang="en-US" dirty="0" smtClean="0"/>
+              <a:rPr lang="en-US" dirty="0"/>
               <a:t>Queries return rows of data based on column-oriented criteria</a:t>
             </a:r>
           </a:p>
@@ -6699,10 +7951,9 @@
           <a:lstStyle/>
           <a:p>
             <a:r>
-              <a:rPr lang="en-US" dirty="0" smtClean="0"/>
+              <a:rPr lang="en-US" dirty="0"/>
               <a:t>Schema</a:t>
             </a:r>
-            <a:endParaRPr lang="en-US" dirty="0"/>
           </a:p>
         </p:txBody>
       </p:sp>
@@ -6728,7 +7979,7 @@
               <a:buNone/>
             </a:pPr>
             <a:r>
-              <a:rPr lang="en-US" dirty="0" smtClean="0"/>
+              <a:rPr lang="en-US" dirty="0"/>
               <a:t>The schema of a database is the definition of the database’s tables and the names and types of each column in each table.</a:t>
             </a:r>
           </a:p>
@@ -6736,13 +7987,13 @@
             <a:pPr marL="0" indent="0">
               <a:buNone/>
             </a:pPr>
-            <a:endParaRPr lang="en-US" dirty="0" smtClean="0"/>
-          </a:p>
-          <a:p>
             <a:endParaRPr lang="en-US" dirty="0"/>
           </a:p>
           <a:p>
-            <a:endParaRPr lang="en-US" dirty="0" smtClean="0"/>
+            <a:endParaRPr lang="en-US" dirty="0"/>
+          </a:p>
+          <a:p>
+            <a:endParaRPr lang="en-US" dirty="0"/>
           </a:p>
           <a:p>
             <a:endParaRPr lang="en-US" dirty="0"/>
@@ -6774,10 +8025,34 @@
                 <a:tableStyleId>{5C22544A-7EE6-4342-B048-85BDC9FD1C3A}</a:tableStyleId>
               </a:tblPr>
               <a:tblGrid>
-                <a:gridCol w="1641947"/>
-                <a:gridCol w="1641947"/>
-                <a:gridCol w="1641947"/>
-                <a:gridCol w="1641947"/>
+                <a:gridCol w="1641947">
+                  <a:extLst>
+                    <a:ext uri="{9D8B030D-6E8A-4147-A177-3AD203B41FA5}">
+                      <a16:colId xmlns:a16="http://schemas.microsoft.com/office/drawing/2014/main" val="20000"/>
+                    </a:ext>
+                  </a:extLst>
+                </a:gridCol>
+                <a:gridCol w="1641947">
+                  <a:extLst>
+                    <a:ext uri="{9D8B030D-6E8A-4147-A177-3AD203B41FA5}">
+                      <a16:colId xmlns:a16="http://schemas.microsoft.com/office/drawing/2014/main" val="20001"/>
+                    </a:ext>
+                  </a:extLst>
+                </a:gridCol>
+                <a:gridCol w="1641947">
+                  <a:extLst>
+                    <a:ext uri="{9D8B030D-6E8A-4147-A177-3AD203B41FA5}">
+                      <a16:colId xmlns:a16="http://schemas.microsoft.com/office/drawing/2014/main" val="20002"/>
+                    </a:ext>
+                  </a:extLst>
+                </a:gridCol>
+                <a:gridCol w="1641947">
+                  <a:extLst>
+                    <a:ext uri="{9D8B030D-6E8A-4147-A177-3AD203B41FA5}">
+                      <a16:colId xmlns:a16="http://schemas.microsoft.com/office/drawing/2014/main" val="20003"/>
+                    </a:ext>
+                  </a:extLst>
+                </a:gridCol>
               </a:tblGrid>
               <a:tr h="370840">
                 <a:tc>
@@ -6786,10 +8061,9 @@
                     <a:lstStyle/>
                     <a:p>
                       <a:r>
-                        <a:rPr lang="en-US" dirty="0" smtClean="0"/>
+                        <a:rPr lang="en-US" dirty="0"/>
                         <a:t>ID</a:t>
                       </a:r>
-                      <a:endParaRPr lang="en-US" dirty="0"/>
                     </a:p>
                   </a:txBody>
                   <a:tcPr/>
@@ -6800,10 +8074,9 @@
                     <a:lstStyle/>
                     <a:p>
                       <a:r>
-                        <a:rPr lang="en-US" dirty="0" smtClean="0"/>
+                        <a:rPr lang="en-US" dirty="0"/>
                         <a:t>English</a:t>
                       </a:r>
-                      <a:endParaRPr lang="en-US" dirty="0"/>
                     </a:p>
                   </a:txBody>
                   <a:tcPr/>
@@ -6814,10 +8087,9 @@
                     <a:lstStyle/>
                     <a:p>
                       <a:r>
-                        <a:rPr lang="en-US" dirty="0" smtClean="0"/>
+                        <a:rPr lang="en-US" dirty="0"/>
                         <a:t>Spanish</a:t>
                       </a:r>
-                      <a:endParaRPr lang="en-US" dirty="0"/>
                     </a:p>
                   </a:txBody>
                   <a:tcPr/>
@@ -6828,14 +8100,18 @@
                     <a:lstStyle/>
                     <a:p>
                       <a:r>
-                        <a:rPr lang="en-US" dirty="0" smtClean="0"/>
+                        <a:rPr lang="en-US" dirty="0"/>
                         <a:t>PartOfSpeech</a:t>
                       </a:r>
-                      <a:endParaRPr lang="en-US" dirty="0"/>
                     </a:p>
                   </a:txBody>
                   <a:tcPr/>
                 </a:tc>
+                <a:extLst>
+                  <a:ext uri="{0D108BD9-81ED-4DB2-BD59-A6C34878D82A}">
+                    <a16:rowId xmlns:a16="http://schemas.microsoft.com/office/drawing/2014/main" val="10000"/>
+                  </a:ext>
+                </a:extLst>
               </a:tr>
               <a:tr h="370840">
                 <a:tc>
@@ -6844,9 +8120,35 @@
                     <a:lstStyle/>
                     <a:p>
                       <a:r>
-                        <a:rPr lang="en-US" dirty="0" smtClean="0"/>
+                        <a:rPr lang="en-US" dirty="0"/>
                         <a:t>1</a:t>
                       </a:r>
+                    </a:p>
+                  </a:txBody>
+                  <a:tcPr/>
+                </a:tc>
+                <a:tc>
+                  <a:txBody>
+                    <a:bodyPr/>
+                    <a:lstStyle/>
+                    <a:p>
+                      <a:r>
+                        <a:rPr lang="en-US" dirty="0"/>
+                        <a:t>cat</a:t>
+                      </a:r>
+                    </a:p>
+                  </a:txBody>
+                  <a:tcPr/>
+                </a:tc>
+                <a:tc>
+                  <a:txBody>
+                    <a:bodyPr/>
+                    <a:lstStyle/>
+                    <a:p>
+                      <a:r>
+                        <a:rPr lang="en-US" dirty="0" err="1"/>
+                        <a:t>gato</a:t>
+                      </a:r>
                       <a:endParaRPr lang="en-US" dirty="0"/>
                     </a:p>
                   </a:txBody>
@@ -6858,42 +8160,18 @@
                     <a:lstStyle/>
                     <a:p>
                       <a:r>
-                        <a:rPr lang="en-US" dirty="0" smtClean="0"/>
-                        <a:t>cat</a:t>
-                      </a:r>
-                      <a:endParaRPr lang="en-US" dirty="0"/>
+                        <a:rPr lang="en-US" dirty="0"/>
+                        <a:t>noun</a:t>
+                      </a:r>
                     </a:p>
                   </a:txBody>
                   <a:tcPr/>
                 </a:tc>
-                <a:tc>
-                  <a:txBody>
-                    <a:bodyPr/>
-                    <a:lstStyle/>
-                    <a:p>
-                      <a:r>
-                        <a:rPr lang="en-US" dirty="0" err="1" smtClean="0"/>
-                        <a:t>gato</a:t>
-                      </a:r>
-                      <a:endParaRPr lang="en-US" dirty="0"/>
-                    </a:p>
-                  </a:txBody>
-                  <a:tcPr/>
-                </a:tc>
-                <a:tc>
-                  <a:txBody>
-                    <a:bodyPr/>
-                    <a:lstStyle/>
-                    <a:p>
-                      <a:r>
-                        <a:rPr lang="en-US" dirty="0" smtClean="0"/>
-                        <a:t>noun</a:t>
-                      </a:r>
-                      <a:endParaRPr lang="en-US" dirty="0"/>
-                    </a:p>
-                  </a:txBody>
-                  <a:tcPr/>
-                </a:tc>
+                <a:extLst>
+                  <a:ext uri="{0D108BD9-81ED-4DB2-BD59-A6C34878D82A}">
+                    <a16:rowId xmlns:a16="http://schemas.microsoft.com/office/drawing/2014/main" val="10001"/>
+                  </a:ext>
+                </a:extLst>
               </a:tr>
               <a:tr h="370840">
                 <a:tc>
@@ -6902,9 +8180,35 @@
                     <a:lstStyle/>
                     <a:p>
                       <a:r>
-                        <a:rPr lang="en-US" dirty="0" smtClean="0"/>
+                        <a:rPr lang="en-US" dirty="0"/>
                         <a:t>2</a:t>
                       </a:r>
+                    </a:p>
+                  </a:txBody>
+                  <a:tcPr/>
+                </a:tc>
+                <a:tc>
+                  <a:txBody>
+                    <a:bodyPr/>
+                    <a:lstStyle/>
+                    <a:p>
+                      <a:r>
+                        <a:rPr lang="en-US" dirty="0"/>
+                        <a:t>dog</a:t>
+                      </a:r>
+                    </a:p>
+                  </a:txBody>
+                  <a:tcPr/>
+                </a:tc>
+                <a:tc>
+                  <a:txBody>
+                    <a:bodyPr/>
+                    <a:lstStyle/>
+                    <a:p>
+                      <a:r>
+                        <a:rPr lang="en-US" dirty="0" err="1"/>
+                        <a:t>perro</a:t>
+                      </a:r>
                       <a:endParaRPr lang="en-US" dirty="0"/>
                     </a:p>
                   </a:txBody>
@@ -6916,42 +8220,18 @@
                     <a:lstStyle/>
                     <a:p>
                       <a:r>
-                        <a:rPr lang="en-US" dirty="0" smtClean="0"/>
-                        <a:t>dog</a:t>
-                      </a:r>
-                      <a:endParaRPr lang="en-US" dirty="0"/>
+                        <a:rPr lang="en-US" dirty="0"/>
+                        <a:t>noun</a:t>
+                      </a:r>
                     </a:p>
                   </a:txBody>
                   <a:tcPr/>
                 </a:tc>
-                <a:tc>
-                  <a:txBody>
-                    <a:bodyPr/>
-                    <a:lstStyle/>
-                    <a:p>
-                      <a:r>
-                        <a:rPr lang="en-US" dirty="0" err="1" smtClean="0"/>
-                        <a:t>perro</a:t>
-                      </a:r>
-                      <a:endParaRPr lang="en-US" dirty="0"/>
-                    </a:p>
-                  </a:txBody>
-                  <a:tcPr/>
-                </a:tc>
-                <a:tc>
-                  <a:txBody>
-                    <a:bodyPr/>
-                    <a:lstStyle/>
-                    <a:p>
-                      <a:r>
-                        <a:rPr lang="en-US" dirty="0" smtClean="0"/>
-                        <a:t>noun</a:t>
-                      </a:r>
-                      <a:endParaRPr lang="en-US" dirty="0"/>
-                    </a:p>
-                  </a:txBody>
-                  <a:tcPr/>
-                </a:tc>
+                <a:extLst>
+                  <a:ext uri="{0D108BD9-81ED-4DB2-BD59-A6C34878D82A}">
+                    <a16:rowId xmlns:a16="http://schemas.microsoft.com/office/drawing/2014/main" val="10002"/>
+                  </a:ext>
+                </a:extLst>
               </a:tr>
               <a:tr h="370840">
                 <a:tc>
@@ -6960,9 +8240,35 @@
                     <a:lstStyle/>
                     <a:p>
                       <a:r>
-                        <a:rPr lang="en-US" dirty="0" smtClean="0"/>
+                        <a:rPr lang="en-US" dirty="0"/>
                         <a:t>3</a:t>
                       </a:r>
+                    </a:p>
+                  </a:txBody>
+                  <a:tcPr/>
+                </a:tc>
+                <a:tc>
+                  <a:txBody>
+                    <a:bodyPr/>
+                    <a:lstStyle/>
+                    <a:p>
+                      <a:r>
+                        <a:rPr lang="en-US" dirty="0"/>
+                        <a:t>to jump</a:t>
+                      </a:r>
+                    </a:p>
+                  </a:txBody>
+                  <a:tcPr/>
+                </a:tc>
+                <a:tc>
+                  <a:txBody>
+                    <a:bodyPr/>
+                    <a:lstStyle/>
+                    <a:p>
+                      <a:r>
+                        <a:rPr lang="en-US" dirty="0" err="1"/>
+                        <a:t>saltar</a:t>
+                      </a:r>
                       <a:endParaRPr lang="en-US" dirty="0"/>
                     </a:p>
                   </a:txBody>
@@ -6974,42 +8280,18 @@
                     <a:lstStyle/>
                     <a:p>
                       <a:r>
-                        <a:rPr lang="en-US" dirty="0" smtClean="0"/>
-                        <a:t>to jump</a:t>
-                      </a:r>
-                      <a:endParaRPr lang="en-US" dirty="0"/>
+                        <a:rPr lang="en-US" dirty="0"/>
+                        <a:t>verb</a:t>
+                      </a:r>
                     </a:p>
                   </a:txBody>
                   <a:tcPr/>
                 </a:tc>
-                <a:tc>
-                  <a:txBody>
-                    <a:bodyPr/>
-                    <a:lstStyle/>
-                    <a:p>
-                      <a:r>
-                        <a:rPr lang="en-US" dirty="0" err="1" smtClean="0"/>
-                        <a:t>saltar</a:t>
-                      </a:r>
-                      <a:endParaRPr lang="en-US" dirty="0"/>
-                    </a:p>
-                  </a:txBody>
-                  <a:tcPr/>
-                </a:tc>
-                <a:tc>
-                  <a:txBody>
-                    <a:bodyPr/>
-                    <a:lstStyle/>
-                    <a:p>
-                      <a:r>
-                        <a:rPr lang="en-US" dirty="0" smtClean="0"/>
-                        <a:t>verb</a:t>
-                      </a:r>
-                      <a:endParaRPr lang="en-US" dirty="0"/>
-                    </a:p>
-                  </a:txBody>
-                  <a:tcPr/>
-                </a:tc>
+                <a:extLst>
+                  <a:ext uri="{0D108BD9-81ED-4DB2-BD59-A6C34878D82A}">
+                    <a16:rowId xmlns:a16="http://schemas.microsoft.com/office/drawing/2014/main" val="10003"/>
+                  </a:ext>
+                </a:extLst>
               </a:tr>
               <a:tr h="370840">
                 <a:tc>
@@ -7018,10 +8300,9 @@
                     <a:lstStyle/>
                     <a:p>
                       <a:r>
-                        <a:rPr lang="en-US" dirty="0" smtClean="0"/>
+                        <a:rPr lang="en-US" dirty="0"/>
                         <a:t>4</a:t>
                       </a:r>
-                      <a:endParaRPr lang="en-US" dirty="0"/>
                     </a:p>
                   </a:txBody>
                   <a:tcPr/>
@@ -7032,10 +8313,9 @@
                     <a:lstStyle/>
                     <a:p>
                       <a:r>
-                        <a:rPr lang="en-US" dirty="0" smtClean="0"/>
+                        <a:rPr lang="en-US" dirty="0"/>
                         <a:t>to read</a:t>
                       </a:r>
-                      <a:endParaRPr lang="en-US" dirty="0"/>
                     </a:p>
                   </a:txBody>
                   <a:tcPr/>
@@ -7046,10 +8326,9 @@
                     <a:lstStyle/>
                     <a:p>
                       <a:r>
-                        <a:rPr lang="en-US" dirty="0" smtClean="0"/>
+                        <a:rPr lang="en-US" dirty="0"/>
                         <a:t>leer</a:t>
                       </a:r>
-                      <a:endParaRPr lang="en-US" dirty="0"/>
                     </a:p>
                   </a:txBody>
                   <a:tcPr/>
@@ -7060,14 +8339,18 @@
                     <a:lstStyle/>
                     <a:p>
                       <a:r>
-                        <a:rPr lang="en-US" dirty="0" smtClean="0"/>
+                        <a:rPr lang="en-US" dirty="0"/>
                         <a:t>verb</a:t>
                       </a:r>
-                      <a:endParaRPr lang="en-US" dirty="0"/>
                     </a:p>
                   </a:txBody>
                   <a:tcPr/>
                 </a:tc>
+                <a:extLst>
+                  <a:ext uri="{0D108BD9-81ED-4DB2-BD59-A6C34878D82A}">
+                    <a16:rowId xmlns:a16="http://schemas.microsoft.com/office/drawing/2014/main" val="10004"/>
+                  </a:ext>
+                </a:extLst>
               </a:tr>
               <a:tr h="370840">
                 <a:tc>
@@ -7076,9 +8359,35 @@
                     <a:lstStyle/>
                     <a:p>
                       <a:r>
-                        <a:rPr lang="en-US" dirty="0" smtClean="0"/>
+                        <a:rPr lang="en-US" dirty="0"/>
                         <a:t>5</a:t>
                       </a:r>
+                    </a:p>
+                  </a:txBody>
+                  <a:tcPr/>
+                </a:tc>
+                <a:tc>
+                  <a:txBody>
+                    <a:bodyPr/>
+                    <a:lstStyle/>
+                    <a:p>
+                      <a:r>
+                        <a:rPr lang="en-US" dirty="0"/>
+                        <a:t>big</a:t>
+                      </a:r>
+                    </a:p>
+                  </a:txBody>
+                  <a:tcPr/>
+                </a:tc>
+                <a:tc>
+                  <a:txBody>
+                    <a:bodyPr/>
+                    <a:lstStyle/>
+                    <a:p>
+                      <a:r>
+                        <a:rPr lang="en-US" dirty="0" err="1"/>
+                        <a:t>grande</a:t>
+                      </a:r>
                       <a:endParaRPr lang="en-US" dirty="0"/>
                     </a:p>
                   </a:txBody>
@@ -7090,42 +8399,19 @@
                     <a:lstStyle/>
                     <a:p>
                       <a:r>
-                        <a:rPr lang="en-US" dirty="0" smtClean="0"/>
-                        <a:t>big</a:t>
+                        <a:rPr lang="en-US" dirty="0" err="1"/>
+                        <a:t>adj</a:t>
                       </a:r>
                       <a:endParaRPr lang="en-US" dirty="0"/>
                     </a:p>
                   </a:txBody>
                   <a:tcPr/>
                 </a:tc>
-                <a:tc>
-                  <a:txBody>
-                    <a:bodyPr/>
-                    <a:lstStyle/>
-                    <a:p>
-                      <a:r>
-                        <a:rPr lang="en-US" dirty="0" err="1" smtClean="0"/>
-                        <a:t>grande</a:t>
-                      </a:r>
-                      <a:endParaRPr lang="en-US" dirty="0"/>
-                    </a:p>
-                  </a:txBody>
-                  <a:tcPr/>
-                </a:tc>
-                <a:tc>
-                  <a:txBody>
-                    <a:bodyPr/>
-                    <a:lstStyle/>
-                    <a:p>
-                      <a:r>
-                        <a:rPr lang="en-US" dirty="0" err="1" smtClean="0"/>
-                        <a:t>adj</a:t>
-                      </a:r>
-                      <a:endParaRPr lang="en-US" dirty="0"/>
-                    </a:p>
-                  </a:txBody>
-                  <a:tcPr/>
-                </a:tc>
+                <a:extLst>
+                  <a:ext uri="{0D108BD9-81ED-4DB2-BD59-A6C34878D82A}">
+                    <a16:rowId xmlns:a16="http://schemas.microsoft.com/office/drawing/2014/main" val="10005"/>
+                  </a:ext>
+                </a:extLst>
               </a:tr>
               <a:tr h="370840">
                 <a:tc>
@@ -7134,9 +8420,35 @@
                     <a:lstStyle/>
                     <a:p>
                       <a:r>
-                        <a:rPr lang="en-US" dirty="0" smtClean="0"/>
+                        <a:rPr lang="en-US" dirty="0"/>
                         <a:t>6</a:t>
                       </a:r>
+                    </a:p>
+                  </a:txBody>
+                  <a:tcPr/>
+                </a:tc>
+                <a:tc>
+                  <a:txBody>
+                    <a:bodyPr/>
+                    <a:lstStyle/>
+                    <a:p>
+                      <a:r>
+                        <a:rPr lang="en-US" dirty="0"/>
+                        <a:t>night</a:t>
+                      </a:r>
+                    </a:p>
+                  </a:txBody>
+                  <a:tcPr/>
+                </a:tc>
+                <a:tc>
+                  <a:txBody>
+                    <a:bodyPr/>
+                    <a:lstStyle/>
+                    <a:p>
+                      <a:r>
+                        <a:rPr lang="en-US" dirty="0" err="1"/>
+                        <a:t>noche</a:t>
+                      </a:r>
                       <a:endParaRPr lang="en-US" dirty="0"/>
                     </a:p>
                   </a:txBody>
@@ -7148,42 +8460,18 @@
                     <a:lstStyle/>
                     <a:p>
                       <a:r>
-                        <a:rPr lang="en-US" dirty="0" smtClean="0"/>
-                        <a:t>night</a:t>
-                      </a:r>
-                      <a:endParaRPr lang="en-US" dirty="0"/>
+                        <a:rPr lang="en-US" dirty="0"/>
+                        <a:t>noun</a:t>
+                      </a:r>
                     </a:p>
                   </a:txBody>
                   <a:tcPr/>
                 </a:tc>
-                <a:tc>
-                  <a:txBody>
-                    <a:bodyPr/>
-                    <a:lstStyle/>
-                    <a:p>
-                      <a:r>
-                        <a:rPr lang="en-US" dirty="0" err="1" smtClean="0"/>
-                        <a:t>noche</a:t>
-                      </a:r>
-                      <a:endParaRPr lang="en-US" dirty="0"/>
-                    </a:p>
-                  </a:txBody>
-                  <a:tcPr/>
-                </a:tc>
-                <a:tc>
-                  <a:txBody>
-                    <a:bodyPr/>
-                    <a:lstStyle/>
-                    <a:p>
-                      <a:r>
-                        <a:rPr lang="en-US" dirty="0" smtClean="0"/>
-                        <a:t>noun</a:t>
-                      </a:r>
-                      <a:endParaRPr lang="en-US" dirty="0"/>
-                    </a:p>
-                  </a:txBody>
-                  <a:tcPr/>
-                </a:tc>
+                <a:extLst>
+                  <a:ext uri="{0D108BD9-81ED-4DB2-BD59-A6C34878D82A}">
+                    <a16:rowId xmlns:a16="http://schemas.microsoft.com/office/drawing/2014/main" val="10006"/>
+                  </a:ext>
+                </a:extLst>
               </a:tr>
             </a:tbl>
           </a:graphicData>
@@ -7212,10 +8500,9 @@
           <a:lstStyle/>
           <a:p>
             <a:r>
-              <a:rPr lang="en-US" dirty="0" smtClean="0"/>
+              <a:rPr lang="en-US" dirty="0"/>
               <a:t>Dictionary table</a:t>
             </a:r>
-            <a:endParaRPr lang="en-US" dirty="0"/>
           </a:p>
         </p:txBody>
       </p:sp>
@@ -7265,10 +8552,9 @@
           <a:lstStyle/>
           <a:p>
             <a:r>
-              <a:rPr lang="en-US" dirty="0" smtClean="0"/>
+              <a:rPr lang="en-US" dirty="0"/>
               <a:t>Primary Key</a:t>
             </a:r>
-            <a:endParaRPr lang="en-US" dirty="0"/>
           </a:p>
         </p:txBody>
       </p:sp>
@@ -7293,11 +8579,11 @@
               </a:lnSpc>
             </a:pPr>
             <a:r>
-              <a:rPr lang="en-US" sz="2800" dirty="0" smtClean="0"/>
+              <a:rPr lang="en-US" sz="2800" dirty="0"/>
               <a:t>Each row should have a</a:t>
             </a:r>
             <a:r>
-              <a:rPr lang="en-US" sz="2800" i="1" dirty="0" smtClean="0"/>
+              <a:rPr lang="en-US" sz="2800" i="1" dirty="0"/>
               <a:t> primary key</a:t>
             </a:r>
           </a:p>
@@ -7308,7 +8594,7 @@
               </a:lnSpc>
             </a:pPr>
             <a:r>
-              <a:rPr lang="en-US" sz="2800" dirty="0" smtClean="0"/>
+              <a:rPr lang="en-US" sz="2800" dirty="0"/>
               <a:t>The PK is a unique identifier</a:t>
             </a:r>
           </a:p>
@@ -7319,7 +8605,7 @@
               </a:lnSpc>
             </a:pPr>
             <a:r>
-              <a:rPr lang="en-US" sz="2400" dirty="0" smtClean="0"/>
+              <a:rPr lang="en-US" sz="2400" dirty="0"/>
               <a:t>Integers are often used, but strings can be used too</a:t>
             </a:r>
           </a:p>
@@ -7330,7 +8616,7 @@
               </a:lnSpc>
             </a:pPr>
             <a:r>
-              <a:rPr lang="en-US" sz="2400" dirty="0" smtClean="0"/>
+              <a:rPr lang="en-US" sz="2400" dirty="0"/>
               <a:t>They don’t need to be in any particular sequence</a:t>
             </a:r>
           </a:p>
@@ -7341,7 +8627,7 @@
               </a:lnSpc>
             </a:pPr>
             <a:r>
-              <a:rPr lang="en-US" sz="2400" dirty="0" smtClean="0"/>
+              <a:rPr lang="en-US" sz="2400" dirty="0"/>
               <a:t>Note: The rows in a table have no inherent order.</a:t>
             </a:r>
           </a:p>
@@ -7351,7 +8637,7 @@
                 <a:spcPct val="120000"/>
               </a:lnSpc>
             </a:pPr>
-            <a:endParaRPr lang="en-US" sz="2800" dirty="0" smtClean="0"/>
+            <a:endParaRPr lang="en-US" sz="2800" dirty="0"/>
           </a:p>
           <a:p>
             <a:endParaRPr lang="en-US" dirty="0"/>
@@ -7383,10 +8669,34 @@
                 <a:tableStyleId>{5C22544A-7EE6-4342-B048-85BDC9FD1C3A}</a:tableStyleId>
               </a:tblPr>
               <a:tblGrid>
-                <a:gridCol w="1641947"/>
-                <a:gridCol w="1641947"/>
-                <a:gridCol w="1641947"/>
-                <a:gridCol w="1641947"/>
+                <a:gridCol w="1641947">
+                  <a:extLst>
+                    <a:ext uri="{9D8B030D-6E8A-4147-A177-3AD203B41FA5}">
+                      <a16:colId xmlns:a16="http://schemas.microsoft.com/office/drawing/2014/main" val="20000"/>
+                    </a:ext>
+                  </a:extLst>
+                </a:gridCol>
+                <a:gridCol w="1641947">
+                  <a:extLst>
+                    <a:ext uri="{9D8B030D-6E8A-4147-A177-3AD203B41FA5}">
+                      <a16:colId xmlns:a16="http://schemas.microsoft.com/office/drawing/2014/main" val="20001"/>
+                    </a:ext>
+                  </a:extLst>
+                </a:gridCol>
+                <a:gridCol w="1641947">
+                  <a:extLst>
+                    <a:ext uri="{9D8B030D-6E8A-4147-A177-3AD203B41FA5}">
+                      <a16:colId xmlns:a16="http://schemas.microsoft.com/office/drawing/2014/main" val="20002"/>
+                    </a:ext>
+                  </a:extLst>
+                </a:gridCol>
+                <a:gridCol w="1641947">
+                  <a:extLst>
+                    <a:ext uri="{9D8B030D-6E8A-4147-A177-3AD203B41FA5}">
+                      <a16:colId xmlns:a16="http://schemas.microsoft.com/office/drawing/2014/main" val="20003"/>
+                    </a:ext>
+                  </a:extLst>
+                </a:gridCol>
               </a:tblGrid>
               <a:tr h="370840">
                 <a:tc>
@@ -7395,10 +8705,9 @@
                     <a:lstStyle/>
                     <a:p>
                       <a:r>
-                        <a:rPr lang="en-US" dirty="0" smtClean="0"/>
+                        <a:rPr lang="en-US" dirty="0"/>
                         <a:t>ID</a:t>
                       </a:r>
-                      <a:endParaRPr lang="en-US" dirty="0"/>
                     </a:p>
                   </a:txBody>
                   <a:tcPr/>
@@ -7409,10 +8718,9 @@
                     <a:lstStyle/>
                     <a:p>
                       <a:r>
-                        <a:rPr lang="en-US" dirty="0" smtClean="0"/>
+                        <a:rPr lang="en-US" dirty="0"/>
                         <a:t>English</a:t>
                       </a:r>
-                      <a:endParaRPr lang="en-US" dirty="0"/>
                     </a:p>
                   </a:txBody>
                   <a:tcPr/>
@@ -7423,10 +8731,9 @@
                     <a:lstStyle/>
                     <a:p>
                       <a:r>
-                        <a:rPr lang="en-US" dirty="0" smtClean="0"/>
+                        <a:rPr lang="en-US" dirty="0"/>
                         <a:t>Spanish</a:t>
                       </a:r>
-                      <a:endParaRPr lang="en-US" dirty="0"/>
                     </a:p>
                   </a:txBody>
                   <a:tcPr/>
@@ -7437,14 +8744,18 @@
                     <a:lstStyle/>
                     <a:p>
                       <a:r>
-                        <a:rPr lang="en-US" dirty="0" smtClean="0"/>
+                        <a:rPr lang="en-US" dirty="0"/>
                         <a:t>PartOfSpeech</a:t>
                       </a:r>
-                      <a:endParaRPr lang="en-US" dirty="0"/>
                     </a:p>
                   </a:txBody>
                   <a:tcPr/>
                 </a:tc>
+                <a:extLst>
+                  <a:ext uri="{0D108BD9-81ED-4DB2-BD59-A6C34878D82A}">
+                    <a16:rowId xmlns:a16="http://schemas.microsoft.com/office/drawing/2014/main" val="10000"/>
+                  </a:ext>
+                </a:extLst>
               </a:tr>
               <a:tr h="370840">
                 <a:tc>
@@ -7453,10 +8764,9 @@
                     <a:lstStyle/>
                     <a:p>
                       <a:r>
-                        <a:rPr lang="en-US" dirty="0" smtClean="0"/>
+                        <a:rPr lang="en-US" dirty="0"/>
                         <a:t>1</a:t>
                       </a:r>
-                      <a:endParaRPr lang="en-US" dirty="0"/>
                     </a:p>
                   </a:txBody>
                   <a:tcPr>
@@ -7471,9 +8781,22 @@
                     <a:lstStyle/>
                     <a:p>
                       <a:r>
-                        <a:rPr lang="en-US" dirty="0" smtClean="0"/>
+                        <a:rPr lang="en-US" dirty="0"/>
                         <a:t>cat</a:t>
                       </a:r>
+                    </a:p>
+                  </a:txBody>
+                  <a:tcPr/>
+                </a:tc>
+                <a:tc>
+                  <a:txBody>
+                    <a:bodyPr/>
+                    <a:lstStyle/>
+                    <a:p>
+                      <a:r>
+                        <a:rPr lang="en-US" dirty="0" err="1"/>
+                        <a:t>gato</a:t>
+                      </a:r>
                       <a:endParaRPr lang="en-US" dirty="0"/>
                     </a:p>
                   </a:txBody>
@@ -7485,28 +8808,18 @@
                     <a:lstStyle/>
                     <a:p>
                       <a:r>
-                        <a:rPr lang="en-US" dirty="0" err="1" smtClean="0"/>
-                        <a:t>gato</a:t>
-                      </a:r>
-                      <a:endParaRPr lang="en-US" dirty="0"/>
+                        <a:rPr lang="en-US" dirty="0"/>
+                        <a:t>noun</a:t>
+                      </a:r>
                     </a:p>
                   </a:txBody>
                   <a:tcPr/>
                 </a:tc>
-                <a:tc>
-                  <a:txBody>
-                    <a:bodyPr/>
-                    <a:lstStyle/>
-                    <a:p>
-                      <a:r>
-                        <a:rPr lang="en-US" dirty="0" smtClean="0"/>
-                        <a:t>noun</a:t>
-                      </a:r>
-                      <a:endParaRPr lang="en-US" dirty="0"/>
-                    </a:p>
-                  </a:txBody>
-                  <a:tcPr/>
-                </a:tc>
+                <a:extLst>
+                  <a:ext uri="{0D108BD9-81ED-4DB2-BD59-A6C34878D82A}">
+                    <a16:rowId xmlns:a16="http://schemas.microsoft.com/office/drawing/2014/main" val="10001"/>
+                  </a:ext>
+                </a:extLst>
               </a:tr>
               <a:tr h="370840">
                 <a:tc>
@@ -7515,10 +8828,9 @@
                     <a:lstStyle/>
                     <a:p>
                       <a:r>
-                        <a:rPr lang="en-US" dirty="0" smtClean="0"/>
+                        <a:rPr lang="en-US" dirty="0"/>
                         <a:t>2</a:t>
                       </a:r>
-                      <a:endParaRPr lang="en-US" dirty="0"/>
                     </a:p>
                   </a:txBody>
                   <a:tcPr>
@@ -7533,9 +8845,22 @@
                     <a:lstStyle/>
                     <a:p>
                       <a:r>
-                        <a:rPr lang="en-US" dirty="0" smtClean="0"/>
+                        <a:rPr lang="en-US" dirty="0"/>
                         <a:t>dog</a:t>
                       </a:r>
+                    </a:p>
+                  </a:txBody>
+                  <a:tcPr/>
+                </a:tc>
+                <a:tc>
+                  <a:txBody>
+                    <a:bodyPr/>
+                    <a:lstStyle/>
+                    <a:p>
+                      <a:r>
+                        <a:rPr lang="en-US" dirty="0" err="1"/>
+                        <a:t>perro</a:t>
+                      </a:r>
                       <a:endParaRPr lang="en-US" dirty="0"/>
                     </a:p>
                   </a:txBody>
@@ -7547,28 +8872,18 @@
                     <a:lstStyle/>
                     <a:p>
                       <a:r>
-                        <a:rPr lang="en-US" dirty="0" err="1" smtClean="0"/>
-                        <a:t>perro</a:t>
-                      </a:r>
-                      <a:endParaRPr lang="en-US" dirty="0"/>
+                        <a:rPr lang="en-US" dirty="0"/>
+                        <a:t>noun</a:t>
+                      </a:r>
                     </a:p>
                   </a:txBody>
                   <a:tcPr/>
                 </a:tc>
-                <a:tc>
-                  <a:txBody>
-                    <a:bodyPr/>
-                    <a:lstStyle/>
-                    <a:p>
-                      <a:r>
-                        <a:rPr lang="en-US" dirty="0" smtClean="0"/>
-                        <a:t>noun</a:t>
-                      </a:r>
-                      <a:endParaRPr lang="en-US" dirty="0"/>
-                    </a:p>
-                  </a:txBody>
-                  <a:tcPr/>
-                </a:tc>
+                <a:extLst>
+                  <a:ext uri="{0D108BD9-81ED-4DB2-BD59-A6C34878D82A}">
+                    <a16:rowId xmlns:a16="http://schemas.microsoft.com/office/drawing/2014/main" val="10002"/>
+                  </a:ext>
+                </a:extLst>
               </a:tr>
             </a:tbl>
           </a:graphicData>
@@ -7620,10 +8935,9 @@
           <a:lstStyle/>
           <a:p>
             <a:r>
-              <a:rPr lang="en-US" dirty="0" smtClean="0"/>
+              <a:rPr lang="en-US" dirty="0"/>
               <a:t>SQL</a:t>
             </a:r>
-            <a:endParaRPr lang="en-US" dirty="0"/>
           </a:p>
         </p:txBody>
       </p:sp>
@@ -7645,36 +8959,35 @@
           <a:lstStyle/>
           <a:p>
             <a:r>
-              <a:rPr lang="en-US" dirty="0" smtClean="0"/>
+              <a:rPr lang="en-US" dirty="0"/>
               <a:t>SQL (pronounced sequel) is the most popular language for querying. </a:t>
             </a:r>
           </a:p>
           <a:p>
             <a:r>
-              <a:rPr lang="en-US" dirty="0" smtClean="0"/>
+              <a:rPr lang="en-US" dirty="0"/>
               <a:t>It has some attributes of a functional language</a:t>
             </a:r>
           </a:p>
           <a:p>
             <a:pPr lvl="1"/>
             <a:r>
-              <a:rPr lang="en-US" dirty="0" smtClean="0"/>
+              <a:rPr lang="en-US" dirty="0"/>
               <a:t>No state (no variables)</a:t>
             </a:r>
           </a:p>
           <a:p>
             <a:pPr lvl="1"/>
             <a:r>
-              <a:rPr lang="en-US" dirty="0" smtClean="0"/>
+              <a:rPr lang="en-US" dirty="0"/>
               <a:t>No sequence of operations (all at once operations)</a:t>
             </a:r>
           </a:p>
           <a:p>
             <a:r>
-              <a:rPr lang="en-US" dirty="0" smtClean="0"/>
+              <a:rPr lang="en-US" dirty="0"/>
               <a:t>Many popular RDBMS’s use SQL: Oracle, SQL Server, My SQL</a:t>
             </a:r>
-            <a:endParaRPr lang="en-US" dirty="0"/>
           </a:p>
         </p:txBody>
       </p:sp>
@@ -7724,10 +9037,9 @@
           <a:lstStyle/>
           <a:p>
             <a:r>
-              <a:rPr lang="en-US" dirty="0" smtClean="0"/>
+              <a:rPr lang="en-US" dirty="0"/>
               <a:t>Example Query</a:t>
             </a:r>
-            <a:endParaRPr lang="en-US" dirty="0"/>
           </a:p>
         </p:txBody>
       </p:sp>
@@ -7754,27 +9066,27 @@
               </a:lnSpc>
             </a:pPr>
             <a:r>
-              <a:rPr lang="en-US" dirty="0" smtClean="0"/>
+              <a:rPr lang="en-US" dirty="0"/>
               <a:t>Select Spanish </a:t>
             </a:r>
             <a:br>
-              <a:rPr lang="en-US" dirty="0" smtClean="0"/>
+              <a:rPr lang="en-US" dirty="0"/>
             </a:br>
             <a:r>
-              <a:rPr lang="en-US" dirty="0" smtClean="0"/>
+              <a:rPr lang="en-US" dirty="0"/>
               <a:t>from Dictionary </a:t>
             </a:r>
             <a:br>
-              <a:rPr lang="en-US" dirty="0" smtClean="0"/>
+              <a:rPr lang="en-US" dirty="0"/>
             </a:br>
             <a:r>
-              <a:rPr lang="en-US" dirty="0" smtClean="0"/>
+              <a:rPr lang="en-US" dirty="0"/>
               <a:t>where English = “dog”</a:t>
             </a:r>
             <a:br>
-              <a:rPr lang="en-US" dirty="0" smtClean="0"/>
+              <a:rPr lang="en-US" dirty="0"/>
             </a:br>
-            <a:endParaRPr lang="en-US" dirty="0" smtClean="0"/>
+            <a:endParaRPr lang="en-US" dirty="0"/>
           </a:p>
           <a:p>
             <a:pPr>
@@ -7782,7 +9094,7 @@
                 <a:spcPct val="110000"/>
               </a:lnSpc>
             </a:pPr>
-            <a:endParaRPr lang="en-US" dirty="0" smtClean="0"/>
+            <a:endParaRPr lang="en-US" dirty="0"/>
           </a:p>
           <a:p>
             <a:pPr>
@@ -7791,34 +9103,30 @@
               </a:lnSpc>
             </a:pPr>
             <a:r>
-              <a:rPr lang="en-US" dirty="0" smtClean="0"/>
+              <a:rPr lang="en-US" dirty="0"/>
               <a:t>Select * </a:t>
             </a:r>
             <a:br>
-              <a:rPr lang="en-US" dirty="0" smtClean="0"/>
+              <a:rPr lang="en-US" dirty="0"/>
             </a:br>
             <a:r>
-              <a:rPr lang="en-US" dirty="0" smtClean="0"/>
+              <a:rPr lang="en-US" dirty="0"/>
               <a:t>from Dictionary </a:t>
             </a:r>
             <a:br>
-              <a:rPr lang="en-US" dirty="0" smtClean="0"/>
+              <a:rPr lang="en-US" dirty="0"/>
             </a:br>
             <a:r>
-              <a:rPr lang="en-US" dirty="0" smtClean="0"/>
+              <a:rPr lang="en-US" dirty="0"/>
               <a:t>where PartOfSpeech = “verb”</a:t>
             </a:r>
             <a:br>
-              <a:rPr lang="en-US" dirty="0" smtClean="0"/>
+              <a:rPr lang="en-US" dirty="0"/>
             </a:br>
-            <a:r>
-              <a:rPr lang="en-US" dirty="0" smtClean="0"/>
-              <a:t/>
-            </a:r>
             <a:br>
-              <a:rPr lang="en-US" dirty="0" smtClean="0"/>
+              <a:rPr lang="en-US" dirty="0"/>
             </a:br>
-            <a:endParaRPr lang="en-US" dirty="0" smtClean="0"/>
+            <a:endParaRPr lang="en-US" dirty="0"/>
           </a:p>
           <a:p>
             <a:pPr>
@@ -7826,7 +9134,7 @@
                 <a:spcPct val="110000"/>
               </a:lnSpc>
             </a:pPr>
-            <a:endParaRPr lang="en-US" dirty="0" smtClean="0"/>
+            <a:endParaRPr lang="en-US" dirty="0"/>
           </a:p>
         </p:txBody>
       </p:sp>
@@ -7855,7 +9163,13 @@
                 <a:tableStyleId>{5C22544A-7EE6-4342-B048-85BDC9FD1C3A}</a:tableStyleId>
               </a:tblPr>
               <a:tblGrid>
-                <a:gridCol w="2151020"/>
+                <a:gridCol w="2151020">
+                  <a:extLst>
+                    <a:ext uri="{9D8B030D-6E8A-4147-A177-3AD203B41FA5}">
+                      <a16:colId xmlns:a16="http://schemas.microsoft.com/office/drawing/2014/main" val="20000"/>
+                    </a:ext>
+                  </a:extLst>
+                </a:gridCol>
               </a:tblGrid>
               <a:tr h="370840">
                 <a:tc>
@@ -7864,14 +9178,18 @@
                     <a:lstStyle/>
                     <a:p>
                       <a:r>
-                        <a:rPr lang="en-US" dirty="0" smtClean="0"/>
+                        <a:rPr lang="en-US" dirty="0"/>
                         <a:t>Spanish</a:t>
                       </a:r>
-                      <a:endParaRPr lang="en-US" dirty="0"/>
                     </a:p>
                   </a:txBody>
                   <a:tcPr/>
                 </a:tc>
+                <a:extLst>
+                  <a:ext uri="{0D108BD9-81ED-4DB2-BD59-A6C34878D82A}">
+                    <a16:rowId xmlns:a16="http://schemas.microsoft.com/office/drawing/2014/main" val="10000"/>
+                  </a:ext>
+                </a:extLst>
               </a:tr>
               <a:tr h="370840">
                 <a:tc>
@@ -7880,7 +9198,7 @@
                     <a:lstStyle/>
                     <a:p>
                       <a:r>
-                        <a:rPr lang="en-US" dirty="0" err="1" smtClean="0"/>
+                        <a:rPr lang="en-US" dirty="0" err="1"/>
                         <a:t>perro</a:t>
                       </a:r>
                       <a:endParaRPr lang="en-US" dirty="0"/>
@@ -7888,6 +9206,11 @@
                   </a:txBody>
                   <a:tcPr/>
                 </a:tc>
+                <a:extLst>
+                  <a:ext uri="{0D108BD9-81ED-4DB2-BD59-A6C34878D82A}">
+                    <a16:rowId xmlns:a16="http://schemas.microsoft.com/office/drawing/2014/main" val="10001"/>
+                  </a:ext>
+                </a:extLst>
               </a:tr>
             </a:tbl>
           </a:graphicData>
@@ -7918,10 +9241,34 @@
                 <a:tableStyleId>{5C22544A-7EE6-4342-B048-85BDC9FD1C3A}</a:tableStyleId>
               </a:tblPr>
               <a:tblGrid>
-                <a:gridCol w="1524000"/>
-                <a:gridCol w="1524000"/>
-                <a:gridCol w="1524000"/>
-                <a:gridCol w="1917117"/>
+                <a:gridCol w="1524000">
+                  <a:extLst>
+                    <a:ext uri="{9D8B030D-6E8A-4147-A177-3AD203B41FA5}">
+                      <a16:colId xmlns:a16="http://schemas.microsoft.com/office/drawing/2014/main" val="20000"/>
+                    </a:ext>
+                  </a:extLst>
+                </a:gridCol>
+                <a:gridCol w="1524000">
+                  <a:extLst>
+                    <a:ext uri="{9D8B030D-6E8A-4147-A177-3AD203B41FA5}">
+                      <a16:colId xmlns:a16="http://schemas.microsoft.com/office/drawing/2014/main" val="20001"/>
+                    </a:ext>
+                  </a:extLst>
+                </a:gridCol>
+                <a:gridCol w="1524000">
+                  <a:extLst>
+                    <a:ext uri="{9D8B030D-6E8A-4147-A177-3AD203B41FA5}">
+                      <a16:colId xmlns:a16="http://schemas.microsoft.com/office/drawing/2014/main" val="20002"/>
+                    </a:ext>
+                  </a:extLst>
+                </a:gridCol>
+                <a:gridCol w="1917117">
+                  <a:extLst>
+                    <a:ext uri="{9D8B030D-6E8A-4147-A177-3AD203B41FA5}">
+                      <a16:colId xmlns:a16="http://schemas.microsoft.com/office/drawing/2014/main" val="20003"/>
+                    </a:ext>
+                  </a:extLst>
+                </a:gridCol>
               </a:tblGrid>
               <a:tr h="370840">
                 <a:tc>
@@ -7930,10 +9277,9 @@
                     <a:lstStyle/>
                     <a:p>
                       <a:r>
-                        <a:rPr lang="en-US" dirty="0" smtClean="0"/>
+                        <a:rPr lang="en-US" dirty="0"/>
                         <a:t>ID</a:t>
                       </a:r>
-                      <a:endParaRPr lang="en-US" dirty="0"/>
                     </a:p>
                   </a:txBody>
                   <a:tcPr/>
@@ -7944,10 +9290,9 @@
                     <a:lstStyle/>
                     <a:p>
                       <a:r>
-                        <a:rPr lang="en-US" dirty="0" smtClean="0"/>
+                        <a:rPr lang="en-US" dirty="0"/>
                         <a:t>English</a:t>
                       </a:r>
-                      <a:endParaRPr lang="en-US" dirty="0"/>
                     </a:p>
                   </a:txBody>
                   <a:tcPr/>
@@ -7958,10 +9303,9 @@
                     <a:lstStyle/>
                     <a:p>
                       <a:r>
-                        <a:rPr lang="en-US" dirty="0" smtClean="0"/>
+                        <a:rPr lang="en-US" dirty="0"/>
                         <a:t>Spanish</a:t>
                       </a:r>
-                      <a:endParaRPr lang="en-US" dirty="0"/>
                     </a:p>
                   </a:txBody>
                   <a:tcPr/>
@@ -7972,14 +9316,18 @@
                     <a:lstStyle/>
                     <a:p>
                       <a:r>
-                        <a:rPr lang="en-US" dirty="0" smtClean="0"/>
+                        <a:rPr lang="en-US" dirty="0"/>
                         <a:t>PartOfSpeech</a:t>
                       </a:r>
-                      <a:endParaRPr lang="en-US" dirty="0"/>
                     </a:p>
                   </a:txBody>
                   <a:tcPr/>
                 </a:tc>
+                <a:extLst>
+                  <a:ext uri="{0D108BD9-81ED-4DB2-BD59-A6C34878D82A}">
+                    <a16:rowId xmlns:a16="http://schemas.microsoft.com/office/drawing/2014/main" val="10000"/>
+                  </a:ext>
+                </a:extLst>
               </a:tr>
               <a:tr h="370840">
                 <a:tc>
@@ -7988,9 +9336,35 @@
                     <a:lstStyle/>
                     <a:p>
                       <a:r>
-                        <a:rPr lang="en-US" dirty="0" smtClean="0"/>
+                        <a:rPr lang="en-US" dirty="0"/>
                         <a:t>3</a:t>
                       </a:r>
+                    </a:p>
+                  </a:txBody>
+                  <a:tcPr/>
+                </a:tc>
+                <a:tc>
+                  <a:txBody>
+                    <a:bodyPr/>
+                    <a:lstStyle/>
+                    <a:p>
+                      <a:r>
+                        <a:rPr lang="en-US" dirty="0"/>
+                        <a:t>to jump</a:t>
+                      </a:r>
+                    </a:p>
+                  </a:txBody>
+                  <a:tcPr/>
+                </a:tc>
+                <a:tc>
+                  <a:txBody>
+                    <a:bodyPr/>
+                    <a:lstStyle/>
+                    <a:p>
+                      <a:r>
+                        <a:rPr lang="en-US" dirty="0" err="1"/>
+                        <a:t>saltar</a:t>
+                      </a:r>
                       <a:endParaRPr lang="en-US" dirty="0"/>
                     </a:p>
                   </a:txBody>
@@ -8002,42 +9376,18 @@
                     <a:lstStyle/>
                     <a:p>
                       <a:r>
-                        <a:rPr lang="en-US" dirty="0" smtClean="0"/>
-                        <a:t>to jump</a:t>
-                      </a:r>
-                      <a:endParaRPr lang="en-US" dirty="0"/>
+                        <a:rPr lang="en-US" dirty="0"/>
+                        <a:t>verb</a:t>
+                      </a:r>
                     </a:p>
                   </a:txBody>
                   <a:tcPr/>
                 </a:tc>
-                <a:tc>
-                  <a:txBody>
-                    <a:bodyPr/>
-                    <a:lstStyle/>
-                    <a:p>
-                      <a:r>
-                        <a:rPr lang="en-US" dirty="0" err="1" smtClean="0"/>
-                        <a:t>saltar</a:t>
-                      </a:r>
-                      <a:endParaRPr lang="en-US" dirty="0"/>
-                    </a:p>
-                  </a:txBody>
-                  <a:tcPr/>
-                </a:tc>
-                <a:tc>
-                  <a:txBody>
-                    <a:bodyPr/>
-                    <a:lstStyle/>
-                    <a:p>
-                      <a:r>
-                        <a:rPr lang="en-US" dirty="0" smtClean="0"/>
-                        <a:t>verb</a:t>
-                      </a:r>
-                      <a:endParaRPr lang="en-US" dirty="0"/>
-                    </a:p>
-                  </a:txBody>
-                  <a:tcPr/>
-                </a:tc>
+                <a:extLst>
+                  <a:ext uri="{0D108BD9-81ED-4DB2-BD59-A6C34878D82A}">
+                    <a16:rowId xmlns:a16="http://schemas.microsoft.com/office/drawing/2014/main" val="10001"/>
+                  </a:ext>
+                </a:extLst>
               </a:tr>
               <a:tr h="370840">
                 <a:tc>
@@ -8046,10 +9396,9 @@
                     <a:lstStyle/>
                     <a:p>
                       <a:r>
-                        <a:rPr lang="en-US" dirty="0" smtClean="0"/>
+                        <a:rPr lang="en-US" dirty="0"/>
                         <a:t>4</a:t>
                       </a:r>
-                      <a:endParaRPr lang="en-US" dirty="0"/>
                     </a:p>
                   </a:txBody>
                   <a:tcPr/>
@@ -8060,10 +9409,9 @@
                     <a:lstStyle/>
                     <a:p>
                       <a:r>
-                        <a:rPr lang="en-US" dirty="0" smtClean="0"/>
+                        <a:rPr lang="en-US" dirty="0"/>
                         <a:t>to read</a:t>
                       </a:r>
-                      <a:endParaRPr lang="en-US" dirty="0"/>
                     </a:p>
                   </a:txBody>
                   <a:tcPr/>
@@ -8074,10 +9422,9 @@
                     <a:lstStyle/>
                     <a:p>
                       <a:r>
-                        <a:rPr lang="en-US" dirty="0" smtClean="0"/>
+                        <a:rPr lang="en-US" dirty="0"/>
                         <a:t>leer</a:t>
                       </a:r>
-                      <a:endParaRPr lang="en-US" dirty="0"/>
                     </a:p>
                   </a:txBody>
                   <a:tcPr/>
@@ -8088,14 +9435,18 @@
                     <a:lstStyle/>
                     <a:p>
                       <a:r>
-                        <a:rPr lang="en-US" dirty="0" smtClean="0"/>
+                        <a:rPr lang="en-US" dirty="0"/>
                         <a:t>verb</a:t>
                       </a:r>
-                      <a:endParaRPr lang="en-US" dirty="0"/>
                     </a:p>
                   </a:txBody>
                   <a:tcPr/>
                 </a:tc>
+                <a:extLst>
+                  <a:ext uri="{0D108BD9-81ED-4DB2-BD59-A6C34878D82A}">
+                    <a16:rowId xmlns:a16="http://schemas.microsoft.com/office/drawing/2014/main" val="10002"/>
+                  </a:ext>
+                </a:extLst>
               </a:tr>
             </a:tbl>
           </a:graphicData>
